--- a/assets/Genetec-SecurityCenter-cluster.pptx
+++ b/assets/Genetec-SecurityCenter-cluster.pptx
@@ -5,7 +5,8 @@
     <p:sldMasterId id="2147483648" r:id="rId1"/>
   </p:sldMasterIdLst>
   <p:sldIdLst>
-    <p:sldId id="256" r:id="rId2"/>
+    <p:sldId id="257" r:id="rId2"/>
+    <p:sldId id="259" r:id="rId3"/>
   </p:sldIdLst>
   <p:sldSz cx="12192000" cy="6858000"/>
   <p:notesSz cx="6858000" cy="9144000"/>
@@ -112,7 +113,7 @@
             <a:srgbClr val="A4A3A4"/>
           </p15:clr>
         </p15:guide>
-        <p15:guide id="2" pos="3840" userDrawn="1">
+        <p15:guide id="2" pos="3817" userDrawn="1">
           <p15:clr>
             <a:srgbClr val="A4A3A4"/>
           </p15:clr>
@@ -121,6 +122,1736 @@
     </p:ext>
   </p:extLst>
 </p:presentation>
+</file>
+
+<file path=ppt/revisionInfo.xml><?xml version="1.0" encoding="utf-8"?>
+<p1510:revInfo xmlns:a="http://schemas.openxmlformats.org/drawingml/2006/main" xmlns:r="http://schemas.openxmlformats.org/officeDocument/2006/relationships" xmlns:p1510="http://schemas.microsoft.com/office/powerpoint/2015/10/main">
+  <p1510:revLst>
+    <p1510:client id="{95632F7B-FFA5-437A-88C9-E58173507DAA}" v="541" dt="2025-09-16T07:35:08.302"/>
+  </p1510:revLst>
+</p1510:revInfo>
+</file>
+
+<file path=ppt/changesInfos/changesInfo1.xml><?xml version="1.0" encoding="utf-8"?>
+<pc:chgInfo xmlns:a="http://schemas.openxmlformats.org/drawingml/2006/main" xmlns:r="http://schemas.openxmlformats.org/officeDocument/2006/relationships" xmlns:ac="http://schemas.microsoft.com/office/drawing/2013/main/command" xmlns:pc="http://schemas.microsoft.com/office/powerpoint/2013/main/command">
+  <pc:docChgLst>
+    <pc:chgData name="MIYAMOTO KAZUYUKI(宮本　和幸)" userId="S::kazuyuki@nec.com::22efd1ed-8aed-418a-b26c-41ee2dcdf024" providerId="AD" clId="Web-{C4FFCA65-EDCA-3F83-F996-91F696C62722}"/>
+    <pc:docChg chg="modSld">
+      <pc:chgData name="MIYAMOTO KAZUYUKI(宮本　和幸)" userId="S::kazuyuki@nec.com::22efd1ed-8aed-418a-b26c-41ee2dcdf024" providerId="AD" clId="Web-{C4FFCA65-EDCA-3F83-F996-91F696C62722}" dt="2025-09-12T08:02:06.989" v="528" actId="14100"/>
+      <pc:docMkLst>
+        <pc:docMk/>
+      </pc:docMkLst>
+      <pc:sldChg chg="addSp delSp modSp">
+        <pc:chgData name="MIYAMOTO KAZUYUKI(宮本　和幸)" userId="S::kazuyuki@nec.com::22efd1ed-8aed-418a-b26c-41ee2dcdf024" providerId="AD" clId="Web-{C4FFCA65-EDCA-3F83-F996-91F696C62722}" dt="2025-09-12T08:02:06.989" v="528" actId="14100"/>
+        <pc:sldMkLst>
+          <pc:docMk/>
+          <pc:sldMk cId="230536960" sldId="256"/>
+        </pc:sldMkLst>
+        <pc:spChg chg="add mod">
+          <ac:chgData name="MIYAMOTO KAZUYUKI(宮本　和幸)" userId="S::kazuyuki@nec.com::22efd1ed-8aed-418a-b26c-41ee2dcdf024" providerId="AD" clId="Web-{C4FFCA65-EDCA-3F83-F996-91F696C62722}" dt="2025-09-12T07:59:06.112" v="513" actId="14100"/>
+          <ac:spMkLst>
+            <pc:docMk/>
+            <pc:sldMk cId="230536960" sldId="256"/>
+            <ac:spMk id="3" creationId="{AB9C5871-574F-80C7-EC65-91A546C7A49C}"/>
+          </ac:spMkLst>
+        </pc:spChg>
+        <pc:spChg chg="mod topLvl">
+          <ac:chgData name="MIYAMOTO KAZUYUKI(宮本　和幸)" userId="S::kazuyuki@nec.com::22efd1ed-8aed-418a-b26c-41ee2dcdf024" providerId="AD" clId="Web-{C4FFCA65-EDCA-3F83-F996-91F696C62722}" dt="2025-09-12T08:02:06.989" v="528" actId="14100"/>
+          <ac:spMkLst>
+            <pc:docMk/>
+            <pc:sldMk cId="230536960" sldId="256"/>
+            <ac:spMk id="4" creationId="{F1B1E509-4503-F711-7695-3511E90E33F2}"/>
+          </ac:spMkLst>
+        </pc:spChg>
+        <pc:spChg chg="mod topLvl">
+          <ac:chgData name="MIYAMOTO KAZUYUKI(宮本　和幸)" userId="S::kazuyuki@nec.com::22efd1ed-8aed-418a-b26c-41ee2dcdf024" providerId="AD" clId="Web-{C4FFCA65-EDCA-3F83-F996-91F696C62722}" dt="2025-09-12T07:50:14.712" v="385" actId="20577"/>
+          <ac:spMkLst>
+            <pc:docMk/>
+            <pc:sldMk cId="230536960" sldId="256"/>
+            <ac:spMk id="5" creationId="{8B8F45AD-B088-ED04-82B3-8E9EE0E74446}"/>
+          </ac:spMkLst>
+        </pc:spChg>
+        <pc:spChg chg="del mod topLvl">
+          <ac:chgData name="MIYAMOTO KAZUYUKI(宮本　和幸)" userId="S::kazuyuki@nec.com::22efd1ed-8aed-418a-b26c-41ee2dcdf024" providerId="AD" clId="Web-{C4FFCA65-EDCA-3F83-F996-91F696C62722}" dt="2025-09-12T08:01:20.348" v="522"/>
+          <ac:spMkLst>
+            <pc:docMk/>
+            <pc:sldMk cId="230536960" sldId="256"/>
+            <ac:spMk id="6" creationId="{70C3AA43-E2CB-384A-F404-3FEEC60B6DC0}"/>
+          </ac:spMkLst>
+        </pc:spChg>
+        <pc:spChg chg="topLvl">
+          <ac:chgData name="MIYAMOTO KAZUYUKI(宮本　和幸)" userId="S::kazuyuki@nec.com::22efd1ed-8aed-418a-b26c-41ee2dcdf024" providerId="AD" clId="Web-{C4FFCA65-EDCA-3F83-F996-91F696C62722}" dt="2025-09-12T07:27:30.113" v="295"/>
+          <ac:spMkLst>
+            <pc:docMk/>
+            <pc:sldMk cId="230536960" sldId="256"/>
+            <ac:spMk id="7" creationId="{1DD4B299-E809-DE7D-2B97-BC24BB61A2E3}"/>
+          </ac:spMkLst>
+        </pc:spChg>
+        <pc:spChg chg="add del">
+          <ac:chgData name="MIYAMOTO KAZUYUKI(宮本　和幸)" userId="S::kazuyuki@nec.com::22efd1ed-8aed-418a-b26c-41ee2dcdf024" providerId="AD" clId="Web-{C4FFCA65-EDCA-3F83-F996-91F696C62722}" dt="2025-09-12T07:19:34.434" v="273"/>
+          <ac:spMkLst>
+            <pc:docMk/>
+            <pc:sldMk cId="230536960" sldId="256"/>
+            <ac:spMk id="8" creationId="{B9513CAD-7923-C26B-95B1-243EF2B58452}"/>
+          </ac:spMkLst>
+        </pc:spChg>
+        <pc:spChg chg="add mod">
+          <ac:chgData name="MIYAMOTO KAZUYUKI(宮本　和幸)" userId="S::kazuyuki@nec.com::22efd1ed-8aed-418a-b26c-41ee2dcdf024" providerId="AD" clId="Web-{C4FFCA65-EDCA-3F83-F996-91F696C62722}" dt="2025-09-12T07:37:56.411" v="305" actId="1076"/>
+          <ac:spMkLst>
+            <pc:docMk/>
+            <pc:sldMk cId="230536960" sldId="256"/>
+            <ac:spMk id="10" creationId="{8680664D-38A6-A183-A139-49521E4BEEE3}"/>
+          </ac:spMkLst>
+        </pc:spChg>
+        <pc:spChg chg="add mod topLvl">
+          <ac:chgData name="MIYAMOTO KAZUYUKI(宮本　和幸)" userId="S::kazuyuki@nec.com::22efd1ed-8aed-418a-b26c-41ee2dcdf024" providerId="AD" clId="Web-{C4FFCA65-EDCA-3F83-F996-91F696C62722}" dt="2025-09-12T07:50:37.244" v="392" actId="1076"/>
+          <ac:spMkLst>
+            <pc:docMk/>
+            <pc:sldMk cId="230536960" sldId="256"/>
+            <ac:spMk id="11" creationId="{8C3EFAB1-27D9-96D4-F6E7-E1261ADB9876}"/>
+          </ac:spMkLst>
+        </pc:spChg>
+        <pc:spChg chg="add del mod">
+          <ac:chgData name="MIYAMOTO KAZUYUKI(宮本　和幸)" userId="S::kazuyuki@nec.com::22efd1ed-8aed-418a-b26c-41ee2dcdf024" providerId="AD" clId="Web-{C4FFCA65-EDCA-3F83-F996-91F696C62722}" dt="2025-09-12T08:01:16.614" v="519"/>
+          <ac:spMkLst>
+            <pc:docMk/>
+            <pc:sldMk cId="230536960" sldId="256"/>
+            <ac:spMk id="12" creationId="{70C3AA43-E2CB-384A-F404-3FEEC60B6DC0}"/>
+          </ac:spMkLst>
+        </pc:spChg>
+        <pc:spChg chg="add">
+          <ac:chgData name="MIYAMOTO KAZUYUKI(宮本　和幸)" userId="S::kazuyuki@nec.com::22efd1ed-8aed-418a-b26c-41ee2dcdf024" providerId="AD" clId="Web-{C4FFCA65-EDCA-3F83-F996-91F696C62722}" dt="2025-09-12T07:41:54.720" v="339"/>
+          <ac:spMkLst>
+            <pc:docMk/>
+            <pc:sldMk cId="230536960" sldId="256"/>
+            <ac:spMk id="13" creationId="{DE6FF593-7D4A-6011-74D9-0881D9957E25}"/>
+          </ac:spMkLst>
+        </pc:spChg>
+        <pc:spChg chg="add mod topLvl">
+          <ac:chgData name="MIYAMOTO KAZUYUKI(宮本　和幸)" userId="S::kazuyuki@nec.com::22efd1ed-8aed-418a-b26c-41ee2dcdf024" providerId="AD" clId="Web-{C4FFCA65-EDCA-3F83-F996-91F696C62722}" dt="2025-09-12T07:47:18.501" v="364"/>
+          <ac:spMkLst>
+            <pc:docMk/>
+            <pc:sldMk cId="230536960" sldId="256"/>
+            <ac:spMk id="14" creationId="{FFFF3926-A104-57B3-B42A-D6B37F23E689}"/>
+          </ac:spMkLst>
+        </pc:spChg>
+        <pc:spChg chg="topLvl">
+          <ac:chgData name="MIYAMOTO KAZUYUKI(宮本　和幸)" userId="S::kazuyuki@nec.com::22efd1ed-8aed-418a-b26c-41ee2dcdf024" providerId="AD" clId="Web-{C4FFCA65-EDCA-3F83-F996-91F696C62722}" dt="2025-09-12T07:27:30.113" v="295"/>
+          <ac:spMkLst>
+            <pc:docMk/>
+            <pc:sldMk cId="230536960" sldId="256"/>
+            <ac:spMk id="16" creationId="{E62BD396-325D-194A-B743-E44CF1DDB08D}"/>
+          </ac:spMkLst>
+        </pc:spChg>
+        <pc:spChg chg="add del mod topLvl">
+          <ac:chgData name="MIYAMOTO KAZUYUKI(宮本　和幸)" userId="S::kazuyuki@nec.com::22efd1ed-8aed-418a-b26c-41ee2dcdf024" providerId="AD" clId="Web-{C4FFCA65-EDCA-3F83-F996-91F696C62722}" dt="2025-09-12T07:50:22.509" v="388" actId="20577"/>
+          <ac:spMkLst>
+            <pc:docMk/>
+            <pc:sldMk cId="230536960" sldId="256"/>
+            <ac:spMk id="20" creationId="{8BA2CBAA-F605-54B0-2265-4EA0710A0AFB}"/>
+          </ac:spMkLst>
+        </pc:spChg>
+        <pc:spChg chg="mod topLvl">
+          <ac:chgData name="MIYAMOTO KAZUYUKI(宮本　和幸)" userId="S::kazuyuki@nec.com::22efd1ed-8aed-418a-b26c-41ee2dcdf024" providerId="AD" clId="Web-{C4FFCA65-EDCA-3F83-F996-91F696C62722}" dt="2025-09-12T07:50:08.102" v="381"/>
+          <ac:spMkLst>
+            <pc:docMk/>
+            <pc:sldMk cId="230536960" sldId="256"/>
+            <ac:spMk id="21" creationId="{B95EDB66-1233-5510-2C5C-7C3CFAEF794C}"/>
+          </ac:spMkLst>
+        </pc:spChg>
+        <pc:spChg chg="topLvl">
+          <ac:chgData name="MIYAMOTO KAZUYUKI(宮本　和幸)" userId="S::kazuyuki@nec.com::22efd1ed-8aed-418a-b26c-41ee2dcdf024" providerId="AD" clId="Web-{C4FFCA65-EDCA-3F83-F996-91F696C62722}" dt="2025-09-12T07:27:30.113" v="295"/>
+          <ac:spMkLst>
+            <pc:docMk/>
+            <pc:sldMk cId="230536960" sldId="256"/>
+            <ac:spMk id="22" creationId="{09AF4FA1-AA2A-D2A3-FAC8-33AFC854E3AE}"/>
+          </ac:spMkLst>
+        </pc:spChg>
+        <pc:spChg chg="topLvl">
+          <ac:chgData name="MIYAMOTO KAZUYUKI(宮本　和幸)" userId="S::kazuyuki@nec.com::22efd1ed-8aed-418a-b26c-41ee2dcdf024" providerId="AD" clId="Web-{C4FFCA65-EDCA-3F83-F996-91F696C62722}" dt="2025-09-12T07:27:30.113" v="295"/>
+          <ac:spMkLst>
+            <pc:docMk/>
+            <pc:sldMk cId="230536960" sldId="256"/>
+            <ac:spMk id="23" creationId="{EDFF4D88-A9FC-65C0-BE79-AE59512B2CF4}"/>
+          </ac:spMkLst>
+        </pc:spChg>
+        <pc:spChg chg="topLvl">
+          <ac:chgData name="MIYAMOTO KAZUYUKI(宮本　和幸)" userId="S::kazuyuki@nec.com::22efd1ed-8aed-418a-b26c-41ee2dcdf024" providerId="AD" clId="Web-{C4FFCA65-EDCA-3F83-F996-91F696C62722}" dt="2025-09-12T07:27:30.113" v="295"/>
+          <ac:spMkLst>
+            <pc:docMk/>
+            <pc:sldMk cId="230536960" sldId="256"/>
+            <ac:spMk id="29" creationId="{C4698BBA-2591-A164-0857-6ABCC6838C00}"/>
+          </ac:spMkLst>
+        </pc:spChg>
+        <pc:spChg chg="mod topLvl">
+          <ac:chgData name="MIYAMOTO KAZUYUKI(宮本　和幸)" userId="S::kazuyuki@nec.com::22efd1ed-8aed-418a-b26c-41ee2dcdf024" providerId="AD" clId="Web-{C4FFCA65-EDCA-3F83-F996-91F696C62722}" dt="2025-09-12T07:27:30.113" v="295"/>
+          <ac:spMkLst>
+            <pc:docMk/>
+            <pc:sldMk cId="230536960" sldId="256"/>
+            <ac:spMk id="37" creationId="{A524338D-ADC3-39D5-22DD-B390A6FBD85C}"/>
+          </ac:spMkLst>
+        </pc:spChg>
+        <pc:spChg chg="topLvl">
+          <ac:chgData name="MIYAMOTO KAZUYUKI(宮本　和幸)" userId="S::kazuyuki@nec.com::22efd1ed-8aed-418a-b26c-41ee2dcdf024" providerId="AD" clId="Web-{C4FFCA65-EDCA-3F83-F996-91F696C62722}" dt="2025-09-12T07:25:08.360" v="294"/>
+          <ac:spMkLst>
+            <pc:docMk/>
+            <pc:sldMk cId="230536960" sldId="256"/>
+            <ac:spMk id="40" creationId="{A4A9E68F-69D6-9FCD-6D52-04ED394DA0FB}"/>
+          </ac:spMkLst>
+        </pc:spChg>
+        <pc:spChg chg="topLvl">
+          <ac:chgData name="MIYAMOTO KAZUYUKI(宮本　和幸)" userId="S::kazuyuki@nec.com::22efd1ed-8aed-418a-b26c-41ee2dcdf024" providerId="AD" clId="Web-{C4FFCA65-EDCA-3F83-F996-91F696C62722}" dt="2025-09-12T07:25:08.360" v="294"/>
+          <ac:spMkLst>
+            <pc:docMk/>
+            <pc:sldMk cId="230536960" sldId="256"/>
+            <ac:spMk id="41" creationId="{EE295B22-579B-5CFB-2B4C-96EAF07798EE}"/>
+          </ac:spMkLst>
+        </pc:spChg>
+        <pc:spChg chg="mod topLvl">
+          <ac:chgData name="MIYAMOTO KAZUYUKI(宮本　和幸)" userId="S::kazuyuki@nec.com::22efd1ed-8aed-418a-b26c-41ee2dcdf024" providerId="AD" clId="Web-{C4FFCA65-EDCA-3F83-F996-91F696C62722}" dt="2025-09-12T07:47:18.501" v="364"/>
+          <ac:spMkLst>
+            <pc:docMk/>
+            <pc:sldMk cId="230536960" sldId="256"/>
+            <ac:spMk id="51" creationId="{ABEB3093-FA65-6508-2605-D0BC3C4DD80A}"/>
+          </ac:spMkLst>
+        </pc:spChg>
+        <pc:grpChg chg="del topLvl">
+          <ac:chgData name="MIYAMOTO KAZUYUKI(宮本　和幸)" userId="S::kazuyuki@nec.com::22efd1ed-8aed-418a-b26c-41ee2dcdf024" providerId="AD" clId="Web-{C4FFCA65-EDCA-3F83-F996-91F696C62722}" dt="2025-09-12T07:36:43.706" v="296"/>
+          <ac:grpSpMkLst>
+            <pc:docMk/>
+            <pc:sldMk cId="230536960" sldId="256"/>
+            <ac:grpSpMk id="18" creationId="{299F2D40-DA03-A3A7-D574-D3889D07C663}"/>
+          </ac:grpSpMkLst>
+        </pc:grpChg>
+        <pc:grpChg chg="add del topLvl">
+          <ac:chgData name="MIYAMOTO KAZUYUKI(宮本　和幸)" userId="S::kazuyuki@nec.com::22efd1ed-8aed-418a-b26c-41ee2dcdf024" providerId="AD" clId="Web-{C4FFCA65-EDCA-3F83-F996-91F696C62722}" dt="2025-09-12T07:50:08.102" v="381"/>
+          <ac:grpSpMkLst>
+            <pc:docMk/>
+            <pc:sldMk cId="230536960" sldId="256"/>
+            <ac:grpSpMk id="19" creationId="{001DB11D-FBC9-ECAA-BAF7-B12D236EB82D}"/>
+          </ac:grpSpMkLst>
+        </pc:grpChg>
+        <pc:grpChg chg="add del">
+          <ac:chgData name="MIYAMOTO KAZUYUKI(宮本　和幸)" userId="S::kazuyuki@nec.com::22efd1ed-8aed-418a-b26c-41ee2dcdf024" providerId="AD" clId="Web-{C4FFCA65-EDCA-3F83-F996-91F696C62722}" dt="2025-09-12T07:47:18.501" v="364"/>
+          <ac:grpSpMkLst>
+            <pc:docMk/>
+            <pc:sldMk cId="230536960" sldId="256"/>
+            <ac:grpSpMk id="24" creationId="{C18C6602-4DD0-3A1C-CBDA-0596519718AB}"/>
+          </ac:grpSpMkLst>
+        </pc:grpChg>
+        <pc:grpChg chg="add mod">
+          <ac:chgData name="MIYAMOTO KAZUYUKI(宮本　和幸)" userId="S::kazuyuki@nec.com::22efd1ed-8aed-418a-b26c-41ee2dcdf024" providerId="AD" clId="Web-{C4FFCA65-EDCA-3F83-F996-91F696C62722}" dt="2025-09-12T07:50:45.041" v="394" actId="1076"/>
+          <ac:grpSpMkLst>
+            <pc:docMk/>
+            <pc:sldMk cId="230536960" sldId="256"/>
+            <ac:grpSpMk id="25" creationId="{556D0927-BA57-FC90-9742-91FD7C90EADD}"/>
+          </ac:grpSpMkLst>
+        </pc:grpChg>
+        <pc:grpChg chg="add mod">
+          <ac:chgData name="MIYAMOTO KAZUYUKI(宮本　和幸)" userId="S::kazuyuki@nec.com::22efd1ed-8aed-418a-b26c-41ee2dcdf024" providerId="AD" clId="Web-{C4FFCA65-EDCA-3F83-F996-91F696C62722}" dt="2025-09-12T08:01:06.801" v="517" actId="1076"/>
+          <ac:grpSpMkLst>
+            <pc:docMk/>
+            <pc:sldMk cId="230536960" sldId="256"/>
+            <ac:grpSpMk id="27" creationId="{B7734F35-0983-92B2-892A-E44566E6060E}"/>
+          </ac:grpSpMkLst>
+        </pc:grpChg>
+        <pc:grpChg chg="del topLvl">
+          <ac:chgData name="MIYAMOTO KAZUYUKI(宮本　和幸)" userId="S::kazuyuki@nec.com::22efd1ed-8aed-418a-b26c-41ee2dcdf024" providerId="AD" clId="Web-{C4FFCA65-EDCA-3F83-F996-91F696C62722}" dt="2025-09-12T07:27:30.113" v="295"/>
+          <ac:grpSpMkLst>
+            <pc:docMk/>
+            <pc:sldMk cId="230536960" sldId="256"/>
+            <ac:grpSpMk id="38" creationId="{A2991199-0438-D652-C91A-54A23921D960}"/>
+          </ac:grpSpMkLst>
+        </pc:grpChg>
+        <pc:grpChg chg="del mod">
+          <ac:chgData name="MIYAMOTO KAZUYUKI(宮本　和幸)" userId="S::kazuyuki@nec.com::22efd1ed-8aed-418a-b26c-41ee2dcdf024" providerId="AD" clId="Web-{C4FFCA65-EDCA-3F83-F996-91F696C62722}" dt="2025-09-12T07:25:08.360" v="294"/>
+          <ac:grpSpMkLst>
+            <pc:docMk/>
+            <pc:sldMk cId="230536960" sldId="256"/>
+            <ac:grpSpMk id="55" creationId="{ABEEDB0D-3614-28E3-6550-2CB8AA0FBA4D}"/>
+          </ac:grpSpMkLst>
+        </pc:grpChg>
+        <pc:cxnChg chg="add mod">
+          <ac:chgData name="MIYAMOTO KAZUYUKI(宮本　和幸)" userId="S::kazuyuki@nec.com::22efd1ed-8aed-418a-b26c-41ee2dcdf024" providerId="AD" clId="Web-{C4FFCA65-EDCA-3F83-F996-91F696C62722}" dt="2025-09-12T07:49:07.132" v="375" actId="14100"/>
+          <ac:cxnSpMkLst>
+            <pc:docMk/>
+            <pc:sldMk cId="230536960" sldId="256"/>
+            <ac:cxnSpMk id="17" creationId="{80AA35FD-C783-F76B-C28C-1E26CD2D5C8A}"/>
+          </ac:cxnSpMkLst>
+        </pc:cxnChg>
+        <pc:cxnChg chg="add mod">
+          <ac:chgData name="MIYAMOTO KAZUYUKI(宮本　和幸)" userId="S::kazuyuki@nec.com::22efd1ed-8aed-418a-b26c-41ee2dcdf024" providerId="AD" clId="Web-{C4FFCA65-EDCA-3F83-F996-91F696C62722}" dt="2025-09-12T07:49:20.539" v="377" actId="14100"/>
+          <ac:cxnSpMkLst>
+            <pc:docMk/>
+            <pc:sldMk cId="230536960" sldId="256"/>
+            <ac:cxnSpMk id="26" creationId="{2A4FC157-5F07-49BE-6DF3-67DA1313372E}"/>
+          </ac:cxnSpMkLst>
+        </pc:cxnChg>
+        <pc:cxnChg chg="mod">
+          <ac:chgData name="MIYAMOTO KAZUYUKI(宮本　和幸)" userId="S::kazuyuki@nec.com::22efd1ed-8aed-418a-b26c-41ee2dcdf024" providerId="AD" clId="Web-{C4FFCA65-EDCA-3F83-F996-91F696C62722}" dt="2025-09-12T08:01:20.348" v="522"/>
+          <ac:cxnSpMkLst>
+            <pc:docMk/>
+            <pc:sldMk cId="230536960" sldId="256"/>
+            <ac:cxnSpMk id="31" creationId="{DA831BA0-6543-FC3D-A54A-4C4604A10DDB}"/>
+          </ac:cxnSpMkLst>
+        </pc:cxnChg>
+        <pc:cxnChg chg="topLvl">
+          <ac:chgData name="MIYAMOTO KAZUYUKI(宮本　和幸)" userId="S::kazuyuki@nec.com::22efd1ed-8aed-418a-b26c-41ee2dcdf024" providerId="AD" clId="Web-{C4FFCA65-EDCA-3F83-F996-91F696C62722}" dt="2025-09-12T07:25:08.360" v="294"/>
+          <ac:cxnSpMkLst>
+            <pc:docMk/>
+            <pc:sldMk cId="230536960" sldId="256"/>
+            <ac:cxnSpMk id="42" creationId="{F7B50938-A38E-7490-E247-50D6FEB4BB24}"/>
+          </ac:cxnSpMkLst>
+        </pc:cxnChg>
+        <pc:cxnChg chg="topLvl">
+          <ac:chgData name="MIYAMOTO KAZUYUKI(宮本　和幸)" userId="S::kazuyuki@nec.com::22efd1ed-8aed-418a-b26c-41ee2dcdf024" providerId="AD" clId="Web-{C4FFCA65-EDCA-3F83-F996-91F696C62722}" dt="2025-09-12T07:25:08.360" v="294"/>
+          <ac:cxnSpMkLst>
+            <pc:docMk/>
+            <pc:sldMk cId="230536960" sldId="256"/>
+            <ac:cxnSpMk id="48" creationId="{B5A6E89D-6760-023B-0603-8438C746FF2F}"/>
+          </ac:cxnSpMkLst>
+        </pc:cxnChg>
+      </pc:sldChg>
+    </pc:docChg>
+  </pc:docChgLst>
+  <pc:docChgLst>
+    <pc:chgData name="MIYAMOTO KAZUYUKI(宮本　和幸)" userId="22efd1ed-8aed-418a-b26c-41ee2dcdf024" providerId="ADAL" clId="{95632F7B-FFA5-437A-88C9-E58173507DAA}"/>
+    <pc:docChg chg="undo redo custSel addSld delSld modSld sldOrd">
+      <pc:chgData name="MIYAMOTO KAZUYUKI(宮本　和幸)" userId="22efd1ed-8aed-418a-b26c-41ee2dcdf024" providerId="ADAL" clId="{95632F7B-FFA5-437A-88C9-E58173507DAA}" dt="2025-09-16T07:59:13.058" v="3117" actId="47"/>
+      <pc:docMkLst>
+        <pc:docMk/>
+      </pc:docMkLst>
+      <pc:sldChg chg="addSp delSp modSp del mod">
+        <pc:chgData name="MIYAMOTO KAZUYUKI(宮本　和幸)" userId="22efd1ed-8aed-418a-b26c-41ee2dcdf024" providerId="ADAL" clId="{95632F7B-FFA5-437A-88C9-E58173507DAA}" dt="2025-09-16T07:59:13.058" v="3117" actId="47"/>
+        <pc:sldMkLst>
+          <pc:docMk/>
+          <pc:sldMk cId="230536960" sldId="256"/>
+        </pc:sldMkLst>
+        <pc:spChg chg="mod ord topLvl">
+          <ac:chgData name="MIYAMOTO KAZUYUKI(宮本　和幸)" userId="22efd1ed-8aed-418a-b26c-41ee2dcdf024" providerId="ADAL" clId="{95632F7B-FFA5-437A-88C9-E58173507DAA}" dt="2025-09-12T13:46:24.974" v="1352" actId="164"/>
+          <ac:spMkLst>
+            <pc:docMk/>
+            <pc:sldMk cId="230536960" sldId="256"/>
+            <ac:spMk id="3" creationId="{AB9C5871-574F-80C7-EC65-91A546C7A49C}"/>
+          </ac:spMkLst>
+        </pc:spChg>
+        <pc:spChg chg="mod topLvl">
+          <ac:chgData name="MIYAMOTO KAZUYUKI(宮本　和幸)" userId="22efd1ed-8aed-418a-b26c-41ee2dcdf024" providerId="ADAL" clId="{95632F7B-FFA5-437A-88C9-E58173507DAA}" dt="2025-09-12T13:46:24.974" v="1352" actId="164"/>
+          <ac:spMkLst>
+            <pc:docMk/>
+            <pc:sldMk cId="230536960" sldId="256"/>
+            <ac:spMk id="4" creationId="{F1B1E509-4503-F711-7695-3511E90E33F2}"/>
+          </ac:spMkLst>
+        </pc:spChg>
+        <pc:spChg chg="mod">
+          <ac:chgData name="MIYAMOTO KAZUYUKI(宮本　和幸)" userId="22efd1ed-8aed-418a-b26c-41ee2dcdf024" providerId="ADAL" clId="{95632F7B-FFA5-437A-88C9-E58173507DAA}" dt="2025-09-12T13:55:03.825" v="1476" actId="1076"/>
+          <ac:spMkLst>
+            <pc:docMk/>
+            <pc:sldMk cId="230536960" sldId="256"/>
+            <ac:spMk id="5" creationId="{8B8F45AD-B088-ED04-82B3-8E9EE0E74446}"/>
+          </ac:spMkLst>
+        </pc:spChg>
+        <pc:spChg chg="del mod">
+          <ac:chgData name="MIYAMOTO KAZUYUKI(宮本　和幸)" userId="22efd1ed-8aed-418a-b26c-41ee2dcdf024" providerId="ADAL" clId="{95632F7B-FFA5-437A-88C9-E58173507DAA}" dt="2025-09-12T09:50:47.297" v="718" actId="478"/>
+          <ac:spMkLst>
+            <pc:docMk/>
+            <pc:sldMk cId="230536960" sldId="256"/>
+            <ac:spMk id="7" creationId="{1DD4B299-E809-DE7D-2B97-BC24BB61A2E3}"/>
+          </ac:spMkLst>
+        </pc:spChg>
+        <pc:spChg chg="add del mod topLvl">
+          <ac:chgData name="MIYAMOTO KAZUYUKI(宮本　和幸)" userId="22efd1ed-8aed-418a-b26c-41ee2dcdf024" providerId="ADAL" clId="{95632F7B-FFA5-437A-88C9-E58173507DAA}" dt="2025-09-12T09:07:06.436" v="469" actId="478"/>
+          <ac:spMkLst>
+            <pc:docMk/>
+            <pc:sldMk cId="230536960" sldId="256"/>
+            <ac:spMk id="10" creationId="{8680664D-38A6-A183-A139-49521E4BEEE3}"/>
+          </ac:spMkLst>
+        </pc:spChg>
+        <pc:spChg chg="mod topLvl">
+          <ac:chgData name="MIYAMOTO KAZUYUKI(宮本　和幸)" userId="22efd1ed-8aed-418a-b26c-41ee2dcdf024" providerId="ADAL" clId="{95632F7B-FFA5-437A-88C9-E58173507DAA}" dt="2025-09-12T13:56:06.304" v="1499" actId="1036"/>
+          <ac:spMkLst>
+            <pc:docMk/>
+            <pc:sldMk cId="230536960" sldId="256"/>
+            <ac:spMk id="11" creationId="{8C3EFAB1-27D9-96D4-F6E7-E1261ADB9876}"/>
+          </ac:spMkLst>
+        </pc:spChg>
+        <pc:spChg chg="add del mod ord topLvl">
+          <ac:chgData name="MIYAMOTO KAZUYUKI(宮本　和幸)" userId="22efd1ed-8aed-418a-b26c-41ee2dcdf024" providerId="ADAL" clId="{95632F7B-FFA5-437A-88C9-E58173507DAA}" dt="2025-09-12T13:59:11.877" v="1512" actId="166"/>
+          <ac:spMkLst>
+            <pc:docMk/>
+            <pc:sldMk cId="230536960" sldId="256"/>
+            <ac:spMk id="13" creationId="{DE6FF593-7D4A-6011-74D9-0881D9957E25}"/>
+          </ac:spMkLst>
+        </pc:spChg>
+        <pc:spChg chg="mod topLvl">
+          <ac:chgData name="MIYAMOTO KAZUYUKI(宮本　和幸)" userId="22efd1ed-8aed-418a-b26c-41ee2dcdf024" providerId="ADAL" clId="{95632F7B-FFA5-437A-88C9-E58173507DAA}" dt="2025-09-12T13:56:06.304" v="1499" actId="1036"/>
+          <ac:spMkLst>
+            <pc:docMk/>
+            <pc:sldMk cId="230536960" sldId="256"/>
+            <ac:spMk id="14" creationId="{FFFF3926-A104-57B3-B42A-D6B37F23E689}"/>
+          </ac:spMkLst>
+        </pc:spChg>
+        <pc:spChg chg="del">
+          <ac:chgData name="MIYAMOTO KAZUYUKI(宮本　和幸)" userId="22efd1ed-8aed-418a-b26c-41ee2dcdf024" providerId="ADAL" clId="{95632F7B-FFA5-437A-88C9-E58173507DAA}" dt="2025-09-12T09:49:35.827" v="663" actId="478"/>
+          <ac:spMkLst>
+            <pc:docMk/>
+            <pc:sldMk cId="230536960" sldId="256"/>
+            <ac:spMk id="16" creationId="{E62BD396-325D-194A-B743-E44CF1DDB08D}"/>
+          </ac:spMkLst>
+        </pc:spChg>
+        <pc:spChg chg="mod topLvl">
+          <ac:chgData name="MIYAMOTO KAZUYUKI(宮本　和幸)" userId="22efd1ed-8aed-418a-b26c-41ee2dcdf024" providerId="ADAL" clId="{95632F7B-FFA5-437A-88C9-E58173507DAA}" dt="2025-09-12T13:55:07.858" v="1479" actId="1076"/>
+          <ac:spMkLst>
+            <pc:docMk/>
+            <pc:sldMk cId="230536960" sldId="256"/>
+            <ac:spMk id="20" creationId="{8BA2CBAA-F605-54B0-2265-4EA0710A0AFB}"/>
+          </ac:spMkLst>
+        </pc:spChg>
+        <pc:spChg chg="del topLvl">
+          <ac:chgData name="MIYAMOTO KAZUYUKI(宮本　和幸)" userId="22efd1ed-8aed-418a-b26c-41ee2dcdf024" providerId="ADAL" clId="{95632F7B-FFA5-437A-88C9-E58173507DAA}" dt="2025-09-12T09:21:32.594" v="502" actId="478"/>
+          <ac:spMkLst>
+            <pc:docMk/>
+            <pc:sldMk cId="230536960" sldId="256"/>
+            <ac:spMk id="21" creationId="{B95EDB66-1233-5510-2C5C-7C3CFAEF794C}"/>
+          </ac:spMkLst>
+        </pc:spChg>
+        <pc:spChg chg="del mod">
+          <ac:chgData name="MIYAMOTO KAZUYUKI(宮本　和幸)" userId="22efd1ed-8aed-418a-b26c-41ee2dcdf024" providerId="ADAL" clId="{95632F7B-FFA5-437A-88C9-E58173507DAA}" dt="2025-09-12T09:25:25.180" v="522" actId="478"/>
+          <ac:spMkLst>
+            <pc:docMk/>
+            <pc:sldMk cId="230536960" sldId="256"/>
+            <ac:spMk id="22" creationId="{09AF4FA1-AA2A-D2A3-FAC8-33AFC854E3AE}"/>
+          </ac:spMkLst>
+        </pc:spChg>
+        <pc:spChg chg="del mod">
+          <ac:chgData name="MIYAMOTO KAZUYUKI(宮本　和幸)" userId="22efd1ed-8aed-418a-b26c-41ee2dcdf024" providerId="ADAL" clId="{95632F7B-FFA5-437A-88C9-E58173507DAA}" dt="2025-09-12T09:51:33.361" v="728" actId="478"/>
+          <ac:spMkLst>
+            <pc:docMk/>
+            <pc:sldMk cId="230536960" sldId="256"/>
+            <ac:spMk id="23" creationId="{EDFF4D88-A9FC-65C0-BE79-AE59512B2CF4}"/>
+          </ac:spMkLst>
+        </pc:spChg>
+        <pc:spChg chg="del mod ord">
+          <ac:chgData name="MIYAMOTO KAZUYUKI(宮本　和幸)" userId="22efd1ed-8aed-418a-b26c-41ee2dcdf024" providerId="ADAL" clId="{95632F7B-FFA5-437A-88C9-E58173507DAA}" dt="2025-09-12T13:38:09.545" v="1164" actId="478"/>
+          <ac:spMkLst>
+            <pc:docMk/>
+            <pc:sldMk cId="230536960" sldId="256"/>
+            <ac:spMk id="29" creationId="{C4698BBA-2591-A164-0857-6ABCC6838C00}"/>
+          </ac:spMkLst>
+        </pc:spChg>
+        <pc:spChg chg="add mod topLvl">
+          <ac:chgData name="MIYAMOTO KAZUYUKI(宮本　和幸)" userId="22efd1ed-8aed-418a-b26c-41ee2dcdf024" providerId="ADAL" clId="{95632F7B-FFA5-437A-88C9-E58173507DAA}" dt="2025-09-12T13:46:24.974" v="1352" actId="164"/>
+          <ac:spMkLst>
+            <pc:docMk/>
+            <pc:sldMk cId="230536960" sldId="256"/>
+            <ac:spMk id="32" creationId="{3B984230-F96D-3953-0A78-F579D64FE7E2}"/>
+          </ac:spMkLst>
+        </pc:spChg>
+        <pc:spChg chg="add mod">
+          <ac:chgData name="MIYAMOTO KAZUYUKI(宮本　和幸)" userId="22efd1ed-8aed-418a-b26c-41ee2dcdf024" providerId="ADAL" clId="{95632F7B-FFA5-437A-88C9-E58173507DAA}" dt="2025-09-12T09:05:55.961" v="447"/>
+          <ac:spMkLst>
+            <pc:docMk/>
+            <pc:sldMk cId="230536960" sldId="256"/>
+            <ac:spMk id="36" creationId="{CD720272-0053-72F0-E807-BF851A719AE0}"/>
+          </ac:spMkLst>
+        </pc:spChg>
+        <pc:spChg chg="del">
+          <ac:chgData name="MIYAMOTO KAZUYUKI(宮本　和幸)" userId="22efd1ed-8aed-418a-b26c-41ee2dcdf024" providerId="ADAL" clId="{95632F7B-FFA5-437A-88C9-E58173507DAA}" dt="2025-09-12T09:49:32.288" v="662" actId="478"/>
+          <ac:spMkLst>
+            <pc:docMk/>
+            <pc:sldMk cId="230536960" sldId="256"/>
+            <ac:spMk id="37" creationId="{A524338D-ADC3-39D5-22DD-B390A6FBD85C}"/>
+          </ac:spMkLst>
+        </pc:spChg>
+        <pc:spChg chg="add mod">
+          <ac:chgData name="MIYAMOTO KAZUYUKI(宮本　和幸)" userId="22efd1ed-8aed-418a-b26c-41ee2dcdf024" providerId="ADAL" clId="{95632F7B-FFA5-437A-88C9-E58173507DAA}" dt="2025-09-12T09:06:01.375" v="448"/>
+          <ac:spMkLst>
+            <pc:docMk/>
+            <pc:sldMk cId="230536960" sldId="256"/>
+            <ac:spMk id="38" creationId="{F26F0A92-A1AB-CC31-0B0C-AD0D1443BC9D}"/>
+          </ac:spMkLst>
+        </pc:spChg>
+        <pc:spChg chg="add mod ord topLvl">
+          <ac:chgData name="MIYAMOTO KAZUYUKI(宮本　和幸)" userId="22efd1ed-8aed-418a-b26c-41ee2dcdf024" providerId="ADAL" clId="{95632F7B-FFA5-437A-88C9-E58173507DAA}" dt="2025-09-12T13:59:21.551" v="1513" actId="166"/>
+          <ac:spMkLst>
+            <pc:docMk/>
+            <pc:sldMk cId="230536960" sldId="256"/>
+            <ac:spMk id="39" creationId="{BFA23318-9459-EFF0-13FA-5922B1F33698}"/>
+          </ac:spMkLst>
+        </pc:spChg>
+        <pc:spChg chg="mod">
+          <ac:chgData name="MIYAMOTO KAZUYUKI(宮本　和幸)" userId="22efd1ed-8aed-418a-b26c-41ee2dcdf024" providerId="ADAL" clId="{95632F7B-FFA5-437A-88C9-E58173507DAA}" dt="2025-09-12T13:52:17.202" v="1461" actId="1036"/>
+          <ac:spMkLst>
+            <pc:docMk/>
+            <pc:sldMk cId="230536960" sldId="256"/>
+            <ac:spMk id="40" creationId="{A4A9E68F-69D6-9FCD-6D52-04ED394DA0FB}"/>
+          </ac:spMkLst>
+        </pc:spChg>
+        <pc:spChg chg="del mod">
+          <ac:chgData name="MIYAMOTO KAZUYUKI(宮本　和幸)" userId="22efd1ed-8aed-418a-b26c-41ee2dcdf024" providerId="ADAL" clId="{95632F7B-FFA5-437A-88C9-E58173507DAA}" dt="2025-09-12T09:46:23.629" v="610" actId="478"/>
+          <ac:spMkLst>
+            <pc:docMk/>
+            <pc:sldMk cId="230536960" sldId="256"/>
+            <ac:spMk id="41" creationId="{EE295B22-579B-5CFB-2B4C-96EAF07798EE}"/>
+          </ac:spMkLst>
+        </pc:spChg>
+        <pc:spChg chg="add del mod">
+          <ac:chgData name="MIYAMOTO KAZUYUKI(宮本　和幸)" userId="22efd1ed-8aed-418a-b26c-41ee2dcdf024" providerId="ADAL" clId="{95632F7B-FFA5-437A-88C9-E58173507DAA}" dt="2025-09-12T09:20:53.563" v="499" actId="21"/>
+          <ac:spMkLst>
+            <pc:docMk/>
+            <pc:sldMk cId="230536960" sldId="256"/>
+            <ac:spMk id="44" creationId="{927001E1-8093-A257-631C-93AA3757C363}"/>
+          </ac:spMkLst>
+        </pc:spChg>
+        <pc:spChg chg="add mod">
+          <ac:chgData name="MIYAMOTO KAZUYUKI(宮本　和幸)" userId="22efd1ed-8aed-418a-b26c-41ee2dcdf024" providerId="ADAL" clId="{95632F7B-FFA5-437A-88C9-E58173507DAA}" dt="2025-09-12T13:56:06.304" v="1499" actId="1036"/>
+          <ac:spMkLst>
+            <pc:docMk/>
+            <pc:sldMk cId="230536960" sldId="256"/>
+            <ac:spMk id="45" creationId="{5D3BD5FB-B52A-F0E3-A653-CB043110C6E8}"/>
+          </ac:spMkLst>
+        </pc:spChg>
+        <pc:spChg chg="mod topLvl">
+          <ac:chgData name="MIYAMOTO KAZUYUKI(宮本　和幸)" userId="22efd1ed-8aed-418a-b26c-41ee2dcdf024" providerId="ADAL" clId="{95632F7B-FFA5-437A-88C9-E58173507DAA}" dt="2025-09-12T13:49:44.967" v="1412" actId="113"/>
+          <ac:spMkLst>
+            <pc:docMk/>
+            <pc:sldMk cId="230536960" sldId="256"/>
+            <ac:spMk id="49" creationId="{26912F61-1D72-3F9D-3E1F-6EE27E7E1D22}"/>
+          </ac:spMkLst>
+        </pc:spChg>
+        <pc:spChg chg="mod topLvl">
+          <ac:chgData name="MIYAMOTO KAZUYUKI(宮本　和幸)" userId="22efd1ed-8aed-418a-b26c-41ee2dcdf024" providerId="ADAL" clId="{95632F7B-FFA5-437A-88C9-E58173507DAA}" dt="2025-09-12T13:45:30.985" v="1346" actId="164"/>
+          <ac:spMkLst>
+            <pc:docMk/>
+            <pc:sldMk cId="230536960" sldId="256"/>
+            <ac:spMk id="50" creationId="{8889C28D-E898-1816-D0C2-4E9A41BE05E7}"/>
+          </ac:spMkLst>
+        </pc:spChg>
+        <pc:spChg chg="add del mod">
+          <ac:chgData name="MIYAMOTO KAZUYUKI(宮本　和幸)" userId="22efd1ed-8aed-418a-b26c-41ee2dcdf024" providerId="ADAL" clId="{95632F7B-FFA5-437A-88C9-E58173507DAA}" dt="2025-09-12T13:55:36.199" v="1480" actId="14100"/>
+          <ac:spMkLst>
+            <pc:docMk/>
+            <pc:sldMk cId="230536960" sldId="256"/>
+            <ac:spMk id="51" creationId="{ABEB3093-FA65-6508-2605-D0BC3C4DD80A}"/>
+          </ac:spMkLst>
+        </pc:spChg>
+        <pc:spChg chg="mod topLvl">
+          <ac:chgData name="MIYAMOTO KAZUYUKI(宮本　和幸)" userId="22efd1ed-8aed-418a-b26c-41ee2dcdf024" providerId="ADAL" clId="{95632F7B-FFA5-437A-88C9-E58173507DAA}" dt="2025-09-12T13:49:39.421" v="1411" actId="113"/>
+          <ac:spMkLst>
+            <pc:docMk/>
+            <pc:sldMk cId="230536960" sldId="256"/>
+            <ac:spMk id="52" creationId="{E04B2DCF-90F2-23A9-1E52-600600C2ADB5}"/>
+          </ac:spMkLst>
+        </pc:spChg>
+        <pc:spChg chg="add del mod">
+          <ac:chgData name="MIYAMOTO KAZUYUKI(宮本　和幸)" userId="22efd1ed-8aed-418a-b26c-41ee2dcdf024" providerId="ADAL" clId="{95632F7B-FFA5-437A-88C9-E58173507DAA}" dt="2025-09-12T09:22:07.670" v="508" actId="21"/>
+          <ac:spMkLst>
+            <pc:docMk/>
+            <pc:sldMk cId="230536960" sldId="256"/>
+            <ac:spMk id="53" creationId="{EC16A3E9-4735-E939-2ED6-69F54E737105}"/>
+          </ac:spMkLst>
+        </pc:spChg>
+        <pc:spChg chg="mod topLvl">
+          <ac:chgData name="MIYAMOTO KAZUYUKI(宮本　和幸)" userId="22efd1ed-8aed-418a-b26c-41ee2dcdf024" providerId="ADAL" clId="{95632F7B-FFA5-437A-88C9-E58173507DAA}" dt="2025-09-12T13:56:06.304" v="1499" actId="1036"/>
+          <ac:spMkLst>
+            <pc:docMk/>
+            <pc:sldMk cId="230536960" sldId="256"/>
+            <ac:spMk id="55" creationId="{ECF9AD87-EF82-E3D7-1655-C7DAF7BAE448}"/>
+          </ac:spMkLst>
+        </pc:spChg>
+        <pc:spChg chg="mod topLvl">
+          <ac:chgData name="MIYAMOTO KAZUYUKI(宮本　和幸)" userId="22efd1ed-8aed-418a-b26c-41ee2dcdf024" providerId="ADAL" clId="{95632F7B-FFA5-437A-88C9-E58173507DAA}" dt="2025-09-12T13:56:06.304" v="1499" actId="1036"/>
+          <ac:spMkLst>
+            <pc:docMk/>
+            <pc:sldMk cId="230536960" sldId="256"/>
+            <ac:spMk id="56" creationId="{D973475E-3C10-7CEA-5238-563325A22F46}"/>
+          </ac:spMkLst>
+        </pc:spChg>
+        <pc:spChg chg="add mod">
+          <ac:chgData name="MIYAMOTO KAZUYUKI(宮本　和幸)" userId="22efd1ed-8aed-418a-b26c-41ee2dcdf024" providerId="ADAL" clId="{95632F7B-FFA5-437A-88C9-E58173507DAA}" dt="2025-09-12T13:52:17.202" v="1461" actId="1036"/>
+          <ac:spMkLst>
+            <pc:docMk/>
+            <pc:sldMk cId="230536960" sldId="256"/>
+            <ac:spMk id="60" creationId="{8C1F55A0-081A-EA18-D5EA-FBD279EFF98A}"/>
+          </ac:spMkLst>
+        </pc:spChg>
+        <pc:spChg chg="add mod">
+          <ac:chgData name="MIYAMOTO KAZUYUKI(宮本　和幸)" userId="22efd1ed-8aed-418a-b26c-41ee2dcdf024" providerId="ADAL" clId="{95632F7B-FFA5-437A-88C9-E58173507DAA}" dt="2025-09-12T13:52:17.202" v="1461" actId="1036"/>
+          <ac:spMkLst>
+            <pc:docMk/>
+            <pc:sldMk cId="230536960" sldId="256"/>
+            <ac:spMk id="74" creationId="{5C4A32EB-C5B8-1A4C-FD42-A47A75007A61}"/>
+          </ac:spMkLst>
+        </pc:spChg>
+        <pc:spChg chg="add mod ord">
+          <ac:chgData name="MIYAMOTO KAZUYUKI(宮本　和幸)" userId="22efd1ed-8aed-418a-b26c-41ee2dcdf024" providerId="ADAL" clId="{95632F7B-FFA5-437A-88C9-E58173507DAA}" dt="2025-09-12T13:51:13.472" v="1447" actId="1035"/>
+          <ac:spMkLst>
+            <pc:docMk/>
+            <pc:sldMk cId="230536960" sldId="256"/>
+            <ac:spMk id="83" creationId="{C886B582-9B52-F141-20C0-2155083B9BF6}"/>
+          </ac:spMkLst>
+        </pc:spChg>
+        <pc:spChg chg="add mod ord">
+          <ac:chgData name="MIYAMOTO KAZUYUKI(宮本　和幸)" userId="22efd1ed-8aed-418a-b26c-41ee2dcdf024" providerId="ADAL" clId="{95632F7B-FFA5-437A-88C9-E58173507DAA}" dt="2025-09-12T13:51:13.472" v="1447" actId="1035"/>
+          <ac:spMkLst>
+            <pc:docMk/>
+            <pc:sldMk cId="230536960" sldId="256"/>
+            <ac:spMk id="85" creationId="{151025EB-2C51-F1A0-E6AE-74DA3252C188}"/>
+          </ac:spMkLst>
+        </pc:spChg>
+        <pc:spChg chg="add mod">
+          <ac:chgData name="MIYAMOTO KAZUYUKI(宮本　和幸)" userId="22efd1ed-8aed-418a-b26c-41ee2dcdf024" providerId="ADAL" clId="{95632F7B-FFA5-437A-88C9-E58173507DAA}" dt="2025-09-12T13:56:06.304" v="1499" actId="1036"/>
+          <ac:spMkLst>
+            <pc:docMk/>
+            <pc:sldMk cId="230536960" sldId="256"/>
+            <ac:spMk id="92" creationId="{915D1545-3B2E-0E0D-5192-32CB80B4575E}"/>
+          </ac:spMkLst>
+        </pc:spChg>
+        <pc:spChg chg="add mod">
+          <ac:chgData name="MIYAMOTO KAZUYUKI(宮本　和幸)" userId="22efd1ed-8aed-418a-b26c-41ee2dcdf024" providerId="ADAL" clId="{95632F7B-FFA5-437A-88C9-E58173507DAA}" dt="2025-09-12T13:56:06.304" v="1499" actId="1036"/>
+          <ac:spMkLst>
+            <pc:docMk/>
+            <pc:sldMk cId="230536960" sldId="256"/>
+            <ac:spMk id="93" creationId="{E7D8C22A-0E72-C383-6262-5CBE67A9E563}"/>
+          </ac:spMkLst>
+        </pc:spChg>
+        <pc:spChg chg="add mod">
+          <ac:chgData name="MIYAMOTO KAZUYUKI(宮本　和幸)" userId="22efd1ed-8aed-418a-b26c-41ee2dcdf024" providerId="ADAL" clId="{95632F7B-FFA5-437A-88C9-E58173507DAA}" dt="2025-09-12T14:00:27.109" v="1525" actId="20577"/>
+          <ac:spMkLst>
+            <pc:docMk/>
+            <pc:sldMk cId="230536960" sldId="256"/>
+            <ac:spMk id="97" creationId="{96160E76-19D8-E90D-9BCD-EB7BA92FD9CB}"/>
+          </ac:spMkLst>
+        </pc:spChg>
+        <pc:spChg chg="add mod">
+          <ac:chgData name="MIYAMOTO KAZUYUKI(宮本　和幸)" userId="22efd1ed-8aed-418a-b26c-41ee2dcdf024" providerId="ADAL" clId="{95632F7B-FFA5-437A-88C9-E58173507DAA}" dt="2025-09-12T14:01:17.113" v="1542" actId="6549"/>
+          <ac:spMkLst>
+            <pc:docMk/>
+            <pc:sldMk cId="230536960" sldId="256"/>
+            <ac:spMk id="112" creationId="{4F6267EB-1A55-A4B1-3AD8-16DBD4857D9D}"/>
+          </ac:spMkLst>
+        </pc:spChg>
+        <pc:grpChg chg="del">
+          <ac:chgData name="MIYAMOTO KAZUYUKI(宮本　和幸)" userId="22efd1ed-8aed-418a-b26c-41ee2dcdf024" providerId="ADAL" clId="{95632F7B-FFA5-437A-88C9-E58173507DAA}" dt="2025-09-12T09:21:32.594" v="502" actId="478"/>
+          <ac:grpSpMkLst>
+            <pc:docMk/>
+            <pc:sldMk cId="230536960" sldId="256"/>
+            <ac:grpSpMk id="19" creationId="{001DB11D-FBC9-ECAA-BAF7-B12D236EB82D}"/>
+          </ac:grpSpMkLst>
+        </pc:grpChg>
+        <pc:grpChg chg="del mod">
+          <ac:chgData name="MIYAMOTO KAZUYUKI(宮本　和幸)" userId="22efd1ed-8aed-418a-b26c-41ee2dcdf024" providerId="ADAL" clId="{95632F7B-FFA5-437A-88C9-E58173507DAA}" dt="2025-09-12T13:34:28.007" v="982" actId="165"/>
+          <ac:grpSpMkLst>
+            <pc:docMk/>
+            <pc:sldMk cId="230536960" sldId="256"/>
+            <ac:grpSpMk id="25" creationId="{556D0927-BA57-FC90-9742-91FD7C90EADD}"/>
+          </ac:grpSpMkLst>
+        </pc:grpChg>
+        <pc:grpChg chg="del mod">
+          <ac:chgData name="MIYAMOTO KAZUYUKI(宮本　和幸)" userId="22efd1ed-8aed-418a-b26c-41ee2dcdf024" providerId="ADAL" clId="{95632F7B-FFA5-437A-88C9-E58173507DAA}" dt="2025-09-12T09:06:58.466" v="466" actId="165"/>
+          <ac:grpSpMkLst>
+            <pc:docMk/>
+            <pc:sldMk cId="230536960" sldId="256"/>
+            <ac:grpSpMk id="27" creationId="{B7734F35-0983-92B2-892A-E44566E6060E}"/>
+          </ac:grpSpMkLst>
+        </pc:grpChg>
+        <pc:grpChg chg="add del mod">
+          <ac:chgData name="MIYAMOTO KAZUYUKI(宮本　和幸)" userId="22efd1ed-8aed-418a-b26c-41ee2dcdf024" providerId="ADAL" clId="{95632F7B-FFA5-437A-88C9-E58173507DAA}" dt="2025-09-12T13:43:30.972" v="1281" actId="165"/>
+          <ac:grpSpMkLst>
+            <pc:docMk/>
+            <pc:sldMk cId="230536960" sldId="256"/>
+            <ac:grpSpMk id="43" creationId="{E27D3F20-6D0B-8997-6A96-1D48D4B620F0}"/>
+          </ac:grpSpMkLst>
+        </pc:grpChg>
+        <pc:grpChg chg="add del mod">
+          <ac:chgData name="MIYAMOTO KAZUYUKI(宮本　和幸)" userId="22efd1ed-8aed-418a-b26c-41ee2dcdf024" providerId="ADAL" clId="{95632F7B-FFA5-437A-88C9-E58173507DAA}" dt="2025-09-12T13:45:46.322" v="1348" actId="165"/>
+          <ac:grpSpMkLst>
+            <pc:docMk/>
+            <pc:sldMk cId="230536960" sldId="256"/>
+            <ac:grpSpMk id="46" creationId="{2289B098-224C-412A-1886-D97AB7DAF530}"/>
+          </ac:grpSpMkLst>
+        </pc:grpChg>
+        <pc:grpChg chg="add del mod">
+          <ac:chgData name="MIYAMOTO KAZUYUKI(宮本　和幸)" userId="22efd1ed-8aed-418a-b26c-41ee2dcdf024" providerId="ADAL" clId="{95632F7B-FFA5-437A-88C9-E58173507DAA}" dt="2025-09-12T13:44:25.092" v="1339" actId="165"/>
+          <ac:grpSpMkLst>
+            <pc:docMk/>
+            <pc:sldMk cId="230536960" sldId="256"/>
+            <ac:grpSpMk id="47" creationId="{FB37370F-8C84-AB2B-463E-ECEFA50B01A0}"/>
+          </ac:grpSpMkLst>
+        </pc:grpChg>
+        <pc:grpChg chg="add del mod">
+          <ac:chgData name="MIYAMOTO KAZUYUKI(宮本　和幸)" userId="22efd1ed-8aed-418a-b26c-41ee2dcdf024" providerId="ADAL" clId="{95632F7B-FFA5-437A-88C9-E58173507DAA}" dt="2025-09-12T13:34:28.007" v="982" actId="165"/>
+          <ac:grpSpMkLst>
+            <pc:docMk/>
+            <pc:sldMk cId="230536960" sldId="256"/>
+            <ac:grpSpMk id="54" creationId="{BF671011-D0BC-B465-3029-CE2F5073443C}"/>
+          </ac:grpSpMkLst>
+        </pc:grpChg>
+        <pc:grpChg chg="add mod">
+          <ac:chgData name="MIYAMOTO KAZUYUKI(宮本　和幸)" userId="22efd1ed-8aed-418a-b26c-41ee2dcdf024" providerId="ADAL" clId="{95632F7B-FFA5-437A-88C9-E58173507DAA}" dt="2025-09-12T13:49:02.226" v="1408" actId="1036"/>
+          <ac:grpSpMkLst>
+            <pc:docMk/>
+            <pc:sldMk cId="230536960" sldId="256"/>
+            <ac:grpSpMk id="103" creationId="{3C2990DC-3D68-7BD7-6290-2489D4999AD2}"/>
+          </ac:grpSpMkLst>
+        </pc:grpChg>
+        <pc:grpChg chg="add mod">
+          <ac:chgData name="MIYAMOTO KAZUYUKI(宮本　和幸)" userId="22efd1ed-8aed-418a-b26c-41ee2dcdf024" providerId="ADAL" clId="{95632F7B-FFA5-437A-88C9-E58173507DAA}" dt="2025-09-12T13:54:22.909" v="1469" actId="1076"/>
+          <ac:grpSpMkLst>
+            <pc:docMk/>
+            <pc:sldMk cId="230536960" sldId="256"/>
+            <ac:grpSpMk id="106" creationId="{E8A75F59-FBAD-AC48-CC28-27431891F214}"/>
+          </ac:grpSpMkLst>
+        </pc:grpChg>
+        <pc:picChg chg="add del">
+          <ac:chgData name="MIYAMOTO KAZUYUKI(宮本　和幸)" userId="22efd1ed-8aed-418a-b26c-41ee2dcdf024" providerId="ADAL" clId="{95632F7B-FFA5-437A-88C9-E58173507DAA}" dt="2025-09-12T13:47:18.602" v="1355" actId="478"/>
+          <ac:picMkLst>
+            <pc:docMk/>
+            <pc:sldMk cId="230536960" sldId="256"/>
+            <ac:picMk id="100" creationId="{644A5F15-22DE-E309-595E-3B8487C4551A}"/>
+          </ac:picMkLst>
+        </pc:picChg>
+        <pc:picChg chg="add del">
+          <ac:chgData name="MIYAMOTO KAZUYUKI(宮本　和幸)" userId="22efd1ed-8aed-418a-b26c-41ee2dcdf024" providerId="ADAL" clId="{95632F7B-FFA5-437A-88C9-E58173507DAA}" dt="2025-09-12T13:47:17.153" v="1354" actId="478"/>
+          <ac:picMkLst>
+            <pc:docMk/>
+            <pc:sldMk cId="230536960" sldId="256"/>
+            <ac:picMk id="102" creationId="{0648F8AF-B2E3-843B-5502-B269A333245C}"/>
+          </ac:picMkLst>
+        </pc:picChg>
+        <pc:picChg chg="add del">
+          <ac:chgData name="MIYAMOTO KAZUYUKI(宮本　和幸)" userId="22efd1ed-8aed-418a-b26c-41ee2dcdf024" providerId="ADAL" clId="{95632F7B-FFA5-437A-88C9-E58173507DAA}" dt="2025-09-12T13:47:15.430" v="1353" actId="478"/>
+          <ac:picMkLst>
+            <pc:docMk/>
+            <pc:sldMk cId="230536960" sldId="256"/>
+            <ac:picMk id="105" creationId="{4260EB1E-9C91-4783-E7A5-DCF6E0804244}"/>
+          </ac:picMkLst>
+        </pc:picChg>
+        <pc:cxnChg chg="mod">
+          <ac:chgData name="MIYAMOTO KAZUYUKI(宮本　和幸)" userId="22efd1ed-8aed-418a-b26c-41ee2dcdf024" providerId="ADAL" clId="{95632F7B-FFA5-437A-88C9-E58173507DAA}" dt="2025-09-12T13:52:17.202" v="1461" actId="1036"/>
+          <ac:cxnSpMkLst>
+            <pc:docMk/>
+            <pc:sldMk cId="230536960" sldId="256"/>
+            <ac:cxnSpMk id="15" creationId="{99088286-48E8-F52E-9C9B-FD913D56AD48}"/>
+          </ac:cxnSpMkLst>
+        </pc:cxnChg>
+        <pc:cxnChg chg="del mod">
+          <ac:chgData name="MIYAMOTO KAZUYUKI(宮本　和幸)" userId="22efd1ed-8aed-418a-b26c-41ee2dcdf024" providerId="ADAL" clId="{95632F7B-FFA5-437A-88C9-E58173507DAA}" dt="2025-09-12T13:41:32.768" v="1254" actId="478"/>
+          <ac:cxnSpMkLst>
+            <pc:docMk/>
+            <pc:sldMk cId="230536960" sldId="256"/>
+            <ac:cxnSpMk id="17" creationId="{80AA35FD-C783-F76B-C28C-1E26CD2D5C8A}"/>
+          </ac:cxnSpMkLst>
+        </pc:cxnChg>
+        <pc:cxnChg chg="del mod">
+          <ac:chgData name="MIYAMOTO KAZUYUKI(宮本　和幸)" userId="22efd1ed-8aed-418a-b26c-41ee2dcdf024" providerId="ADAL" clId="{95632F7B-FFA5-437A-88C9-E58173507DAA}" dt="2025-09-12T13:41:34.999" v="1255" actId="478"/>
+          <ac:cxnSpMkLst>
+            <pc:docMk/>
+            <pc:sldMk cId="230536960" sldId="256"/>
+            <ac:cxnSpMk id="26" creationId="{2A4FC157-5F07-49BE-6DF3-67DA1313372E}"/>
+          </ac:cxnSpMkLst>
+        </pc:cxnChg>
+        <pc:cxnChg chg="add mod">
+          <ac:chgData name="MIYAMOTO KAZUYUKI(宮本　和幸)" userId="22efd1ed-8aed-418a-b26c-41ee2dcdf024" providerId="ADAL" clId="{95632F7B-FFA5-437A-88C9-E58173507DAA}" dt="2025-09-12T08:45:02.655" v="105"/>
+          <ac:cxnSpMkLst>
+            <pc:docMk/>
+            <pc:sldMk cId="230536960" sldId="256"/>
+            <ac:cxnSpMk id="30" creationId="{80AA35FD-C783-F76B-C28C-1E26CD2D5C8A}"/>
+          </ac:cxnSpMkLst>
+        </pc:cxnChg>
+        <pc:cxnChg chg="mod ord">
+          <ac:chgData name="MIYAMOTO KAZUYUKI(宮本　和幸)" userId="22efd1ed-8aed-418a-b26c-41ee2dcdf024" providerId="ADAL" clId="{95632F7B-FFA5-437A-88C9-E58173507DAA}" dt="2025-09-12T13:59:06.692" v="1511" actId="166"/>
+          <ac:cxnSpMkLst>
+            <pc:docMk/>
+            <pc:sldMk cId="230536960" sldId="256"/>
+            <ac:cxnSpMk id="31" creationId="{DA831BA0-6543-FC3D-A54A-4C4604A10DDB}"/>
+          </ac:cxnSpMkLst>
+        </pc:cxnChg>
+        <pc:cxnChg chg="del mod">
+          <ac:chgData name="MIYAMOTO KAZUYUKI(宮本　和幸)" userId="22efd1ed-8aed-418a-b26c-41ee2dcdf024" providerId="ADAL" clId="{95632F7B-FFA5-437A-88C9-E58173507DAA}" dt="2025-09-12T09:38:32.454" v="573" actId="478"/>
+          <ac:cxnSpMkLst>
+            <pc:docMk/>
+            <pc:sldMk cId="230536960" sldId="256"/>
+            <ac:cxnSpMk id="34" creationId="{D2D4C4E5-400D-5069-3925-60B4BAABE446}"/>
+          </ac:cxnSpMkLst>
+        </pc:cxnChg>
+        <pc:cxnChg chg="del mod">
+          <ac:chgData name="MIYAMOTO KAZUYUKI(宮本　和幸)" userId="22efd1ed-8aed-418a-b26c-41ee2dcdf024" providerId="ADAL" clId="{95632F7B-FFA5-437A-88C9-E58173507DAA}" dt="2025-09-12T09:48:39.637" v="658" actId="478"/>
+          <ac:cxnSpMkLst>
+            <pc:docMk/>
+            <pc:sldMk cId="230536960" sldId="256"/>
+            <ac:cxnSpMk id="42" creationId="{F7B50938-A38E-7490-E247-50D6FEB4BB24}"/>
+          </ac:cxnSpMkLst>
+        </pc:cxnChg>
+        <pc:cxnChg chg="mod">
+          <ac:chgData name="MIYAMOTO KAZUYUKI(宮本　和幸)" userId="22efd1ed-8aed-418a-b26c-41ee2dcdf024" providerId="ADAL" clId="{95632F7B-FFA5-437A-88C9-E58173507DAA}" dt="2025-09-12T13:56:38.947" v="1500" actId="692"/>
+          <ac:cxnSpMkLst>
+            <pc:docMk/>
+            <pc:sldMk cId="230536960" sldId="256"/>
+            <ac:cxnSpMk id="48" creationId="{B5A6E89D-6760-023B-0603-8438C746FF2F}"/>
+          </ac:cxnSpMkLst>
+        </pc:cxnChg>
+        <pc:cxnChg chg="add del mod">
+          <ac:chgData name="MIYAMOTO KAZUYUKI(宮本　和幸)" userId="22efd1ed-8aed-418a-b26c-41ee2dcdf024" providerId="ADAL" clId="{95632F7B-FFA5-437A-88C9-E58173507DAA}" dt="2025-09-12T13:43:50.768" v="1293" actId="478"/>
+          <ac:cxnSpMkLst>
+            <pc:docMk/>
+            <pc:sldMk cId="230536960" sldId="256"/>
+            <ac:cxnSpMk id="57" creationId="{C28AAF77-A5C9-F598-1416-2CD7136D6961}"/>
+          </ac:cxnSpMkLst>
+        </pc:cxnChg>
+        <pc:cxnChg chg="add mod ord">
+          <ac:chgData name="MIYAMOTO KAZUYUKI(宮本　和幸)" userId="22efd1ed-8aed-418a-b26c-41ee2dcdf024" providerId="ADAL" clId="{95632F7B-FFA5-437A-88C9-E58173507DAA}" dt="2025-09-12T13:56:06.304" v="1499" actId="1036"/>
+          <ac:cxnSpMkLst>
+            <pc:docMk/>
+            <pc:sldMk cId="230536960" sldId="256"/>
+            <ac:cxnSpMk id="61" creationId="{0D3746AB-9BB1-0B64-BC69-308E8B96EF44}"/>
+          </ac:cxnSpMkLst>
+        </pc:cxnChg>
+        <pc:cxnChg chg="add mod">
+          <ac:chgData name="MIYAMOTO KAZUYUKI(宮本　和幸)" userId="22efd1ed-8aed-418a-b26c-41ee2dcdf024" providerId="ADAL" clId="{95632F7B-FFA5-437A-88C9-E58173507DAA}" dt="2025-09-12T09:47:25.839" v="647"/>
+          <ac:cxnSpMkLst>
+            <pc:docMk/>
+            <pc:sldMk cId="230536960" sldId="256"/>
+            <ac:cxnSpMk id="72" creationId="{14F0E6B4-D63F-D7DA-5F0A-79DDF33843D9}"/>
+          </ac:cxnSpMkLst>
+        </pc:cxnChg>
+        <pc:cxnChg chg="add mod">
+          <ac:chgData name="MIYAMOTO KAZUYUKI(宮本　和幸)" userId="22efd1ed-8aed-418a-b26c-41ee2dcdf024" providerId="ADAL" clId="{95632F7B-FFA5-437A-88C9-E58173507DAA}" dt="2025-09-12T09:47:31.094" v="648"/>
+          <ac:cxnSpMkLst>
+            <pc:docMk/>
+            <pc:sldMk cId="230536960" sldId="256"/>
+            <ac:cxnSpMk id="73" creationId="{5D729E5A-4798-5164-C731-C8AE37378739}"/>
+          </ac:cxnSpMkLst>
+        </pc:cxnChg>
+        <pc:cxnChg chg="add mod">
+          <ac:chgData name="MIYAMOTO KAZUYUKI(宮本　和幸)" userId="22efd1ed-8aed-418a-b26c-41ee2dcdf024" providerId="ADAL" clId="{95632F7B-FFA5-437A-88C9-E58173507DAA}" dt="2025-09-12T13:57:21.535" v="1504" actId="692"/>
+          <ac:cxnSpMkLst>
+            <pc:docMk/>
+            <pc:sldMk cId="230536960" sldId="256"/>
+            <ac:cxnSpMk id="76" creationId="{C7AA8D35-5E30-44A8-4F9F-E05CD00E9B0C}"/>
+          </ac:cxnSpMkLst>
+        </pc:cxnChg>
+        <pc:cxnChg chg="add mod">
+          <ac:chgData name="MIYAMOTO KAZUYUKI(宮本　和幸)" userId="22efd1ed-8aed-418a-b26c-41ee2dcdf024" providerId="ADAL" clId="{95632F7B-FFA5-437A-88C9-E58173507DAA}" dt="2025-09-12T13:54:22.909" v="1469" actId="1076"/>
+          <ac:cxnSpMkLst>
+            <pc:docMk/>
+            <pc:sldMk cId="230536960" sldId="256"/>
+            <ac:cxnSpMk id="88" creationId="{DDC01140-4B06-EB25-23B9-15266475B651}"/>
+          </ac:cxnSpMkLst>
+        </pc:cxnChg>
+        <pc:cxnChg chg="add mod">
+          <ac:chgData name="MIYAMOTO KAZUYUKI(宮本　和幸)" userId="22efd1ed-8aed-418a-b26c-41ee2dcdf024" providerId="ADAL" clId="{95632F7B-FFA5-437A-88C9-E58173507DAA}" dt="2025-09-12T13:58:01.723" v="1510" actId="14100"/>
+          <ac:cxnSpMkLst>
+            <pc:docMk/>
+            <pc:sldMk cId="230536960" sldId="256"/>
+            <ac:cxnSpMk id="107" creationId="{E61A5727-F486-5E72-EEA2-9B8118B46DE1}"/>
+          </ac:cxnSpMkLst>
+        </pc:cxnChg>
+        <pc:cxnChg chg="add mod">
+          <ac:chgData name="MIYAMOTO KAZUYUKI(宮本　和幸)" userId="22efd1ed-8aed-418a-b26c-41ee2dcdf024" providerId="ADAL" clId="{95632F7B-FFA5-437A-88C9-E58173507DAA}" dt="2025-09-12T14:00:46.285" v="1526"/>
+          <ac:cxnSpMkLst>
+            <pc:docMk/>
+            <pc:sldMk cId="230536960" sldId="256"/>
+            <ac:cxnSpMk id="110" creationId="{C6B26273-B628-C86E-7681-12F47B86161D}"/>
+          </ac:cxnSpMkLst>
+        </pc:cxnChg>
+        <pc:cxnChg chg="add mod">
+          <ac:chgData name="MIYAMOTO KAZUYUKI(宮本　和幸)" userId="22efd1ed-8aed-418a-b26c-41ee2dcdf024" providerId="ADAL" clId="{95632F7B-FFA5-437A-88C9-E58173507DAA}" dt="2025-09-12T14:01:44.019" v="1544" actId="14100"/>
+          <ac:cxnSpMkLst>
+            <pc:docMk/>
+            <pc:sldMk cId="230536960" sldId="256"/>
+            <ac:cxnSpMk id="111" creationId="{144B8E35-207A-6804-6939-C503E982C2BA}"/>
+          </ac:cxnSpMkLst>
+        </pc:cxnChg>
+      </pc:sldChg>
+      <pc:sldChg chg="addSp delSp modSp new mod ord">
+        <pc:chgData name="MIYAMOTO KAZUYUKI(宮本　和幸)" userId="22efd1ed-8aed-418a-b26c-41ee2dcdf024" providerId="ADAL" clId="{95632F7B-FFA5-437A-88C9-E58173507DAA}" dt="2025-08-26T07:37:22.533" v="6"/>
+        <pc:sldMkLst>
+          <pc:docMk/>
+          <pc:sldMk cId="1512352172" sldId="257"/>
+        </pc:sldMkLst>
+        <pc:spChg chg="mod">
+          <ac:chgData name="MIYAMOTO KAZUYUKI(宮本　和幸)" userId="22efd1ed-8aed-418a-b26c-41ee2dcdf024" providerId="ADAL" clId="{95632F7B-FFA5-437A-88C9-E58173507DAA}" dt="2025-08-26T07:36:54.977" v="4"/>
+          <ac:spMkLst>
+            <pc:docMk/>
+            <pc:sldMk cId="1512352172" sldId="257"/>
+            <ac:spMk id="29" creationId="{6F9D090F-D28B-0017-A239-9A1B3A84A0E2}"/>
+          </ac:spMkLst>
+        </pc:spChg>
+        <pc:spChg chg="mod">
+          <ac:chgData name="MIYAMOTO KAZUYUKI(宮本　和幸)" userId="22efd1ed-8aed-418a-b26c-41ee2dcdf024" providerId="ADAL" clId="{95632F7B-FFA5-437A-88C9-E58173507DAA}" dt="2025-08-26T07:36:54.977" v="4"/>
+          <ac:spMkLst>
+            <pc:docMk/>
+            <pc:sldMk cId="1512352172" sldId="257"/>
+            <ac:spMk id="32" creationId="{01490526-51D0-6F01-A412-94FFB16FA73B}"/>
+          </ac:spMkLst>
+        </pc:spChg>
+        <pc:spChg chg="mod">
+          <ac:chgData name="MIYAMOTO KAZUYUKI(宮本　和幸)" userId="22efd1ed-8aed-418a-b26c-41ee2dcdf024" providerId="ADAL" clId="{95632F7B-FFA5-437A-88C9-E58173507DAA}" dt="2025-08-26T07:36:54.977" v="4"/>
+          <ac:spMkLst>
+            <pc:docMk/>
+            <pc:sldMk cId="1512352172" sldId="257"/>
+            <ac:spMk id="35" creationId="{F1C1F212-7131-0454-C37A-907F4897BEF5}"/>
+          </ac:spMkLst>
+        </pc:spChg>
+        <pc:spChg chg="mod">
+          <ac:chgData name="MIYAMOTO KAZUYUKI(宮本　和幸)" userId="22efd1ed-8aed-418a-b26c-41ee2dcdf024" providerId="ADAL" clId="{95632F7B-FFA5-437A-88C9-E58173507DAA}" dt="2025-08-26T07:36:54.977" v="4"/>
+          <ac:spMkLst>
+            <pc:docMk/>
+            <pc:sldMk cId="1512352172" sldId="257"/>
+            <ac:spMk id="37" creationId="{29F7BAFE-D624-6CF1-798F-EF3C0C98BA75}"/>
+          </ac:spMkLst>
+        </pc:spChg>
+        <pc:spChg chg="mod">
+          <ac:chgData name="MIYAMOTO KAZUYUKI(宮本　和幸)" userId="22efd1ed-8aed-418a-b26c-41ee2dcdf024" providerId="ADAL" clId="{95632F7B-FFA5-437A-88C9-E58173507DAA}" dt="2025-08-26T07:36:54.977" v="4"/>
+          <ac:spMkLst>
+            <pc:docMk/>
+            <pc:sldMk cId="1512352172" sldId="257"/>
+            <ac:spMk id="38" creationId="{16522C86-5D71-FBDE-71DC-4E30AE497642}"/>
+          </ac:spMkLst>
+        </pc:spChg>
+        <pc:grpChg chg="add mod">
+          <ac:chgData name="MIYAMOTO KAZUYUKI(宮本　和幸)" userId="22efd1ed-8aed-418a-b26c-41ee2dcdf024" providerId="ADAL" clId="{95632F7B-FFA5-437A-88C9-E58173507DAA}" dt="2025-08-26T07:36:54.977" v="4"/>
+          <ac:grpSpMkLst>
+            <pc:docMk/>
+            <pc:sldMk cId="1512352172" sldId="257"/>
+            <ac:grpSpMk id="28" creationId="{66BD09D5-9F9B-4A3B-E809-C995BFDFB26F}"/>
+          </ac:grpSpMkLst>
+        </pc:grpChg>
+        <pc:grpChg chg="mod">
+          <ac:chgData name="MIYAMOTO KAZUYUKI(宮本　和幸)" userId="22efd1ed-8aed-418a-b26c-41ee2dcdf024" providerId="ADAL" clId="{95632F7B-FFA5-437A-88C9-E58173507DAA}" dt="2025-08-26T07:36:54.977" v="4"/>
+          <ac:grpSpMkLst>
+            <pc:docMk/>
+            <pc:sldMk cId="1512352172" sldId="257"/>
+            <ac:grpSpMk id="36" creationId="{1417B270-9F15-153B-4FAE-7ED07B3C6A0A}"/>
+          </ac:grpSpMkLst>
+        </pc:grpChg>
+        <pc:picChg chg="mod">
+          <ac:chgData name="MIYAMOTO KAZUYUKI(宮本　和幸)" userId="22efd1ed-8aed-418a-b26c-41ee2dcdf024" providerId="ADAL" clId="{95632F7B-FFA5-437A-88C9-E58173507DAA}" dt="2025-08-26T07:36:54.977" v="4"/>
+          <ac:picMkLst>
+            <pc:docMk/>
+            <pc:sldMk cId="1512352172" sldId="257"/>
+            <ac:picMk id="30" creationId="{556503CA-6770-B50D-955C-3E2DA14A9589}"/>
+          </ac:picMkLst>
+        </pc:picChg>
+        <pc:picChg chg="mod">
+          <ac:chgData name="MIYAMOTO KAZUYUKI(宮本　和幸)" userId="22efd1ed-8aed-418a-b26c-41ee2dcdf024" providerId="ADAL" clId="{95632F7B-FFA5-437A-88C9-E58173507DAA}" dt="2025-08-26T07:36:54.977" v="4"/>
+          <ac:picMkLst>
+            <pc:docMk/>
+            <pc:sldMk cId="1512352172" sldId="257"/>
+            <ac:picMk id="31" creationId="{9FCCBD19-DE33-5C59-1198-B081A98F8D73}"/>
+          </ac:picMkLst>
+        </pc:picChg>
+        <pc:picChg chg="mod">
+          <ac:chgData name="MIYAMOTO KAZUYUKI(宮本　和幸)" userId="22efd1ed-8aed-418a-b26c-41ee2dcdf024" providerId="ADAL" clId="{95632F7B-FFA5-437A-88C9-E58173507DAA}" dt="2025-08-26T07:36:54.977" v="4"/>
+          <ac:picMkLst>
+            <pc:docMk/>
+            <pc:sldMk cId="1512352172" sldId="257"/>
+            <ac:picMk id="33" creationId="{84560BCD-DF0E-6C7E-35BA-F4CC3BBAEDB3}"/>
+          </ac:picMkLst>
+        </pc:picChg>
+        <pc:picChg chg="mod">
+          <ac:chgData name="MIYAMOTO KAZUYUKI(宮本　和幸)" userId="22efd1ed-8aed-418a-b26c-41ee2dcdf024" providerId="ADAL" clId="{95632F7B-FFA5-437A-88C9-E58173507DAA}" dt="2025-08-26T07:36:54.977" v="4"/>
+          <ac:picMkLst>
+            <pc:docMk/>
+            <pc:sldMk cId="1512352172" sldId="257"/>
+            <ac:picMk id="34" creationId="{6A60DB60-A571-C275-C2AB-E43D6FE842F6}"/>
+          </ac:picMkLst>
+        </pc:picChg>
+        <pc:picChg chg="mod">
+          <ac:chgData name="MIYAMOTO KAZUYUKI(宮本　和幸)" userId="22efd1ed-8aed-418a-b26c-41ee2dcdf024" providerId="ADAL" clId="{95632F7B-FFA5-437A-88C9-E58173507DAA}" dt="2025-08-26T07:36:54.977" v="4"/>
+          <ac:picMkLst>
+            <pc:docMk/>
+            <pc:sldMk cId="1512352172" sldId="257"/>
+            <ac:picMk id="39" creationId="{7FAD9654-4749-3D8C-20C5-D9335B6B8B73}"/>
+          </ac:picMkLst>
+        </pc:picChg>
+      </pc:sldChg>
+      <pc:sldChg chg="addSp delSp modSp add del mod">
+        <pc:chgData name="MIYAMOTO KAZUYUKI(宮本　和幸)" userId="22efd1ed-8aed-418a-b26c-41ee2dcdf024" providerId="ADAL" clId="{95632F7B-FFA5-437A-88C9-E58173507DAA}" dt="2025-09-16T07:59:13.058" v="3117" actId="47"/>
+        <pc:sldMkLst>
+          <pc:docMk/>
+          <pc:sldMk cId="165116564" sldId="258"/>
+        </pc:sldMkLst>
+        <pc:spChg chg="add del mod topLvl">
+          <ac:chgData name="MIYAMOTO KAZUYUKI(宮本　和幸)" userId="22efd1ed-8aed-418a-b26c-41ee2dcdf024" providerId="ADAL" clId="{95632F7B-FFA5-437A-88C9-E58173507DAA}" dt="2025-09-16T07:24:20.153" v="2699" actId="21"/>
+          <ac:spMkLst>
+            <pc:docMk/>
+            <pc:sldMk cId="165116564" sldId="258"/>
+            <ac:spMk id="3" creationId="{AB9C5871-574F-80C7-EC65-91A546C7A49C}"/>
+          </ac:spMkLst>
+        </pc:spChg>
+        <pc:spChg chg="mod topLvl">
+          <ac:chgData name="MIYAMOTO KAZUYUKI(宮本　和幸)" userId="22efd1ed-8aed-418a-b26c-41ee2dcdf024" providerId="ADAL" clId="{95632F7B-FFA5-437A-88C9-E58173507DAA}" dt="2025-09-16T06:49:35.453" v="1601" actId="164"/>
+          <ac:spMkLst>
+            <pc:docMk/>
+            <pc:sldMk cId="165116564" sldId="258"/>
+            <ac:spMk id="4" creationId="{F1B1E509-4503-F711-7695-3511E90E33F2}"/>
+          </ac:spMkLst>
+        </pc:spChg>
+        <pc:spChg chg="mod">
+          <ac:chgData name="MIYAMOTO KAZUYUKI(宮本　和幸)" userId="22efd1ed-8aed-418a-b26c-41ee2dcdf024" providerId="ADAL" clId="{95632F7B-FFA5-437A-88C9-E58173507DAA}" dt="2025-09-16T06:58:41.608" v="1868" actId="14100"/>
+          <ac:spMkLst>
+            <pc:docMk/>
+            <pc:sldMk cId="165116564" sldId="258"/>
+            <ac:spMk id="5" creationId="{8B8F45AD-B088-ED04-82B3-8E9EE0E74446}"/>
+          </ac:spMkLst>
+        </pc:spChg>
+        <pc:spChg chg="ord">
+          <ac:chgData name="MIYAMOTO KAZUYUKI(宮本　和幸)" userId="22efd1ed-8aed-418a-b26c-41ee2dcdf024" providerId="ADAL" clId="{95632F7B-FFA5-437A-88C9-E58173507DAA}" dt="2025-09-16T06:50:18.682" v="1666" actId="166"/>
+          <ac:spMkLst>
+            <pc:docMk/>
+            <pc:sldMk cId="165116564" sldId="258"/>
+            <ac:spMk id="11" creationId="{8C3EFAB1-27D9-96D4-F6E7-E1261ADB9876}"/>
+          </ac:spMkLst>
+        </pc:spChg>
+        <pc:spChg chg="mod ord">
+          <ac:chgData name="MIYAMOTO KAZUYUKI(宮本　和幸)" userId="22efd1ed-8aed-418a-b26c-41ee2dcdf024" providerId="ADAL" clId="{95632F7B-FFA5-437A-88C9-E58173507DAA}" dt="2025-09-16T06:48:27.625" v="1591" actId="1036"/>
+          <ac:spMkLst>
+            <pc:docMk/>
+            <pc:sldMk cId="165116564" sldId="258"/>
+            <ac:spMk id="13" creationId="{DE6FF593-7D4A-6011-74D9-0881D9957E25}"/>
+          </ac:spMkLst>
+        </pc:spChg>
+        <pc:spChg chg="mod">
+          <ac:chgData name="MIYAMOTO KAZUYUKI(宮本　和幸)" userId="22efd1ed-8aed-418a-b26c-41ee2dcdf024" providerId="ADAL" clId="{95632F7B-FFA5-437A-88C9-E58173507DAA}" dt="2025-09-16T06:49:50.461" v="1639" actId="14100"/>
+          <ac:spMkLst>
+            <pc:docMk/>
+            <pc:sldMk cId="165116564" sldId="258"/>
+            <ac:spMk id="14" creationId="{FFFF3926-A104-57B3-B42A-D6B37F23E689}"/>
+          </ac:spMkLst>
+        </pc:spChg>
+        <pc:spChg chg="mod">
+          <ac:chgData name="MIYAMOTO KAZUYUKI(宮本　和幸)" userId="22efd1ed-8aed-418a-b26c-41ee2dcdf024" providerId="ADAL" clId="{95632F7B-FFA5-437A-88C9-E58173507DAA}" dt="2025-09-16T06:58:41.608" v="1868" actId="14100"/>
+          <ac:spMkLst>
+            <pc:docMk/>
+            <pc:sldMk cId="165116564" sldId="258"/>
+            <ac:spMk id="20" creationId="{8BA2CBAA-F605-54B0-2265-4EA0710A0AFB}"/>
+          </ac:spMkLst>
+        </pc:spChg>
+        <pc:spChg chg="add mod">
+          <ac:chgData name="MIYAMOTO KAZUYUKI(宮本　和幸)" userId="22efd1ed-8aed-418a-b26c-41ee2dcdf024" providerId="ADAL" clId="{95632F7B-FFA5-437A-88C9-E58173507DAA}" dt="2025-09-16T07:01:35.613" v="2114" actId="20577"/>
+          <ac:spMkLst>
+            <pc:docMk/>
+            <pc:sldMk cId="165116564" sldId="258"/>
+            <ac:spMk id="27" creationId="{D0DB7E1C-D6CD-6301-762D-960430E84E9A}"/>
+          </ac:spMkLst>
+        </pc:spChg>
+        <pc:spChg chg="add mod">
+          <ac:chgData name="MIYAMOTO KAZUYUKI(宮本　和幸)" userId="22efd1ed-8aed-418a-b26c-41ee2dcdf024" providerId="ADAL" clId="{95632F7B-FFA5-437A-88C9-E58173507DAA}" dt="2025-09-16T07:03:37.379" v="2223" actId="1035"/>
+          <ac:spMkLst>
+            <pc:docMk/>
+            <pc:sldMk cId="165116564" sldId="258"/>
+            <ac:spMk id="28" creationId="{CCD1E42E-235F-64D4-AB0E-F4913E4CF067}"/>
+          </ac:spMkLst>
+        </pc:spChg>
+        <pc:spChg chg="mod topLvl">
+          <ac:chgData name="MIYAMOTO KAZUYUKI(宮本　和幸)" userId="22efd1ed-8aed-418a-b26c-41ee2dcdf024" providerId="ADAL" clId="{95632F7B-FFA5-437A-88C9-E58173507DAA}" dt="2025-09-16T06:49:35.453" v="1601" actId="164"/>
+          <ac:spMkLst>
+            <pc:docMk/>
+            <pc:sldMk cId="165116564" sldId="258"/>
+            <ac:spMk id="32" creationId="{3B984230-F96D-3953-0A78-F579D64FE7E2}"/>
+          </ac:spMkLst>
+        </pc:spChg>
+        <pc:spChg chg="mod">
+          <ac:chgData name="MIYAMOTO KAZUYUKI(宮本　和幸)" userId="22efd1ed-8aed-418a-b26c-41ee2dcdf024" providerId="ADAL" clId="{95632F7B-FFA5-437A-88C9-E58173507DAA}" dt="2025-09-16T06:53:16.048" v="1699" actId="1037"/>
+          <ac:spMkLst>
+            <pc:docMk/>
+            <pc:sldMk cId="165116564" sldId="258"/>
+            <ac:spMk id="39" creationId="{BFA23318-9459-EFF0-13FA-5922B1F33698}"/>
+          </ac:spMkLst>
+        </pc:spChg>
+        <pc:spChg chg="mod">
+          <ac:chgData name="MIYAMOTO KAZUYUKI(宮本　和幸)" userId="22efd1ed-8aed-418a-b26c-41ee2dcdf024" providerId="ADAL" clId="{95632F7B-FFA5-437A-88C9-E58173507DAA}" dt="2025-09-16T07:00:03.568" v="2048" actId="1035"/>
+          <ac:spMkLst>
+            <pc:docMk/>
+            <pc:sldMk cId="165116564" sldId="258"/>
+            <ac:spMk id="40" creationId="{A4A9E68F-69D6-9FCD-6D52-04ED394DA0FB}"/>
+          </ac:spMkLst>
+        </pc:spChg>
+        <pc:spChg chg="mod ord">
+          <ac:chgData name="MIYAMOTO KAZUYUKI(宮本　和幸)" userId="22efd1ed-8aed-418a-b26c-41ee2dcdf024" providerId="ADAL" clId="{95632F7B-FFA5-437A-88C9-E58173507DAA}" dt="2025-09-16T06:48:27.625" v="1591" actId="1036"/>
+          <ac:spMkLst>
+            <pc:docMk/>
+            <pc:sldMk cId="165116564" sldId="258"/>
+            <ac:spMk id="45" creationId="{5D3BD5FB-B52A-F0E3-A653-CB043110C6E8}"/>
+          </ac:spMkLst>
+        </pc:spChg>
+        <pc:spChg chg="mod topLvl">
+          <ac:chgData name="MIYAMOTO KAZUYUKI(宮本　和幸)" userId="22efd1ed-8aed-418a-b26c-41ee2dcdf024" providerId="ADAL" clId="{95632F7B-FFA5-437A-88C9-E58173507DAA}" dt="2025-09-16T06:57:15.086" v="1792" actId="164"/>
+          <ac:spMkLst>
+            <pc:docMk/>
+            <pc:sldMk cId="165116564" sldId="258"/>
+            <ac:spMk id="49" creationId="{26912F61-1D72-3F9D-3E1F-6EE27E7E1D22}"/>
+          </ac:spMkLst>
+        </pc:spChg>
+        <pc:spChg chg="mod topLvl">
+          <ac:chgData name="MIYAMOTO KAZUYUKI(宮本　和幸)" userId="22efd1ed-8aed-418a-b26c-41ee2dcdf024" providerId="ADAL" clId="{95632F7B-FFA5-437A-88C9-E58173507DAA}" dt="2025-09-16T06:57:15.086" v="1792" actId="164"/>
+          <ac:spMkLst>
+            <pc:docMk/>
+            <pc:sldMk cId="165116564" sldId="258"/>
+            <ac:spMk id="50" creationId="{8889C28D-E898-1816-D0C2-4E9A41BE05E7}"/>
+          </ac:spMkLst>
+        </pc:spChg>
+        <pc:spChg chg="mod">
+          <ac:chgData name="MIYAMOTO KAZUYUKI(宮本　和幸)" userId="22efd1ed-8aed-418a-b26c-41ee2dcdf024" providerId="ADAL" clId="{95632F7B-FFA5-437A-88C9-E58173507DAA}" dt="2025-09-16T07:00:13.555" v="2049" actId="14100"/>
+          <ac:spMkLst>
+            <pc:docMk/>
+            <pc:sldMk cId="165116564" sldId="258"/>
+            <ac:spMk id="51" creationId="{ABEB3093-FA65-6508-2605-D0BC3C4DD80A}"/>
+          </ac:spMkLst>
+        </pc:spChg>
+        <pc:spChg chg="add del mod topLvl">
+          <ac:chgData name="MIYAMOTO KAZUYUKI(宮本　和幸)" userId="22efd1ed-8aed-418a-b26c-41ee2dcdf024" providerId="ADAL" clId="{95632F7B-FFA5-437A-88C9-E58173507DAA}" dt="2025-09-16T07:24:20.153" v="2699" actId="21"/>
+          <ac:spMkLst>
+            <pc:docMk/>
+            <pc:sldMk cId="165116564" sldId="258"/>
+            <ac:spMk id="52" creationId="{E04B2DCF-90F2-23A9-1E52-600600C2ADB5}"/>
+          </ac:spMkLst>
+        </pc:spChg>
+        <pc:spChg chg="mod">
+          <ac:chgData name="MIYAMOTO KAZUYUKI(宮本　和幸)" userId="22efd1ed-8aed-418a-b26c-41ee2dcdf024" providerId="ADAL" clId="{95632F7B-FFA5-437A-88C9-E58173507DAA}" dt="2025-09-16T07:18:31.298" v="2592" actId="20577"/>
+          <ac:spMkLst>
+            <pc:docMk/>
+            <pc:sldMk cId="165116564" sldId="258"/>
+            <ac:spMk id="55" creationId="{ECF9AD87-EF82-E3D7-1655-C7DAF7BAE448}"/>
+          </ac:spMkLst>
+        </pc:spChg>
+        <pc:spChg chg="mod">
+          <ac:chgData name="MIYAMOTO KAZUYUKI(宮本　和幸)" userId="22efd1ed-8aed-418a-b26c-41ee2dcdf024" providerId="ADAL" clId="{95632F7B-FFA5-437A-88C9-E58173507DAA}" dt="2025-09-16T07:00:03.568" v="2048" actId="1035"/>
+          <ac:spMkLst>
+            <pc:docMk/>
+            <pc:sldMk cId="165116564" sldId="258"/>
+            <ac:spMk id="60" creationId="{8C1F55A0-081A-EA18-D5EA-FBD279EFF98A}"/>
+          </ac:spMkLst>
+        </pc:spChg>
+        <pc:spChg chg="mod">
+          <ac:chgData name="MIYAMOTO KAZUYUKI(宮本　和幸)" userId="22efd1ed-8aed-418a-b26c-41ee2dcdf024" providerId="ADAL" clId="{95632F7B-FFA5-437A-88C9-E58173507DAA}" dt="2025-09-16T07:00:03.568" v="2048" actId="1035"/>
+          <ac:spMkLst>
+            <pc:docMk/>
+            <pc:sldMk cId="165116564" sldId="258"/>
+            <ac:spMk id="74" creationId="{5C4A32EB-C5B8-1A4C-FD42-A47A75007A61}"/>
+          </ac:spMkLst>
+        </pc:spChg>
+        <pc:spChg chg="mod">
+          <ac:chgData name="MIYAMOTO KAZUYUKI(宮本　和幸)" userId="22efd1ed-8aed-418a-b26c-41ee2dcdf024" providerId="ADAL" clId="{95632F7B-FFA5-437A-88C9-E58173507DAA}" dt="2025-09-16T07:03:09.483" v="2170" actId="1036"/>
+          <ac:spMkLst>
+            <pc:docMk/>
+            <pc:sldMk cId="165116564" sldId="258"/>
+            <ac:spMk id="83" creationId="{C886B582-9B52-F141-20C0-2155083B9BF6}"/>
+          </ac:spMkLst>
+        </pc:spChg>
+        <pc:spChg chg="mod">
+          <ac:chgData name="MIYAMOTO KAZUYUKI(宮本　和幸)" userId="22efd1ed-8aed-418a-b26c-41ee2dcdf024" providerId="ADAL" clId="{95632F7B-FFA5-437A-88C9-E58173507DAA}" dt="2025-09-16T07:03:09.483" v="2170" actId="1036"/>
+          <ac:spMkLst>
+            <pc:docMk/>
+            <pc:sldMk cId="165116564" sldId="258"/>
+            <ac:spMk id="85" creationId="{151025EB-2C51-F1A0-E6AE-74DA3252C188}"/>
+          </ac:spMkLst>
+        </pc:spChg>
+        <pc:spChg chg="mod">
+          <ac:chgData name="MIYAMOTO KAZUYUKI(宮本　和幸)" userId="22efd1ed-8aed-418a-b26c-41ee2dcdf024" providerId="ADAL" clId="{95632F7B-FFA5-437A-88C9-E58173507DAA}" dt="2025-09-16T07:18:35.433" v="2602" actId="20577"/>
+          <ac:spMkLst>
+            <pc:docMk/>
+            <pc:sldMk cId="165116564" sldId="258"/>
+            <ac:spMk id="93" creationId="{E7D8C22A-0E72-C383-6262-5CBE67A9E563}"/>
+          </ac:spMkLst>
+        </pc:spChg>
+        <pc:spChg chg="mod ord">
+          <ac:chgData name="MIYAMOTO KAZUYUKI(宮本　和幸)" userId="22efd1ed-8aed-418a-b26c-41ee2dcdf024" providerId="ADAL" clId="{95632F7B-FFA5-437A-88C9-E58173507DAA}" dt="2025-09-16T07:03:53.024" v="2238" actId="1036"/>
+          <ac:spMkLst>
+            <pc:docMk/>
+            <pc:sldMk cId="165116564" sldId="258"/>
+            <ac:spMk id="97" creationId="{96160E76-19D8-E90D-9BCD-EB7BA92FD9CB}"/>
+          </ac:spMkLst>
+        </pc:spChg>
+        <pc:spChg chg="mod">
+          <ac:chgData name="MIYAMOTO KAZUYUKI(宮本　和幸)" userId="22efd1ed-8aed-418a-b26c-41ee2dcdf024" providerId="ADAL" clId="{95632F7B-FFA5-437A-88C9-E58173507DAA}" dt="2025-09-16T06:56:34.167" v="1778" actId="1076"/>
+          <ac:spMkLst>
+            <pc:docMk/>
+            <pc:sldMk cId="165116564" sldId="258"/>
+            <ac:spMk id="112" creationId="{4F6267EB-1A55-A4B1-3AD8-16DBD4857D9D}"/>
+          </ac:spMkLst>
+        </pc:spChg>
+        <pc:grpChg chg="add mod">
+          <ac:chgData name="MIYAMOTO KAZUYUKI(宮本　和幸)" userId="22efd1ed-8aed-418a-b26c-41ee2dcdf024" providerId="ADAL" clId="{95632F7B-FFA5-437A-88C9-E58173507DAA}" dt="2025-09-16T06:59:51.252" v="2010" actId="1037"/>
+          <ac:grpSpMkLst>
+            <pc:docMk/>
+            <pc:sldMk cId="165116564" sldId="258"/>
+            <ac:grpSpMk id="18" creationId="{39E1B10A-2412-A49A-57BD-3545BAE62EEE}"/>
+          </ac:grpSpMkLst>
+        </pc:grpChg>
+        <pc:grpChg chg="add mod">
+          <ac:chgData name="MIYAMOTO KAZUYUKI(宮本　和幸)" userId="22efd1ed-8aed-418a-b26c-41ee2dcdf024" providerId="ADAL" clId="{95632F7B-FFA5-437A-88C9-E58173507DAA}" dt="2025-09-16T06:59:38.429" v="1984" actId="1037"/>
+          <ac:grpSpMkLst>
+            <pc:docMk/>
+            <pc:sldMk cId="165116564" sldId="258"/>
+            <ac:grpSpMk id="25" creationId="{96273DCC-01F9-0298-BF98-CF2B56114C19}"/>
+          </ac:grpSpMkLst>
+        </pc:grpChg>
+        <pc:grpChg chg="del">
+          <ac:chgData name="MIYAMOTO KAZUYUKI(宮本　和幸)" userId="22efd1ed-8aed-418a-b26c-41ee2dcdf024" providerId="ADAL" clId="{95632F7B-FFA5-437A-88C9-E58173507DAA}" dt="2025-09-16T06:36:18.662" v="1552" actId="165"/>
+          <ac:grpSpMkLst>
+            <pc:docMk/>
+            <pc:sldMk cId="165116564" sldId="258"/>
+            <ac:grpSpMk id="103" creationId="{3C2990DC-3D68-7BD7-6290-2489D4999AD2}"/>
+          </ac:grpSpMkLst>
+        </pc:grpChg>
+        <pc:grpChg chg="del">
+          <ac:chgData name="MIYAMOTO KAZUYUKI(宮本　和幸)" userId="22efd1ed-8aed-418a-b26c-41ee2dcdf024" providerId="ADAL" clId="{95632F7B-FFA5-437A-88C9-E58173507DAA}" dt="2025-09-16T06:35:24.748" v="1546" actId="165"/>
+          <ac:grpSpMkLst>
+            <pc:docMk/>
+            <pc:sldMk cId="165116564" sldId="258"/>
+            <ac:grpSpMk id="106" creationId="{E8A75F59-FBAD-AC48-CC28-27431891F214}"/>
+          </ac:grpSpMkLst>
+        </pc:grpChg>
+        <pc:graphicFrameChg chg="add del modGraphic">
+          <ac:chgData name="MIYAMOTO KAZUYUKI(宮本　和幸)" userId="22efd1ed-8aed-418a-b26c-41ee2dcdf024" providerId="ADAL" clId="{95632F7B-FFA5-437A-88C9-E58173507DAA}" dt="2025-09-16T07:24:13.133" v="2697" actId="27309"/>
+          <ac:graphicFrameMkLst>
+            <pc:docMk/>
+            <pc:sldMk cId="165116564" sldId="258"/>
+            <ac:graphicFrameMk id="36" creationId="{60DD5D3C-4626-A118-B42C-62824280C54C}"/>
+          </ac:graphicFrameMkLst>
+        </pc:graphicFrameChg>
+        <pc:cxnChg chg="mod">
+          <ac:chgData name="MIYAMOTO KAZUYUKI(宮本　和幸)" userId="22efd1ed-8aed-418a-b26c-41ee2dcdf024" providerId="ADAL" clId="{95632F7B-FFA5-437A-88C9-E58173507DAA}" dt="2025-09-16T07:03:09.483" v="2170" actId="1036"/>
+          <ac:cxnSpMkLst>
+            <pc:docMk/>
+            <pc:sldMk cId="165116564" sldId="258"/>
+            <ac:cxnSpMk id="15" creationId="{99088286-48E8-F52E-9C9B-FD913D56AD48}"/>
+          </ac:cxnSpMkLst>
+        </pc:cxnChg>
+        <pc:cxnChg chg="add mod">
+          <ac:chgData name="MIYAMOTO KAZUYUKI(宮本　和幸)" userId="22efd1ed-8aed-418a-b26c-41ee2dcdf024" providerId="ADAL" clId="{95632F7B-FFA5-437A-88C9-E58173507DAA}" dt="2025-09-16T07:01:22.162" v="2093" actId="692"/>
+          <ac:cxnSpMkLst>
+            <pc:docMk/>
+            <pc:sldMk cId="165116564" sldId="258"/>
+            <ac:cxnSpMk id="26" creationId="{EE0E7C70-D31E-36FB-893C-1C49771F069E}"/>
+          </ac:cxnSpMkLst>
+        </pc:cxnChg>
+        <pc:cxnChg chg="add mod">
+          <ac:chgData name="MIYAMOTO KAZUYUKI(宮本　和幸)" userId="22efd1ed-8aed-418a-b26c-41ee2dcdf024" providerId="ADAL" clId="{95632F7B-FFA5-437A-88C9-E58173507DAA}" dt="2025-09-16T07:04:14.873" v="2241" actId="14100"/>
+          <ac:cxnSpMkLst>
+            <pc:docMk/>
+            <pc:sldMk cId="165116564" sldId="258"/>
+            <ac:cxnSpMk id="29" creationId="{74316935-A968-853E-ACE5-544FE9A14C52}"/>
+          </ac:cxnSpMkLst>
+        </pc:cxnChg>
+        <pc:cxnChg chg="mod ord">
+          <ac:chgData name="MIYAMOTO KAZUYUKI(宮本　和幸)" userId="22efd1ed-8aed-418a-b26c-41ee2dcdf024" providerId="ADAL" clId="{95632F7B-FFA5-437A-88C9-E58173507DAA}" dt="2025-09-16T07:00:03.568" v="2048" actId="1035"/>
+          <ac:cxnSpMkLst>
+            <pc:docMk/>
+            <pc:sldMk cId="165116564" sldId="258"/>
+            <ac:cxnSpMk id="31" creationId="{DA831BA0-6543-FC3D-A54A-4C4604A10DDB}"/>
+          </ac:cxnSpMkLst>
+        </pc:cxnChg>
+        <pc:cxnChg chg="mod">
+          <ac:chgData name="MIYAMOTO KAZUYUKI(宮本　和幸)" userId="22efd1ed-8aed-418a-b26c-41ee2dcdf024" providerId="ADAL" clId="{95632F7B-FFA5-437A-88C9-E58173507DAA}" dt="2025-09-16T07:00:03.568" v="2048" actId="1035"/>
+          <ac:cxnSpMkLst>
+            <pc:docMk/>
+            <pc:sldMk cId="165116564" sldId="258"/>
+            <ac:cxnSpMk id="48" creationId="{B5A6E89D-6760-023B-0603-8438C746FF2F}"/>
+          </ac:cxnSpMkLst>
+        </pc:cxnChg>
+        <pc:cxnChg chg="mod">
+          <ac:chgData name="MIYAMOTO KAZUYUKI(宮本　和幸)" userId="22efd1ed-8aed-418a-b26c-41ee2dcdf024" providerId="ADAL" clId="{95632F7B-FFA5-437A-88C9-E58173507DAA}" dt="2025-09-16T07:00:03.568" v="2048" actId="1035"/>
+          <ac:cxnSpMkLst>
+            <pc:docMk/>
+            <pc:sldMk cId="165116564" sldId="258"/>
+            <ac:cxnSpMk id="61" creationId="{0D3746AB-9BB1-0B64-BC69-308E8B96EF44}"/>
+          </ac:cxnSpMkLst>
+        </pc:cxnChg>
+        <pc:cxnChg chg="mod">
+          <ac:chgData name="MIYAMOTO KAZUYUKI(宮本　和幸)" userId="22efd1ed-8aed-418a-b26c-41ee2dcdf024" providerId="ADAL" clId="{95632F7B-FFA5-437A-88C9-E58173507DAA}" dt="2025-09-16T07:03:09.483" v="2170" actId="1036"/>
+          <ac:cxnSpMkLst>
+            <pc:docMk/>
+            <pc:sldMk cId="165116564" sldId="258"/>
+            <ac:cxnSpMk id="76" creationId="{C7AA8D35-5E30-44A8-4F9F-E05CD00E9B0C}"/>
+          </ac:cxnSpMkLst>
+        </pc:cxnChg>
+        <pc:cxnChg chg="mod">
+          <ac:chgData name="MIYAMOTO KAZUYUKI(宮本　和幸)" userId="22efd1ed-8aed-418a-b26c-41ee2dcdf024" providerId="ADAL" clId="{95632F7B-FFA5-437A-88C9-E58173507DAA}" dt="2025-09-16T07:03:53.024" v="2238" actId="1036"/>
+          <ac:cxnSpMkLst>
+            <pc:docMk/>
+            <pc:sldMk cId="165116564" sldId="258"/>
+            <ac:cxnSpMk id="88" creationId="{DDC01140-4B06-EB25-23B9-15266475B651}"/>
+          </ac:cxnSpMkLst>
+        </pc:cxnChg>
+        <pc:cxnChg chg="mod">
+          <ac:chgData name="MIYAMOTO KAZUYUKI(宮本　和幸)" userId="22efd1ed-8aed-418a-b26c-41ee2dcdf024" providerId="ADAL" clId="{95632F7B-FFA5-437A-88C9-E58173507DAA}" dt="2025-09-16T06:53:16.048" v="1699" actId="1037"/>
+          <ac:cxnSpMkLst>
+            <pc:docMk/>
+            <pc:sldMk cId="165116564" sldId="258"/>
+            <ac:cxnSpMk id="107" creationId="{E61A5727-F486-5E72-EEA2-9B8118B46DE1}"/>
+          </ac:cxnSpMkLst>
+        </pc:cxnChg>
+        <pc:cxnChg chg="mod ord">
+          <ac:chgData name="MIYAMOTO KAZUYUKI(宮本　和幸)" userId="22efd1ed-8aed-418a-b26c-41ee2dcdf024" providerId="ADAL" clId="{95632F7B-FFA5-437A-88C9-E58173507DAA}" dt="2025-09-16T06:52:42.601" v="1672" actId="14100"/>
+          <ac:cxnSpMkLst>
+            <pc:docMk/>
+            <pc:sldMk cId="165116564" sldId="258"/>
+            <ac:cxnSpMk id="111" creationId="{144B8E35-207A-6804-6939-C503E982C2BA}"/>
+          </ac:cxnSpMkLst>
+        </pc:cxnChg>
+      </pc:sldChg>
+      <pc:sldChg chg="addSp delSp modSp add mod">
+        <pc:chgData name="MIYAMOTO KAZUYUKI(宮本　和幸)" userId="22efd1ed-8aed-418a-b26c-41ee2dcdf024" providerId="ADAL" clId="{95632F7B-FFA5-437A-88C9-E58173507DAA}" dt="2025-09-16T07:37:45.227" v="3116" actId="692"/>
+        <pc:sldMkLst>
+          <pc:docMk/>
+          <pc:sldMk cId="2526236271" sldId="259"/>
+        </pc:sldMkLst>
+        <pc:spChg chg="del">
+          <ac:chgData name="MIYAMOTO KAZUYUKI(宮本　和幸)" userId="22efd1ed-8aed-418a-b26c-41ee2dcdf024" providerId="ADAL" clId="{95632F7B-FFA5-437A-88C9-E58173507DAA}" dt="2025-09-16T07:04:37.294" v="2243" actId="478"/>
+          <ac:spMkLst>
+            <pc:docMk/>
+            <pc:sldMk cId="2526236271" sldId="259"/>
+            <ac:spMk id="3" creationId="{AB9C5871-574F-80C7-EC65-91A546C7A49C}"/>
+          </ac:spMkLst>
+        </pc:spChg>
+        <pc:spChg chg="mod">
+          <ac:chgData name="MIYAMOTO KAZUYUKI(宮本　和幸)" userId="22efd1ed-8aed-418a-b26c-41ee2dcdf024" providerId="ADAL" clId="{95632F7B-FFA5-437A-88C9-E58173507DAA}" dt="2025-09-16T07:35:08.302" v="3112" actId="164"/>
+          <ac:spMkLst>
+            <pc:docMk/>
+            <pc:sldMk cId="2526236271" sldId="259"/>
+            <ac:spMk id="5" creationId="{8B8F45AD-B088-ED04-82B3-8E9EE0E74446}"/>
+          </ac:spMkLst>
+        </pc:spChg>
+        <pc:spChg chg="mod topLvl">
+          <ac:chgData name="MIYAMOTO KAZUYUKI(宮本　和幸)" userId="22efd1ed-8aed-418a-b26c-41ee2dcdf024" providerId="ADAL" clId="{95632F7B-FFA5-437A-88C9-E58173507DAA}" dt="2025-09-16T07:35:08.302" v="3112" actId="164"/>
+          <ac:spMkLst>
+            <pc:docMk/>
+            <pc:sldMk cId="2526236271" sldId="259"/>
+            <ac:spMk id="11" creationId="{8C3EFAB1-27D9-96D4-F6E7-E1261ADB9876}"/>
+          </ac:spMkLst>
+        </pc:spChg>
+        <pc:spChg chg="mod ord">
+          <ac:chgData name="MIYAMOTO KAZUYUKI(宮本　和幸)" userId="22efd1ed-8aed-418a-b26c-41ee2dcdf024" providerId="ADAL" clId="{95632F7B-FFA5-437A-88C9-E58173507DAA}" dt="2025-09-16T07:35:08.302" v="3112" actId="164"/>
+          <ac:spMkLst>
+            <pc:docMk/>
+            <pc:sldMk cId="2526236271" sldId="259"/>
+            <ac:spMk id="13" creationId="{DE6FF593-7D4A-6011-74D9-0881D9957E25}"/>
+          </ac:spMkLst>
+        </pc:spChg>
+        <pc:spChg chg="mod">
+          <ac:chgData name="MIYAMOTO KAZUYUKI(宮本　和幸)" userId="22efd1ed-8aed-418a-b26c-41ee2dcdf024" providerId="ADAL" clId="{95632F7B-FFA5-437A-88C9-E58173507DAA}" dt="2025-09-16T07:35:08.302" v="3112" actId="164"/>
+          <ac:spMkLst>
+            <pc:docMk/>
+            <pc:sldMk cId="2526236271" sldId="259"/>
+            <ac:spMk id="14" creationId="{FFFF3926-A104-57B3-B42A-D6B37F23E689}"/>
+          </ac:spMkLst>
+        </pc:spChg>
+        <pc:spChg chg="mod">
+          <ac:chgData name="MIYAMOTO KAZUYUKI(宮本　和幸)" userId="22efd1ed-8aed-418a-b26c-41ee2dcdf024" providerId="ADAL" clId="{95632F7B-FFA5-437A-88C9-E58173507DAA}" dt="2025-09-16T07:35:08.302" v="3112" actId="164"/>
+          <ac:spMkLst>
+            <pc:docMk/>
+            <pc:sldMk cId="2526236271" sldId="259"/>
+            <ac:spMk id="20" creationId="{8BA2CBAA-F605-54B0-2265-4EA0710A0AFB}"/>
+          </ac:spMkLst>
+        </pc:spChg>
+        <pc:spChg chg="mod topLvl">
+          <ac:chgData name="MIYAMOTO KAZUYUKI(宮本　和幸)" userId="22efd1ed-8aed-418a-b26c-41ee2dcdf024" providerId="ADAL" clId="{95632F7B-FFA5-437A-88C9-E58173507DAA}" dt="2025-09-16T07:37:45.227" v="3116" actId="692"/>
+          <ac:spMkLst>
+            <pc:docMk/>
+            <pc:sldMk cId="2526236271" sldId="259"/>
+            <ac:spMk id="27" creationId="{D0DB7E1C-D6CD-6301-762D-960430E84E9A}"/>
+          </ac:spMkLst>
+        </pc:spChg>
+        <pc:spChg chg="del">
+          <ac:chgData name="MIYAMOTO KAZUYUKI(宮本　和幸)" userId="22efd1ed-8aed-418a-b26c-41ee2dcdf024" providerId="ADAL" clId="{95632F7B-FFA5-437A-88C9-E58173507DAA}" dt="2025-09-16T07:04:51.281" v="2247" actId="478"/>
+          <ac:spMkLst>
+            <pc:docMk/>
+            <pc:sldMk cId="2526236271" sldId="259"/>
+            <ac:spMk id="28" creationId="{CCD1E42E-235F-64D4-AB0E-F4913E4CF067}"/>
+          </ac:spMkLst>
+        </pc:spChg>
+        <pc:spChg chg="add mod">
+          <ac:chgData name="MIYAMOTO KAZUYUKI(宮本　和幸)" userId="22efd1ed-8aed-418a-b26c-41ee2dcdf024" providerId="ADAL" clId="{95632F7B-FFA5-437A-88C9-E58173507DAA}" dt="2025-09-16T07:37:45.227" v="3116" actId="692"/>
+          <ac:spMkLst>
+            <pc:docMk/>
+            <pc:sldMk cId="2526236271" sldId="259"/>
+            <ac:spMk id="33" creationId="{AAB415E7-BA36-0013-D6E6-DD605F075875}"/>
+          </ac:spMkLst>
+        </pc:spChg>
+        <pc:spChg chg="add mod">
+          <ac:chgData name="MIYAMOTO KAZUYUKI(宮本　和幸)" userId="22efd1ed-8aed-418a-b26c-41ee2dcdf024" providerId="ADAL" clId="{95632F7B-FFA5-437A-88C9-E58173507DAA}" dt="2025-09-16T07:13:04.944" v="2534"/>
+          <ac:spMkLst>
+            <pc:docMk/>
+            <pc:sldMk cId="2526236271" sldId="259"/>
+            <ac:spMk id="34" creationId="{C3B09F02-0C3D-B5F3-2A94-7CA098079402}"/>
+          </ac:spMkLst>
+        </pc:spChg>
+        <pc:spChg chg="mod">
+          <ac:chgData name="MIYAMOTO KAZUYUKI(宮本　和幸)" userId="22efd1ed-8aed-418a-b26c-41ee2dcdf024" providerId="ADAL" clId="{95632F7B-FFA5-437A-88C9-E58173507DAA}" dt="2025-09-16T07:13:20.082" v="2535"/>
+          <ac:spMkLst>
+            <pc:docMk/>
+            <pc:sldMk cId="2526236271" sldId="259"/>
+            <ac:spMk id="36" creationId="{3B1B47D6-98EB-3896-7824-9E3EF72980DA}"/>
+          </ac:spMkLst>
+        </pc:spChg>
+        <pc:spChg chg="mod">
+          <ac:chgData name="MIYAMOTO KAZUYUKI(宮本　和幸)" userId="22efd1ed-8aed-418a-b26c-41ee2dcdf024" providerId="ADAL" clId="{95632F7B-FFA5-437A-88C9-E58173507DAA}" dt="2025-09-16T07:13:20.082" v="2535"/>
+          <ac:spMkLst>
+            <pc:docMk/>
+            <pc:sldMk cId="2526236271" sldId="259"/>
+            <ac:spMk id="37" creationId="{912D7802-DE5E-A589-7E53-DA486409CF89}"/>
+          </ac:spMkLst>
+        </pc:spChg>
+        <pc:spChg chg="mod">
+          <ac:chgData name="MIYAMOTO KAZUYUKI(宮本　和幸)" userId="22efd1ed-8aed-418a-b26c-41ee2dcdf024" providerId="ADAL" clId="{95632F7B-FFA5-437A-88C9-E58173507DAA}" dt="2025-09-16T07:35:08.302" v="3112" actId="164"/>
+          <ac:spMkLst>
+            <pc:docMk/>
+            <pc:sldMk cId="2526236271" sldId="259"/>
+            <ac:spMk id="39" creationId="{BFA23318-9459-EFF0-13FA-5922B1F33698}"/>
+          </ac:spMkLst>
+        </pc:spChg>
+        <pc:spChg chg="mod">
+          <ac:chgData name="MIYAMOTO KAZUYUKI(宮本　和幸)" userId="22efd1ed-8aed-418a-b26c-41ee2dcdf024" providerId="ADAL" clId="{95632F7B-FFA5-437A-88C9-E58173507DAA}" dt="2025-09-16T07:35:08.302" v="3112" actId="164"/>
+          <ac:spMkLst>
+            <pc:docMk/>
+            <pc:sldMk cId="2526236271" sldId="259"/>
+            <ac:spMk id="40" creationId="{A4A9E68F-69D6-9FCD-6D52-04ED394DA0FB}"/>
+          </ac:spMkLst>
+        </pc:spChg>
+        <pc:spChg chg="mod">
+          <ac:chgData name="MIYAMOTO KAZUYUKI(宮本　和幸)" userId="22efd1ed-8aed-418a-b26c-41ee2dcdf024" providerId="ADAL" clId="{95632F7B-FFA5-437A-88C9-E58173507DAA}" dt="2025-09-16T07:13:38.055" v="2537"/>
+          <ac:spMkLst>
+            <pc:docMk/>
+            <pc:sldMk cId="2526236271" sldId="259"/>
+            <ac:spMk id="41" creationId="{11A59C0C-F6A6-2711-D7A4-1740256A2715}"/>
+          </ac:spMkLst>
+        </pc:spChg>
+        <pc:spChg chg="mod">
+          <ac:chgData name="MIYAMOTO KAZUYUKI(宮本　和幸)" userId="22efd1ed-8aed-418a-b26c-41ee2dcdf024" providerId="ADAL" clId="{95632F7B-FFA5-437A-88C9-E58173507DAA}" dt="2025-09-16T07:24:55.903" v="2798" actId="1037"/>
+          <ac:spMkLst>
+            <pc:docMk/>
+            <pc:sldMk cId="2526236271" sldId="259"/>
+            <ac:spMk id="42" creationId="{F9208916-3D8F-5F76-5EA7-4B0F884B95F8}"/>
+          </ac:spMkLst>
+        </pc:spChg>
+        <pc:spChg chg="mod ord">
+          <ac:chgData name="MIYAMOTO KAZUYUKI(宮本　和幸)" userId="22efd1ed-8aed-418a-b26c-41ee2dcdf024" providerId="ADAL" clId="{95632F7B-FFA5-437A-88C9-E58173507DAA}" dt="2025-09-16T07:35:08.302" v="3112" actId="164"/>
+          <ac:spMkLst>
+            <pc:docMk/>
+            <pc:sldMk cId="2526236271" sldId="259"/>
+            <ac:spMk id="45" creationId="{5D3BD5FB-B52A-F0E3-A653-CB043110C6E8}"/>
+          </ac:spMkLst>
+        </pc:spChg>
+        <pc:spChg chg="add mod">
+          <ac:chgData name="MIYAMOTO KAZUYUKI(宮本　和幸)" userId="22efd1ed-8aed-418a-b26c-41ee2dcdf024" providerId="ADAL" clId="{95632F7B-FFA5-437A-88C9-E58173507DAA}" dt="2025-09-16T07:37:45.227" v="3116" actId="692"/>
+          <ac:spMkLst>
+            <pc:docMk/>
+            <pc:sldMk cId="2526236271" sldId="259"/>
+            <ac:spMk id="47" creationId="{9E1DDA7B-3CB1-B1B6-0EFB-777244B7A5B8}"/>
+          </ac:spMkLst>
+        </pc:spChg>
+        <pc:spChg chg="mod">
+          <ac:chgData name="MIYAMOTO KAZUYUKI(宮本　和幸)" userId="22efd1ed-8aed-418a-b26c-41ee2dcdf024" providerId="ADAL" clId="{95632F7B-FFA5-437A-88C9-E58173507DAA}" dt="2025-09-16T07:37:45.227" v="3116" actId="692"/>
+          <ac:spMkLst>
+            <pc:docMk/>
+            <pc:sldMk cId="2526236271" sldId="259"/>
+            <ac:spMk id="51" creationId="{ABEB3093-FA65-6508-2605-D0BC3C4DD80A}"/>
+          </ac:spMkLst>
+        </pc:spChg>
+        <pc:spChg chg="del">
+          <ac:chgData name="MIYAMOTO KAZUYUKI(宮本　和幸)" userId="22efd1ed-8aed-418a-b26c-41ee2dcdf024" providerId="ADAL" clId="{95632F7B-FFA5-437A-88C9-E58173507DAA}" dt="2025-09-16T07:04:37.294" v="2243" actId="478"/>
+          <ac:spMkLst>
+            <pc:docMk/>
+            <pc:sldMk cId="2526236271" sldId="259"/>
+            <ac:spMk id="52" creationId="{E04B2DCF-90F2-23A9-1E52-600600C2ADB5}"/>
+          </ac:spMkLst>
+        </pc:spChg>
+        <pc:spChg chg="mod topLvl">
+          <ac:chgData name="MIYAMOTO KAZUYUKI(宮本　和幸)" userId="22efd1ed-8aed-418a-b26c-41ee2dcdf024" providerId="ADAL" clId="{95632F7B-FFA5-437A-88C9-E58173507DAA}" dt="2025-09-16T07:35:08.302" v="3112" actId="164"/>
+          <ac:spMkLst>
+            <pc:docMk/>
+            <pc:sldMk cId="2526236271" sldId="259"/>
+            <ac:spMk id="55" creationId="{ECF9AD87-EF82-E3D7-1655-C7DAF7BAE448}"/>
+          </ac:spMkLst>
+        </pc:spChg>
+        <pc:spChg chg="mod">
+          <ac:chgData name="MIYAMOTO KAZUYUKI(宮本　和幸)" userId="22efd1ed-8aed-418a-b26c-41ee2dcdf024" providerId="ADAL" clId="{95632F7B-FFA5-437A-88C9-E58173507DAA}" dt="2025-09-16T07:35:08.302" v="3112" actId="164"/>
+          <ac:spMkLst>
+            <pc:docMk/>
+            <pc:sldMk cId="2526236271" sldId="259"/>
+            <ac:spMk id="56" creationId="{D973475E-3C10-7CEA-5238-563325A22F46}"/>
+          </ac:spMkLst>
+        </pc:spChg>
+        <pc:spChg chg="add mod">
+          <ac:chgData name="MIYAMOTO KAZUYUKI(宮本　和幸)" userId="22efd1ed-8aed-418a-b26c-41ee2dcdf024" providerId="ADAL" clId="{95632F7B-FFA5-437A-88C9-E58173507DAA}" dt="2025-09-16T07:22:52.231" v="2693" actId="1036"/>
+          <ac:spMkLst>
+            <pc:docMk/>
+            <pc:sldMk cId="2526236271" sldId="259"/>
+            <ac:spMk id="59" creationId="{9DC97DF3-CF34-41ED-0134-4A3FD6CACC0E}"/>
+          </ac:spMkLst>
+        </pc:spChg>
+        <pc:spChg chg="mod ord">
+          <ac:chgData name="MIYAMOTO KAZUYUKI(宮本　和幸)" userId="22efd1ed-8aed-418a-b26c-41ee2dcdf024" providerId="ADAL" clId="{95632F7B-FFA5-437A-88C9-E58173507DAA}" dt="2025-09-16T07:35:08.302" v="3112" actId="164"/>
+          <ac:spMkLst>
+            <pc:docMk/>
+            <pc:sldMk cId="2526236271" sldId="259"/>
+            <ac:spMk id="60" creationId="{8C1F55A0-081A-EA18-D5EA-FBD279EFF98A}"/>
+          </ac:spMkLst>
+        </pc:spChg>
+        <pc:spChg chg="add mod">
+          <ac:chgData name="MIYAMOTO KAZUYUKI(宮本　和幸)" userId="22efd1ed-8aed-418a-b26c-41ee2dcdf024" providerId="ADAL" clId="{95632F7B-FFA5-437A-88C9-E58173507DAA}" dt="2025-09-16T07:22:52.231" v="2693" actId="1036"/>
+          <ac:spMkLst>
+            <pc:docMk/>
+            <pc:sldMk cId="2526236271" sldId="259"/>
+            <ac:spMk id="62" creationId="{475E7A8D-CBEF-C2AD-150D-306F7EF9A87C}"/>
+          </ac:spMkLst>
+        </pc:spChg>
+        <pc:spChg chg="add mod">
+          <ac:chgData name="MIYAMOTO KAZUYUKI(宮本　和幸)" userId="22efd1ed-8aed-418a-b26c-41ee2dcdf024" providerId="ADAL" clId="{95632F7B-FFA5-437A-88C9-E58173507DAA}" dt="2025-09-16T07:22:52.231" v="2693" actId="1036"/>
+          <ac:spMkLst>
+            <pc:docMk/>
+            <pc:sldMk cId="2526236271" sldId="259"/>
+            <ac:spMk id="63" creationId="{132433EB-872B-7825-D443-07C2D5954271}"/>
+          </ac:spMkLst>
+        </pc:spChg>
+        <pc:spChg chg="add mod">
+          <ac:chgData name="MIYAMOTO KAZUYUKI(宮本　和幸)" userId="22efd1ed-8aed-418a-b26c-41ee2dcdf024" providerId="ADAL" clId="{95632F7B-FFA5-437A-88C9-E58173507DAA}" dt="2025-09-16T07:35:08.302" v="3112" actId="164"/>
+          <ac:spMkLst>
+            <pc:docMk/>
+            <pc:sldMk cId="2526236271" sldId="259"/>
+            <ac:spMk id="64" creationId="{AB9C5871-574F-80C7-EC65-91A546C7A49C}"/>
+          </ac:spMkLst>
+        </pc:spChg>
+        <pc:spChg chg="add mod">
+          <ac:chgData name="MIYAMOTO KAZUYUKI(宮本　和幸)" userId="22efd1ed-8aed-418a-b26c-41ee2dcdf024" providerId="ADAL" clId="{95632F7B-FFA5-437A-88C9-E58173507DAA}" dt="2025-09-16T07:35:08.302" v="3112" actId="164"/>
+          <ac:spMkLst>
+            <pc:docMk/>
+            <pc:sldMk cId="2526236271" sldId="259"/>
+            <ac:spMk id="65" creationId="{E04B2DCF-90F2-23A9-1E52-600600C2ADB5}"/>
+          </ac:spMkLst>
+        </pc:spChg>
+        <pc:spChg chg="add mod">
+          <ac:chgData name="MIYAMOTO KAZUYUKI(宮本　和幸)" userId="22efd1ed-8aed-418a-b26c-41ee2dcdf024" providerId="ADAL" clId="{95632F7B-FFA5-437A-88C9-E58173507DAA}" dt="2025-09-16T07:29:30.858" v="3017"/>
+          <ac:spMkLst>
+            <pc:docMk/>
+            <pc:sldMk cId="2526236271" sldId="259"/>
+            <ac:spMk id="66" creationId="{D32801C0-B335-78B7-4638-029DA7635E30}"/>
+          </ac:spMkLst>
+        </pc:spChg>
+        <pc:spChg chg="add mod">
+          <ac:chgData name="MIYAMOTO KAZUYUKI(宮本　和幸)" userId="22efd1ed-8aed-418a-b26c-41ee2dcdf024" providerId="ADAL" clId="{95632F7B-FFA5-437A-88C9-E58173507DAA}" dt="2025-09-16T07:37:45.227" v="3116" actId="692"/>
+          <ac:spMkLst>
+            <pc:docMk/>
+            <pc:sldMk cId="2526236271" sldId="259"/>
+            <ac:spMk id="67" creationId="{E551D3CF-C68D-14A4-AEA8-A9770805D4F5}"/>
+          </ac:spMkLst>
+        </pc:spChg>
+        <pc:spChg chg="mod ord">
+          <ac:chgData name="MIYAMOTO KAZUYUKI(宮本　和幸)" userId="22efd1ed-8aed-418a-b26c-41ee2dcdf024" providerId="ADAL" clId="{95632F7B-FFA5-437A-88C9-E58173507DAA}" dt="2025-09-16T07:35:08.302" v="3112" actId="164"/>
+          <ac:spMkLst>
+            <pc:docMk/>
+            <pc:sldMk cId="2526236271" sldId="259"/>
+            <ac:spMk id="74" creationId="{5C4A32EB-C5B8-1A4C-FD42-A47A75007A61}"/>
+          </ac:spMkLst>
+        </pc:spChg>
+        <pc:spChg chg="mod ord">
+          <ac:chgData name="MIYAMOTO KAZUYUKI(宮本　和幸)" userId="22efd1ed-8aed-418a-b26c-41ee2dcdf024" providerId="ADAL" clId="{95632F7B-FFA5-437A-88C9-E58173507DAA}" dt="2025-09-16T07:35:08.302" v="3112" actId="164"/>
+          <ac:spMkLst>
+            <pc:docMk/>
+            <pc:sldMk cId="2526236271" sldId="259"/>
+            <ac:spMk id="83" creationId="{C886B582-9B52-F141-20C0-2155083B9BF6}"/>
+          </ac:spMkLst>
+        </pc:spChg>
+        <pc:spChg chg="mod ord">
+          <ac:chgData name="MIYAMOTO KAZUYUKI(宮本　和幸)" userId="22efd1ed-8aed-418a-b26c-41ee2dcdf024" providerId="ADAL" clId="{95632F7B-FFA5-437A-88C9-E58173507DAA}" dt="2025-09-16T07:35:08.302" v="3112" actId="164"/>
+          <ac:spMkLst>
+            <pc:docMk/>
+            <pc:sldMk cId="2526236271" sldId="259"/>
+            <ac:spMk id="85" creationId="{151025EB-2C51-F1A0-E6AE-74DA3252C188}"/>
+          </ac:spMkLst>
+        </pc:spChg>
+        <pc:spChg chg="mod topLvl">
+          <ac:chgData name="MIYAMOTO KAZUYUKI(宮本　和幸)" userId="22efd1ed-8aed-418a-b26c-41ee2dcdf024" providerId="ADAL" clId="{95632F7B-FFA5-437A-88C9-E58173507DAA}" dt="2025-09-16T07:35:08.302" v="3112" actId="164"/>
+          <ac:spMkLst>
+            <pc:docMk/>
+            <pc:sldMk cId="2526236271" sldId="259"/>
+            <ac:spMk id="92" creationId="{915D1545-3B2E-0E0D-5192-32CB80B4575E}"/>
+          </ac:spMkLst>
+        </pc:spChg>
+        <pc:spChg chg="mod topLvl">
+          <ac:chgData name="MIYAMOTO KAZUYUKI(宮本　和幸)" userId="22efd1ed-8aed-418a-b26c-41ee2dcdf024" providerId="ADAL" clId="{95632F7B-FFA5-437A-88C9-E58173507DAA}" dt="2025-09-16T07:35:08.302" v="3112" actId="164"/>
+          <ac:spMkLst>
+            <pc:docMk/>
+            <pc:sldMk cId="2526236271" sldId="259"/>
+            <ac:spMk id="93" creationId="{E7D8C22A-0E72-C383-6262-5CBE67A9E563}"/>
+          </ac:spMkLst>
+        </pc:spChg>
+        <pc:spChg chg="del">
+          <ac:chgData name="MIYAMOTO KAZUYUKI(宮本　和幸)" userId="22efd1ed-8aed-418a-b26c-41ee2dcdf024" providerId="ADAL" clId="{95632F7B-FFA5-437A-88C9-E58173507DAA}" dt="2025-09-16T07:04:54.925" v="2248" actId="478"/>
+          <ac:spMkLst>
+            <pc:docMk/>
+            <pc:sldMk cId="2526236271" sldId="259"/>
+            <ac:spMk id="97" creationId="{96160E76-19D8-E90D-9BCD-EB7BA92FD9CB}"/>
+          </ac:spMkLst>
+        </pc:spChg>
+        <pc:spChg chg="del mod">
+          <ac:chgData name="MIYAMOTO KAZUYUKI(宮本　和幸)" userId="22efd1ed-8aed-418a-b26c-41ee2dcdf024" providerId="ADAL" clId="{95632F7B-FFA5-437A-88C9-E58173507DAA}" dt="2025-09-16T07:04:46.901" v="2246" actId="478"/>
+          <ac:spMkLst>
+            <pc:docMk/>
+            <pc:sldMk cId="2526236271" sldId="259"/>
+            <ac:spMk id="112" creationId="{4F6267EB-1A55-A4B1-3AD8-16DBD4857D9D}"/>
+          </ac:spMkLst>
+        </pc:spChg>
+        <pc:grpChg chg="del">
+          <ac:chgData name="MIYAMOTO KAZUYUKI(宮本　和幸)" userId="22efd1ed-8aed-418a-b26c-41ee2dcdf024" providerId="ADAL" clId="{95632F7B-FFA5-437A-88C9-E58173507DAA}" dt="2025-09-16T07:04:37.294" v="2243" actId="478"/>
+          <ac:grpSpMkLst>
+            <pc:docMk/>
+            <pc:sldMk cId="2526236271" sldId="259"/>
+            <ac:grpSpMk id="18" creationId="{39E1B10A-2412-A49A-57BD-3545BAE62EEE}"/>
+          </ac:grpSpMkLst>
+        </pc:grpChg>
+        <pc:grpChg chg="del">
+          <ac:chgData name="MIYAMOTO KAZUYUKI(宮本　和幸)" userId="22efd1ed-8aed-418a-b26c-41ee2dcdf024" providerId="ADAL" clId="{95632F7B-FFA5-437A-88C9-E58173507DAA}" dt="2025-09-16T07:04:37.294" v="2243" actId="478"/>
+          <ac:grpSpMkLst>
+            <pc:docMk/>
+            <pc:sldMk cId="2526236271" sldId="259"/>
+            <ac:grpSpMk id="25" creationId="{96273DCC-01F9-0298-BF98-CF2B56114C19}"/>
+          </ac:grpSpMkLst>
+        </pc:grpChg>
+        <pc:grpChg chg="add mod">
+          <ac:chgData name="MIYAMOTO KAZUYUKI(宮本　和幸)" userId="22efd1ed-8aed-418a-b26c-41ee2dcdf024" providerId="ADAL" clId="{95632F7B-FFA5-437A-88C9-E58173507DAA}" dt="2025-09-16T07:35:08.302" v="3112" actId="164"/>
+          <ac:grpSpMkLst>
+            <pc:docMk/>
+            <pc:sldMk cId="2526236271" sldId="259"/>
+            <ac:grpSpMk id="35" creationId="{958834F7-42FF-10D4-E900-A641A0CBD121}"/>
+          </ac:grpSpMkLst>
+        </pc:grpChg>
+        <pc:grpChg chg="add mod">
+          <ac:chgData name="MIYAMOTO KAZUYUKI(宮本　和幸)" userId="22efd1ed-8aed-418a-b26c-41ee2dcdf024" providerId="ADAL" clId="{95632F7B-FFA5-437A-88C9-E58173507DAA}" dt="2025-09-16T07:35:08.302" v="3112" actId="164"/>
+          <ac:grpSpMkLst>
+            <pc:docMk/>
+            <pc:sldMk cId="2526236271" sldId="259"/>
+            <ac:grpSpMk id="38" creationId="{2A422C3A-9272-8D8B-97F6-74C014A0ECA0}"/>
+          </ac:grpSpMkLst>
+        </pc:grpChg>
+        <pc:grpChg chg="add del mod">
+          <ac:chgData name="MIYAMOTO KAZUYUKI(宮本　和幸)" userId="22efd1ed-8aed-418a-b26c-41ee2dcdf024" providerId="ADAL" clId="{95632F7B-FFA5-437A-88C9-E58173507DAA}" dt="2025-09-16T07:31:09.548" v="3086" actId="165"/>
+          <ac:grpSpMkLst>
+            <pc:docMk/>
+            <pc:sldMk cId="2526236271" sldId="259"/>
+            <ac:grpSpMk id="57" creationId="{F7512516-0BB6-CAE2-DAEC-D2B4DFD3C5A7}"/>
+          </ac:grpSpMkLst>
+        </pc:grpChg>
+        <pc:grpChg chg="add del mod">
+          <ac:chgData name="MIYAMOTO KAZUYUKI(宮本　和幸)" userId="22efd1ed-8aed-418a-b26c-41ee2dcdf024" providerId="ADAL" clId="{95632F7B-FFA5-437A-88C9-E58173507DAA}" dt="2025-09-16T07:35:12.069" v="3114" actId="21"/>
+          <ac:grpSpMkLst>
+            <pc:docMk/>
+            <pc:sldMk cId="2526236271" sldId="259"/>
+            <ac:grpSpMk id="68" creationId="{37EBE8A5-AACB-F162-2E52-BF04AAE06647}"/>
+          </ac:grpSpMkLst>
+        </pc:grpChg>
+        <pc:cxnChg chg="add mod">
+          <ac:chgData name="MIYAMOTO KAZUYUKI(宮本　和幸)" userId="22efd1ed-8aed-418a-b26c-41ee2dcdf024" providerId="ADAL" clId="{95632F7B-FFA5-437A-88C9-E58173507DAA}" dt="2025-09-16T07:35:12.069" v="3114" actId="21"/>
+          <ac:cxnSpMkLst>
+            <pc:docMk/>
+            <pc:sldMk cId="2526236271" sldId="259"/>
+            <ac:cxnSpMk id="12" creationId="{F45CA7B6-8126-B2F2-6BF2-DD9876C351A2}"/>
+          </ac:cxnSpMkLst>
+        </pc:cxnChg>
+        <pc:cxnChg chg="mod">
+          <ac:chgData name="MIYAMOTO KAZUYUKI(宮本　和幸)" userId="22efd1ed-8aed-418a-b26c-41ee2dcdf024" providerId="ADAL" clId="{95632F7B-FFA5-437A-88C9-E58173507DAA}" dt="2025-09-16T07:35:12.069" v="3114" actId="21"/>
+          <ac:cxnSpMkLst>
+            <pc:docMk/>
+            <pc:sldMk cId="2526236271" sldId="259"/>
+            <ac:cxnSpMk id="15" creationId="{99088286-48E8-F52E-9C9B-FD913D56AD48}"/>
+          </ac:cxnSpMkLst>
+        </pc:cxnChg>
+        <pc:cxnChg chg="add mod">
+          <ac:chgData name="MIYAMOTO KAZUYUKI(宮本　和幸)" userId="22efd1ed-8aed-418a-b26c-41ee2dcdf024" providerId="ADAL" clId="{95632F7B-FFA5-437A-88C9-E58173507DAA}" dt="2025-09-16T07:35:12.069" v="3114" actId="21"/>
+          <ac:cxnSpMkLst>
+            <pc:docMk/>
+            <pc:sldMk cId="2526236271" sldId="259"/>
+            <ac:cxnSpMk id="19" creationId="{CC3DA631-DAAF-1359-A8A2-FA3CBDDB1AD5}"/>
+          </ac:cxnSpMkLst>
+        </pc:cxnChg>
+        <pc:cxnChg chg="mod topLvl">
+          <ac:chgData name="MIYAMOTO KAZUYUKI(宮本　和幸)" userId="22efd1ed-8aed-418a-b26c-41ee2dcdf024" providerId="ADAL" clId="{95632F7B-FFA5-437A-88C9-E58173507DAA}" dt="2025-09-16T07:35:08.302" v="3112" actId="164"/>
+          <ac:cxnSpMkLst>
+            <pc:docMk/>
+            <pc:sldMk cId="2526236271" sldId="259"/>
+            <ac:cxnSpMk id="26" creationId="{EE0E7C70-D31E-36FB-893C-1C49771F069E}"/>
+          </ac:cxnSpMkLst>
+        </pc:cxnChg>
+        <pc:cxnChg chg="del">
+          <ac:chgData name="MIYAMOTO KAZUYUKI(宮本　和幸)" userId="22efd1ed-8aed-418a-b26c-41ee2dcdf024" providerId="ADAL" clId="{95632F7B-FFA5-437A-88C9-E58173507DAA}" dt="2025-09-16T07:04:51.281" v="2247" actId="478"/>
+          <ac:cxnSpMkLst>
+            <pc:docMk/>
+            <pc:sldMk cId="2526236271" sldId="259"/>
+            <ac:cxnSpMk id="29" creationId="{74316935-A968-853E-ACE5-544FE9A14C52}"/>
+          </ac:cxnSpMkLst>
+        </pc:cxnChg>
+        <pc:cxnChg chg="mod">
+          <ac:chgData name="MIYAMOTO KAZUYUKI(宮本　和幸)" userId="22efd1ed-8aed-418a-b26c-41ee2dcdf024" providerId="ADAL" clId="{95632F7B-FFA5-437A-88C9-E58173507DAA}" dt="2025-09-16T07:35:12.069" v="3114" actId="21"/>
+          <ac:cxnSpMkLst>
+            <pc:docMk/>
+            <pc:sldMk cId="2526236271" sldId="259"/>
+            <ac:cxnSpMk id="31" creationId="{DA831BA0-6543-FC3D-A54A-4C4604A10DDB}"/>
+          </ac:cxnSpMkLst>
+        </pc:cxnChg>
+        <pc:cxnChg chg="add mod">
+          <ac:chgData name="MIYAMOTO KAZUYUKI(宮本　和幸)" userId="22efd1ed-8aed-418a-b26c-41ee2dcdf024" providerId="ADAL" clId="{95632F7B-FFA5-437A-88C9-E58173507DAA}" dt="2025-09-16T07:35:12.069" v="3114" actId="21"/>
+          <ac:cxnSpMkLst>
+            <pc:docMk/>
+            <pc:sldMk cId="2526236271" sldId="259"/>
+            <ac:cxnSpMk id="43" creationId="{99BB9230-A343-60B1-8F38-79FC81D2B1E7}"/>
+          </ac:cxnSpMkLst>
+        </pc:cxnChg>
+        <pc:cxnChg chg="mod">
+          <ac:chgData name="MIYAMOTO KAZUYUKI(宮本　和幸)" userId="22efd1ed-8aed-418a-b26c-41ee2dcdf024" providerId="ADAL" clId="{95632F7B-FFA5-437A-88C9-E58173507DAA}" dt="2025-09-16T07:35:12.069" v="3114" actId="21"/>
+          <ac:cxnSpMkLst>
+            <pc:docMk/>
+            <pc:sldMk cId="2526236271" sldId="259"/>
+            <ac:cxnSpMk id="48" creationId="{B5A6E89D-6760-023B-0603-8438C746FF2F}"/>
+          </ac:cxnSpMkLst>
+        </pc:cxnChg>
+        <pc:cxnChg chg="mod">
+          <ac:chgData name="MIYAMOTO KAZUYUKI(宮本　和幸)" userId="22efd1ed-8aed-418a-b26c-41ee2dcdf024" providerId="ADAL" clId="{95632F7B-FFA5-437A-88C9-E58173507DAA}" dt="2025-09-16T07:35:12.069" v="3114" actId="21"/>
+          <ac:cxnSpMkLst>
+            <pc:docMk/>
+            <pc:sldMk cId="2526236271" sldId="259"/>
+            <ac:cxnSpMk id="61" creationId="{0D3746AB-9BB1-0B64-BC69-308E8B96EF44}"/>
+          </ac:cxnSpMkLst>
+        </pc:cxnChg>
+        <pc:cxnChg chg="mod">
+          <ac:chgData name="MIYAMOTO KAZUYUKI(宮本　和幸)" userId="22efd1ed-8aed-418a-b26c-41ee2dcdf024" providerId="ADAL" clId="{95632F7B-FFA5-437A-88C9-E58173507DAA}" dt="2025-09-16T07:35:12.069" v="3114" actId="21"/>
+          <ac:cxnSpMkLst>
+            <pc:docMk/>
+            <pc:sldMk cId="2526236271" sldId="259"/>
+            <ac:cxnSpMk id="76" creationId="{C7AA8D35-5E30-44A8-4F9F-E05CD00E9B0C}"/>
+          </ac:cxnSpMkLst>
+        </pc:cxnChg>
+        <pc:cxnChg chg="del">
+          <ac:chgData name="MIYAMOTO KAZUYUKI(宮本　和幸)" userId="22efd1ed-8aed-418a-b26c-41ee2dcdf024" providerId="ADAL" clId="{95632F7B-FFA5-437A-88C9-E58173507DAA}" dt="2025-09-16T07:04:51.281" v="2247" actId="478"/>
+          <ac:cxnSpMkLst>
+            <pc:docMk/>
+            <pc:sldMk cId="2526236271" sldId="259"/>
+            <ac:cxnSpMk id="88" creationId="{DDC01140-4B06-EB25-23B9-15266475B651}"/>
+          </ac:cxnSpMkLst>
+        </pc:cxnChg>
+        <pc:cxnChg chg="mod">
+          <ac:chgData name="MIYAMOTO KAZUYUKI(宮本　和幸)" userId="22efd1ed-8aed-418a-b26c-41ee2dcdf024" providerId="ADAL" clId="{95632F7B-FFA5-437A-88C9-E58173507DAA}" dt="2025-09-16T07:35:12.069" v="3114" actId="21"/>
+          <ac:cxnSpMkLst>
+            <pc:docMk/>
+            <pc:sldMk cId="2526236271" sldId="259"/>
+            <ac:cxnSpMk id="107" creationId="{E61A5727-F486-5E72-EEA2-9B8118B46DE1}"/>
+          </ac:cxnSpMkLst>
+        </pc:cxnChg>
+        <pc:cxnChg chg="del mod">
+          <ac:chgData name="MIYAMOTO KAZUYUKI(宮本　和幸)" userId="22efd1ed-8aed-418a-b26c-41ee2dcdf024" providerId="ADAL" clId="{95632F7B-FFA5-437A-88C9-E58173507DAA}" dt="2025-09-16T07:04:44.088" v="2244" actId="478"/>
+          <ac:cxnSpMkLst>
+            <pc:docMk/>
+            <pc:sldMk cId="2526236271" sldId="259"/>
+            <ac:cxnSpMk id="111" creationId="{144B8E35-207A-6804-6939-C503E982C2BA}"/>
+          </ac:cxnSpMkLst>
+        </pc:cxnChg>
+      </pc:sldChg>
+    </pc:docChg>
+  </pc:docChgLst>
+</pc:chgInfo>
 </file>
 
 <file path=ppt/slideLayouts/slideLayout1.xml><?xml version="1.0" encoding="utf-8"?>
@@ -270,7 +2001,7 @@
           <a:p>
             <a:fld id="{5DBE4838-C121-4DDD-9F4D-977771B59800}" type="datetimeFigureOut">
               <a:rPr kumimoji="1" lang="ja-JP" altLang="en-US" smtClean="0"/>
-              <a:t>2025/3/12</a:t>
+              <a:t>2025/9/16</a:t>
             </a:fld>
             <a:endParaRPr kumimoji="1" lang="ja-JP" altLang="en-US"/>
           </a:p>
@@ -500,7 +2231,7 @@
           <a:p>
             <a:fld id="{5DBE4838-C121-4DDD-9F4D-977771B59800}" type="datetimeFigureOut">
               <a:rPr kumimoji="1" lang="ja-JP" altLang="en-US" smtClean="0"/>
-              <a:t>2025/3/12</a:t>
+              <a:t>2025/9/16</a:t>
             </a:fld>
             <a:endParaRPr kumimoji="1" lang="ja-JP" altLang="en-US"/>
           </a:p>
@@ -740,7 +2471,7 @@
           <a:p>
             <a:fld id="{5DBE4838-C121-4DDD-9F4D-977771B59800}" type="datetimeFigureOut">
               <a:rPr kumimoji="1" lang="ja-JP" altLang="en-US" smtClean="0"/>
-              <a:t>2025/3/12</a:t>
+              <a:t>2025/9/16</a:t>
             </a:fld>
             <a:endParaRPr kumimoji="1" lang="ja-JP" altLang="en-US"/>
           </a:p>
@@ -970,7 +2701,7 @@
           <a:p>
             <a:fld id="{5DBE4838-C121-4DDD-9F4D-977771B59800}" type="datetimeFigureOut">
               <a:rPr kumimoji="1" lang="ja-JP" altLang="en-US" smtClean="0"/>
-              <a:t>2025/3/12</a:t>
+              <a:t>2025/9/16</a:t>
             </a:fld>
             <a:endParaRPr kumimoji="1" lang="ja-JP" altLang="en-US"/>
           </a:p>
@@ -1245,7 +2976,7 @@
           <a:p>
             <a:fld id="{5DBE4838-C121-4DDD-9F4D-977771B59800}" type="datetimeFigureOut">
               <a:rPr kumimoji="1" lang="ja-JP" altLang="en-US" smtClean="0"/>
-              <a:t>2025/3/12</a:t>
+              <a:t>2025/9/16</a:t>
             </a:fld>
             <a:endParaRPr kumimoji="1" lang="ja-JP" altLang="en-US"/>
           </a:p>
@@ -1574,7 +3305,7 @@
           <a:p>
             <a:fld id="{5DBE4838-C121-4DDD-9F4D-977771B59800}" type="datetimeFigureOut">
               <a:rPr kumimoji="1" lang="ja-JP" altLang="en-US" smtClean="0"/>
-              <a:t>2025/3/12</a:t>
+              <a:t>2025/9/16</a:t>
             </a:fld>
             <a:endParaRPr kumimoji="1" lang="ja-JP" altLang="en-US"/>
           </a:p>
@@ -2050,7 +3781,7 @@
           <a:p>
             <a:fld id="{5DBE4838-C121-4DDD-9F4D-977771B59800}" type="datetimeFigureOut">
               <a:rPr kumimoji="1" lang="ja-JP" altLang="en-US" smtClean="0"/>
-              <a:t>2025/3/12</a:t>
+              <a:t>2025/9/16</a:t>
             </a:fld>
             <a:endParaRPr kumimoji="1" lang="ja-JP" altLang="en-US"/>
           </a:p>
@@ -2191,7 +3922,7 @@
           <a:p>
             <a:fld id="{5DBE4838-C121-4DDD-9F4D-977771B59800}" type="datetimeFigureOut">
               <a:rPr kumimoji="1" lang="ja-JP" altLang="en-US" smtClean="0"/>
-              <a:t>2025/3/12</a:t>
+              <a:t>2025/9/16</a:t>
             </a:fld>
             <a:endParaRPr kumimoji="1" lang="ja-JP" altLang="en-US"/>
           </a:p>
@@ -2304,7 +4035,7 @@
           <a:p>
             <a:fld id="{5DBE4838-C121-4DDD-9F4D-977771B59800}" type="datetimeFigureOut">
               <a:rPr kumimoji="1" lang="ja-JP" altLang="en-US" smtClean="0"/>
-              <a:t>2025/3/12</a:t>
+              <a:t>2025/9/16</a:t>
             </a:fld>
             <a:endParaRPr kumimoji="1" lang="ja-JP" altLang="en-US"/>
           </a:p>
@@ -2647,7 +4378,7 @@
           <a:p>
             <a:fld id="{5DBE4838-C121-4DDD-9F4D-977771B59800}" type="datetimeFigureOut">
               <a:rPr kumimoji="1" lang="ja-JP" altLang="en-US" smtClean="0"/>
-              <a:t>2025/3/12</a:t>
+              <a:t>2025/9/16</a:t>
             </a:fld>
             <a:endParaRPr kumimoji="1" lang="ja-JP" altLang="en-US"/>
           </a:p>
@@ -2935,7 +4666,7 @@
           <a:p>
             <a:fld id="{5DBE4838-C121-4DDD-9F4D-977771B59800}" type="datetimeFigureOut">
               <a:rPr kumimoji="1" lang="ja-JP" altLang="en-US" smtClean="0"/>
-              <a:t>2025/3/12</a:t>
+              <a:t>2025/9/16</a:t>
             </a:fld>
             <a:endParaRPr kumimoji="1" lang="ja-JP" altLang="en-US"/>
           </a:p>
@@ -3208,7 +4939,7 @@
           <a:p>
             <a:fld id="{5DBE4838-C121-4DDD-9F4D-977771B59800}" type="datetimeFigureOut">
               <a:rPr kumimoji="1" lang="ja-JP" altLang="en-US" smtClean="0"/>
-              <a:t>2025/3/12</a:t>
+              <a:t>2025/9/16</a:t>
             </a:fld>
             <a:endParaRPr kumimoji="1" lang="ja-JP" altLang="en-US"/>
           </a:p>
@@ -3627,10 +5358,10 @@
       </p:grpSpPr>
       <p:grpSp>
         <p:nvGrpSpPr>
-          <p:cNvPr id="55" name="グループ化 54">
+          <p:cNvPr id="28" name="グループ化 27">
             <a:extLst>
               <a:ext uri="{FF2B5EF4-FFF2-40B4-BE49-F238E27FC236}">
-                <a16:creationId xmlns:a16="http://schemas.microsoft.com/office/drawing/2014/main" id="{ABEEDB0D-3614-28E3-6550-2CB8AA0FBA4D}"/>
+                <a16:creationId xmlns:a16="http://schemas.microsoft.com/office/drawing/2014/main" id="{66BD09D5-9F9B-4A3B-E809-C995BFDFB26F}"/>
               </a:ext>
             </a:extLst>
           </p:cNvPr>
@@ -3639,18 +5370,18 @@
         </p:nvGrpSpPr>
         <p:grpSpPr>
           <a:xfrm>
-            <a:off x="1043286" y="0"/>
-            <a:ext cx="10495571" cy="6377330"/>
-            <a:chOff x="1043286" y="0"/>
-            <a:chExt cx="10495571" cy="6377330"/>
+            <a:off x="3728080" y="2302804"/>
+            <a:ext cx="4735841" cy="2211451"/>
+            <a:chOff x="3728080" y="2302804"/>
+            <a:chExt cx="4735841" cy="2211451"/>
           </a:xfrm>
         </p:grpSpPr>
         <p:sp>
           <p:nvSpPr>
-            <p:cNvPr id="51" name="四角形: 角を丸くする 50">
+            <p:cNvPr id="29" name="Rectangle 6">
               <a:extLst>
                 <a:ext uri="{FF2B5EF4-FFF2-40B4-BE49-F238E27FC236}">
-                  <a16:creationId xmlns:a16="http://schemas.microsoft.com/office/drawing/2014/main" id="{ABEB3093-FA65-6508-2605-D0BC3C4DD80A}"/>
+                  <a16:creationId xmlns:a16="http://schemas.microsoft.com/office/drawing/2014/main" id="{6F9D090F-D28B-0017-A239-9A1B3A84A0E2}"/>
                 </a:ext>
               </a:extLst>
             </p:cNvPr>
@@ -3659,14 +5390,691 @@
           </p:nvSpPr>
           <p:spPr>
             <a:xfrm>
-              <a:off x="1043286" y="0"/>
-              <a:ext cx="10495571" cy="4886126"/>
+              <a:off x="3728080" y="3074255"/>
+              <a:ext cx="2160000" cy="1440000"/>
             </a:xfrm>
-            <a:prstGeom prst="roundRect">
+            <a:prstGeom prst="rect">
               <a:avLst/>
             </a:prstGeom>
-            <a:noFill/>
-            <a:ln w="25400"/>
+            <a:solidFill>
+              <a:srgbClr val="156082"/>
+            </a:solidFill>
+            <a:ln w="57150" cap="flat" cmpd="sng" algn="ctr">
+              <a:solidFill>
+                <a:srgbClr val="156082">
+                  <a:shade val="15000"/>
+                </a:srgbClr>
+              </a:solidFill>
+              <a:prstDash val="solid"/>
+              <a:miter lim="800000"/>
+            </a:ln>
+            <a:effectLst/>
+          </p:spPr>
+          <p:txBody>
+            <a:bodyPr rot="0" spcFirstLastPara="0" vertOverflow="overflow" horzOverflow="overflow" vert="horz" wrap="square" lIns="91440" tIns="45720" rIns="91440" bIns="45720" numCol="1" spcCol="0" rtlCol="0" fromWordArt="0" anchor="b" anchorCtr="0" forceAA="0" compatLnSpc="1">
+              <a:prstTxWarp prst="textNoShape">
+                <a:avLst/>
+              </a:prstTxWarp>
+              <a:noAutofit/>
+            </a:bodyPr>
+            <a:lstStyle/>
+            <a:p>
+              <a:pPr marL="0" marR="0" lvl="0" indent="0" algn="ctr" defTabSz="914400" eaLnBrk="1" fontAlgn="auto" latinLnBrk="0" hangingPunct="1">
+                <a:lnSpc>
+                  <a:spcPct val="100000"/>
+                </a:lnSpc>
+                <a:spcBef>
+                  <a:spcPts val="0"/>
+                </a:spcBef>
+                <a:spcAft>
+                  <a:spcPts val="0"/>
+                </a:spcAft>
+                <a:buClrTx/>
+                <a:buSzTx/>
+                <a:buFontTx/>
+                <a:buNone/>
+                <a:tabLst/>
+                <a:defRPr/>
+              </a:pPr>
+              <a:r>
+                <a:rPr kumimoji="0" lang="en-US" sz="1200" b="1" i="0" u="none" strike="noStrike" kern="0" cap="none" spc="0" normalizeH="0" baseline="0" noProof="0" dirty="0">
+                  <a:ln>
+                    <a:noFill/>
+                  </a:ln>
+                  <a:solidFill>
+                    <a:prstClr val="white"/>
+                  </a:solidFill>
+                  <a:effectLst/>
+                  <a:uLnTx/>
+                  <a:uFillTx/>
+                  <a:latin typeface="Aptos" panose="020B0004020202020204"/>
+                  <a:ea typeface="+mn-ea"/>
+                  <a:cs typeface="+mn-cs"/>
+                </a:rPr>
+                <a:t>Windows VM #1</a:t>
+              </a:r>
+            </a:p>
+          </p:txBody>
+        </p:sp>
+        <p:pic>
+          <p:nvPicPr>
+            <p:cNvPr id="30" name="Picture 14">
+              <a:extLst>
+                <a:ext uri="{FF2B5EF4-FFF2-40B4-BE49-F238E27FC236}">
+                  <a16:creationId xmlns:a16="http://schemas.microsoft.com/office/drawing/2014/main" id="{556503CA-6770-B50D-955C-3E2DA14A9589}"/>
+                </a:ext>
+              </a:extLst>
+            </p:cNvPr>
+            <p:cNvPicPr>
+              <a:picLocks noChangeAspect="1"/>
+            </p:cNvPicPr>
+            <p:nvPr/>
+          </p:nvPicPr>
+          <p:blipFill>
+            <a:blip r:embed="rId2"/>
+            <a:stretch>
+              <a:fillRect/>
+            </a:stretch>
+          </p:blipFill>
+          <p:spPr>
+            <a:xfrm>
+              <a:off x="4088080" y="3240156"/>
+              <a:ext cx="1532191" cy="360000"/>
+            </a:xfrm>
+            <a:prstGeom prst="rect">
+              <a:avLst/>
+            </a:prstGeom>
+            <a:ln w="57150">
+              <a:solidFill>
+                <a:sysClr val="windowText" lastClr="000000"/>
+              </a:solidFill>
+            </a:ln>
+          </p:spPr>
+        </p:pic>
+        <p:pic>
+          <p:nvPicPr>
+            <p:cNvPr id="31" name="図 30">
+              <a:extLst>
+                <a:ext uri="{FF2B5EF4-FFF2-40B4-BE49-F238E27FC236}">
+                  <a16:creationId xmlns:a16="http://schemas.microsoft.com/office/drawing/2014/main" id="{9FCCBD19-DE33-5C59-1198-B081A98F8D73}"/>
+                </a:ext>
+              </a:extLst>
+            </p:cNvPr>
+            <p:cNvPicPr>
+              <a:picLocks noChangeAspect="1"/>
+            </p:cNvPicPr>
+            <p:nvPr/>
+          </p:nvPicPr>
+          <p:blipFill>
+            <a:blip r:embed="rId3"/>
+            <a:stretch>
+              <a:fillRect/>
+            </a:stretch>
+          </p:blipFill>
+          <p:spPr>
+            <a:xfrm>
+              <a:off x="3788104" y="4240024"/>
+              <a:ext cx="216000" cy="216000"/>
+            </a:xfrm>
+            <a:prstGeom prst="rect">
+              <a:avLst/>
+            </a:prstGeom>
+          </p:spPr>
+        </p:pic>
+        <p:sp>
+          <p:nvSpPr>
+            <p:cNvPr id="32" name="Rectangle 6">
+              <a:extLst>
+                <a:ext uri="{FF2B5EF4-FFF2-40B4-BE49-F238E27FC236}">
+                  <a16:creationId xmlns:a16="http://schemas.microsoft.com/office/drawing/2014/main" id="{01490526-51D0-6F01-A412-94FFB16FA73B}"/>
+                </a:ext>
+              </a:extLst>
+            </p:cNvPr>
+            <p:cNvSpPr/>
+            <p:nvPr/>
+          </p:nvSpPr>
+          <p:spPr>
+            <a:xfrm>
+              <a:off x="6303921" y="3074255"/>
+              <a:ext cx="2160000" cy="1440000"/>
+            </a:xfrm>
+            <a:prstGeom prst="rect">
+              <a:avLst/>
+            </a:prstGeom>
+            <a:solidFill>
+              <a:srgbClr val="156082"/>
+            </a:solidFill>
+            <a:ln w="57150" cap="flat" cmpd="sng" algn="ctr">
+              <a:solidFill>
+                <a:srgbClr val="156082">
+                  <a:shade val="15000"/>
+                </a:srgbClr>
+              </a:solidFill>
+              <a:prstDash val="solid"/>
+              <a:miter lim="800000"/>
+            </a:ln>
+            <a:effectLst/>
+          </p:spPr>
+          <p:txBody>
+            <a:bodyPr rot="0" spcFirstLastPara="0" vertOverflow="overflow" horzOverflow="overflow" vert="horz" wrap="square" lIns="91440" tIns="45720" rIns="91440" bIns="45720" numCol="1" spcCol="0" rtlCol="0" fromWordArt="0" anchor="b" anchorCtr="0" forceAA="0" compatLnSpc="1">
+              <a:prstTxWarp prst="textNoShape">
+                <a:avLst/>
+              </a:prstTxWarp>
+              <a:noAutofit/>
+            </a:bodyPr>
+            <a:lstStyle/>
+            <a:p>
+              <a:pPr marL="0" marR="0" lvl="0" indent="0" algn="ctr" defTabSz="914400" eaLnBrk="1" fontAlgn="auto" latinLnBrk="0" hangingPunct="1">
+                <a:lnSpc>
+                  <a:spcPct val="100000"/>
+                </a:lnSpc>
+                <a:spcBef>
+                  <a:spcPts val="0"/>
+                </a:spcBef>
+                <a:spcAft>
+                  <a:spcPts val="0"/>
+                </a:spcAft>
+                <a:buClrTx/>
+                <a:buSzTx/>
+                <a:buFontTx/>
+                <a:buNone/>
+                <a:tabLst/>
+                <a:defRPr/>
+              </a:pPr>
+              <a:r>
+                <a:rPr kumimoji="0" lang="en-US" sz="1200" b="1" i="0" u="none" strike="noStrike" kern="0" cap="none" spc="0" normalizeH="0" baseline="0" noProof="0" dirty="0">
+                  <a:ln>
+                    <a:noFill/>
+                  </a:ln>
+                  <a:solidFill>
+                    <a:prstClr val="white"/>
+                  </a:solidFill>
+                  <a:effectLst/>
+                  <a:uLnTx/>
+                  <a:uFillTx/>
+                  <a:latin typeface="Aptos" panose="020B0004020202020204"/>
+                  <a:ea typeface="+mn-ea"/>
+                  <a:cs typeface="+mn-cs"/>
+                </a:rPr>
+                <a:t>Windows VM #2</a:t>
+              </a:r>
+            </a:p>
+          </p:txBody>
+        </p:sp>
+        <p:pic>
+          <p:nvPicPr>
+            <p:cNvPr id="33" name="Picture 14">
+              <a:extLst>
+                <a:ext uri="{FF2B5EF4-FFF2-40B4-BE49-F238E27FC236}">
+                  <a16:creationId xmlns:a16="http://schemas.microsoft.com/office/drawing/2014/main" id="{84560BCD-DF0E-6C7E-35BA-F4CC3BBAEDB3}"/>
+                </a:ext>
+              </a:extLst>
+            </p:cNvPr>
+            <p:cNvPicPr>
+              <a:picLocks noChangeAspect="1"/>
+            </p:cNvPicPr>
+            <p:nvPr/>
+          </p:nvPicPr>
+          <p:blipFill>
+            <a:blip r:embed="rId2"/>
+            <a:stretch>
+              <a:fillRect/>
+            </a:stretch>
+          </p:blipFill>
+          <p:spPr>
+            <a:xfrm>
+              <a:off x="6663921" y="3240156"/>
+              <a:ext cx="1532191" cy="360000"/>
+            </a:xfrm>
+            <a:prstGeom prst="rect">
+              <a:avLst/>
+            </a:prstGeom>
+            <a:ln w="57150">
+              <a:solidFill>
+                <a:sysClr val="windowText" lastClr="000000"/>
+              </a:solidFill>
+            </a:ln>
+          </p:spPr>
+        </p:pic>
+        <p:pic>
+          <p:nvPicPr>
+            <p:cNvPr id="34" name="図 33">
+              <a:extLst>
+                <a:ext uri="{FF2B5EF4-FFF2-40B4-BE49-F238E27FC236}">
+                  <a16:creationId xmlns:a16="http://schemas.microsoft.com/office/drawing/2014/main" id="{6A60DB60-A571-C275-C2AB-E43D6FE842F6}"/>
+                </a:ext>
+              </a:extLst>
+            </p:cNvPr>
+            <p:cNvPicPr>
+              <a:picLocks noChangeAspect="1"/>
+            </p:cNvPicPr>
+            <p:nvPr/>
+          </p:nvPicPr>
+          <p:blipFill>
+            <a:blip r:embed="rId3"/>
+            <a:stretch>
+              <a:fillRect/>
+            </a:stretch>
+          </p:blipFill>
+          <p:spPr>
+            <a:xfrm>
+              <a:off x="6363945" y="4240024"/>
+              <a:ext cx="216000" cy="216000"/>
+            </a:xfrm>
+            <a:prstGeom prst="rect">
+              <a:avLst/>
+            </a:prstGeom>
+          </p:spPr>
+        </p:pic>
+        <p:sp>
+          <p:nvSpPr>
+            <p:cNvPr id="35" name="矢印: U ターン 34">
+              <a:extLst>
+                <a:ext uri="{FF2B5EF4-FFF2-40B4-BE49-F238E27FC236}">
+                  <a16:creationId xmlns:a16="http://schemas.microsoft.com/office/drawing/2014/main" id="{F1C1F212-7131-0454-C37A-907F4897BEF5}"/>
+                </a:ext>
+              </a:extLst>
+            </p:cNvPr>
+            <p:cNvSpPr/>
+            <p:nvPr/>
+          </p:nvSpPr>
+          <p:spPr>
+            <a:xfrm>
+              <a:off x="4611973" y="2302804"/>
+              <a:ext cx="2971800" cy="849853"/>
+            </a:xfrm>
+            <a:prstGeom prst="uturnArrow">
+              <a:avLst>
+                <a:gd name="adj1" fmla="val 20637"/>
+                <a:gd name="adj2" fmla="val 25000"/>
+                <a:gd name="adj3" fmla="val 25000"/>
+                <a:gd name="adj4" fmla="val 43750"/>
+                <a:gd name="adj5" fmla="val 100000"/>
+              </a:avLst>
+            </a:prstGeom>
+            <a:solidFill>
+              <a:srgbClr val="00B0F0"/>
+            </a:solidFill>
+            <a:ln w="19050" cap="flat" cmpd="sng" algn="ctr">
+              <a:solidFill>
+                <a:sysClr val="window" lastClr="FFFFFF"/>
+              </a:solidFill>
+              <a:prstDash val="solid"/>
+              <a:miter lim="800000"/>
+            </a:ln>
+            <a:effectLst/>
+          </p:spPr>
+          <p:txBody>
+            <a:bodyPr rtlCol="0" anchor="ctr"/>
+            <a:lstStyle/>
+            <a:p>
+              <a:pPr marL="0" marR="0" lvl="0" indent="0" algn="ctr" defTabSz="914400" eaLnBrk="1" fontAlgn="auto" latinLnBrk="0" hangingPunct="1">
+                <a:lnSpc>
+                  <a:spcPct val="100000"/>
+                </a:lnSpc>
+                <a:spcBef>
+                  <a:spcPts val="0"/>
+                </a:spcBef>
+                <a:spcAft>
+                  <a:spcPts val="0"/>
+                </a:spcAft>
+                <a:buClrTx/>
+                <a:buSzTx/>
+                <a:buFontTx/>
+                <a:buNone/>
+                <a:tabLst/>
+                <a:defRPr/>
+              </a:pPr>
+              <a:r>
+                <a:rPr kumimoji="0" lang="en-US" altLang="ja-JP" sz="1800" b="1" i="0" u="none" strike="noStrike" kern="0" cap="none" spc="0" normalizeH="0" baseline="0" noProof="0" dirty="0">
+                  <a:ln>
+                    <a:noFill/>
+                  </a:ln>
+                  <a:solidFill>
+                    <a:prstClr val="black"/>
+                  </a:solidFill>
+                  <a:effectLst/>
+                  <a:uLnTx/>
+                  <a:uFillTx/>
+                  <a:latin typeface="Aptos" panose="020B0004020202020204"/>
+                  <a:ea typeface="ＭＳ Ｐゴシック" panose="020B0600070205080204" pitchFamily="50" charset="-128"/>
+                  <a:cs typeface="+mn-cs"/>
+                </a:rPr>
+                <a:t>Fail Over</a:t>
+              </a:r>
+              <a:endParaRPr kumimoji="0" lang="ja-JP" altLang="en-US" sz="1800" b="1" i="0" u="none" strike="noStrike" kern="0" cap="none" spc="0" normalizeH="0" baseline="0" noProof="0" dirty="0">
+                <a:ln>
+                  <a:noFill/>
+                </a:ln>
+                <a:solidFill>
+                  <a:prstClr val="black"/>
+                </a:solidFill>
+                <a:effectLst/>
+                <a:uLnTx/>
+                <a:uFillTx/>
+                <a:latin typeface="Aptos" panose="020B0004020202020204"/>
+                <a:ea typeface="ＭＳ Ｐゴシック" panose="020B0600070205080204" pitchFamily="50" charset="-128"/>
+                <a:cs typeface="+mn-cs"/>
+              </a:endParaRPr>
+            </a:p>
+          </p:txBody>
+        </p:sp>
+        <p:grpSp>
+          <p:nvGrpSpPr>
+            <p:cNvPr id="36" name="グループ化 35">
+              <a:extLst>
+                <a:ext uri="{FF2B5EF4-FFF2-40B4-BE49-F238E27FC236}">
+                  <a16:creationId xmlns:a16="http://schemas.microsoft.com/office/drawing/2014/main" id="{1417B270-9F15-153B-4FAE-7ED07B3C6A0A}"/>
+                </a:ext>
+              </a:extLst>
+            </p:cNvPr>
+            <p:cNvGrpSpPr/>
+            <p:nvPr/>
+          </p:nvGrpSpPr>
+          <p:grpSpPr>
+            <a:xfrm>
+              <a:off x="4064127" y="3755468"/>
+              <a:ext cx="4161697" cy="421138"/>
+              <a:chOff x="4064127" y="3832801"/>
+              <a:chExt cx="4161697" cy="421138"/>
+            </a:xfrm>
+          </p:grpSpPr>
+          <p:sp>
+            <p:nvSpPr>
+              <p:cNvPr id="38" name="正方形/長方形 37">
+                <a:extLst>
+                  <a:ext uri="{FF2B5EF4-FFF2-40B4-BE49-F238E27FC236}">
+                    <a16:creationId xmlns:a16="http://schemas.microsoft.com/office/drawing/2014/main" id="{16522C86-5D71-FBDE-71DC-4E30AE497642}"/>
+                  </a:ext>
+                </a:extLst>
+              </p:cNvPr>
+              <p:cNvSpPr/>
+              <p:nvPr/>
+            </p:nvSpPr>
+            <p:spPr>
+              <a:xfrm>
+                <a:off x="4064127" y="3832801"/>
+                <a:ext cx="4161697" cy="421138"/>
+              </a:xfrm>
+              <a:prstGeom prst="rect">
+                <a:avLst/>
+              </a:prstGeom>
+              <a:solidFill>
+                <a:sysClr val="window" lastClr="FFFFFF"/>
+              </a:solidFill>
+              <a:ln w="57150" cap="flat" cmpd="sng" algn="ctr">
+                <a:solidFill>
+                  <a:srgbClr val="156082">
+                    <a:shade val="15000"/>
+                  </a:srgbClr>
+                </a:solidFill>
+                <a:prstDash val="solid"/>
+                <a:miter lim="800000"/>
+              </a:ln>
+              <a:effectLst/>
+            </p:spPr>
+            <p:txBody>
+              <a:bodyPr rtlCol="0" anchor="ctr"/>
+              <a:lstStyle/>
+              <a:p>
+                <a:pPr marL="0" marR="0" lvl="0" indent="0" algn="ctr" defTabSz="914400" eaLnBrk="1" fontAlgn="auto" latinLnBrk="0" hangingPunct="1">
+                  <a:lnSpc>
+                    <a:spcPct val="100000"/>
+                  </a:lnSpc>
+                  <a:spcBef>
+                    <a:spcPts val="0"/>
+                  </a:spcBef>
+                  <a:spcAft>
+                    <a:spcPts val="0"/>
+                  </a:spcAft>
+                  <a:buClrTx/>
+                  <a:buSzTx/>
+                  <a:buFontTx/>
+                  <a:buNone/>
+                  <a:tabLst/>
+                  <a:defRPr/>
+                </a:pPr>
+                <a:endParaRPr kumimoji="0" lang="ja-JP" altLang="en-US" sz="1800" b="0" i="0" u="none" strike="noStrike" kern="0" cap="none" spc="0" normalizeH="0" baseline="0" noProof="0">
+                  <a:ln>
+                    <a:noFill/>
+                  </a:ln>
+                  <a:solidFill>
+                    <a:prstClr val="white"/>
+                  </a:solidFill>
+                  <a:effectLst/>
+                  <a:uLnTx/>
+                  <a:uFillTx/>
+                  <a:latin typeface="Aptos" panose="020B0004020202020204"/>
+                  <a:ea typeface="ＭＳ Ｐゴシック" panose="020B0600070205080204" pitchFamily="50" charset="-128"/>
+                  <a:cs typeface="+mn-cs"/>
+                </a:endParaRPr>
+              </a:p>
+            </p:txBody>
+          </p:sp>
+          <p:pic>
+            <p:nvPicPr>
+              <p:cNvPr id="39" name="Picture 2">
+                <a:extLst>
+                  <a:ext uri="{FF2B5EF4-FFF2-40B4-BE49-F238E27FC236}">
+                    <a16:creationId xmlns:a16="http://schemas.microsoft.com/office/drawing/2014/main" id="{7FAD9654-4749-3D8C-20C5-D9335B6B8B73}"/>
+                  </a:ext>
+                </a:extLst>
+              </p:cNvPr>
+              <p:cNvPicPr>
+                <a:picLocks noChangeAspect="1"/>
+              </p:cNvPicPr>
+              <p:nvPr/>
+            </p:nvPicPr>
+            <p:blipFill>
+              <a:blip r:embed="rId4"/>
+              <a:stretch>
+                <a:fillRect/>
+              </a:stretch>
+            </p:blipFill>
+            <p:spPr>
+              <a:xfrm>
+                <a:off x="5222180" y="3867037"/>
+                <a:ext cx="1845590" cy="360000"/>
+              </a:xfrm>
+              <a:prstGeom prst="rect">
+                <a:avLst/>
+              </a:prstGeom>
+              <a:ln w="0">
+                <a:noFill/>
+              </a:ln>
+            </p:spPr>
+          </p:pic>
+        </p:grpSp>
+        <p:sp>
+          <p:nvSpPr>
+            <p:cNvPr id="37" name="爆発: 14 pt 36">
+              <a:extLst>
+                <a:ext uri="{FF2B5EF4-FFF2-40B4-BE49-F238E27FC236}">
+                  <a16:creationId xmlns:a16="http://schemas.microsoft.com/office/drawing/2014/main" id="{29F7BAFE-D624-6CF1-798F-EF3C0C98BA75}"/>
+                </a:ext>
+              </a:extLst>
+            </p:cNvPr>
+            <p:cNvSpPr>
+              <a:spLocks noChangeAspect="1"/>
+            </p:cNvSpPr>
+            <p:nvPr/>
+          </p:nvSpPr>
+          <p:spPr>
+            <a:xfrm>
+              <a:off x="3985995" y="3063699"/>
+              <a:ext cx="1440000" cy="1440000"/>
+            </a:xfrm>
+            <a:prstGeom prst="irregularSeal2">
+              <a:avLst/>
+            </a:prstGeom>
+            <a:solidFill>
+              <a:srgbClr val="FF0000">
+                <a:alpha val="65000"/>
+              </a:srgbClr>
+            </a:solidFill>
+            <a:ln w="19050" cap="flat" cmpd="sng" algn="ctr">
+              <a:noFill/>
+              <a:prstDash val="solid"/>
+              <a:miter lim="800000"/>
+            </a:ln>
+            <a:effectLst/>
+          </p:spPr>
+          <p:txBody>
+            <a:bodyPr rtlCol="0" anchor="ctr"/>
+            <a:lstStyle/>
+            <a:p>
+              <a:pPr marL="0" marR="0" lvl="0" indent="0" algn="ctr" defTabSz="914400" eaLnBrk="1" fontAlgn="auto" latinLnBrk="0" hangingPunct="1">
+                <a:lnSpc>
+                  <a:spcPct val="100000"/>
+                </a:lnSpc>
+                <a:spcBef>
+                  <a:spcPts val="0"/>
+                </a:spcBef>
+                <a:spcAft>
+                  <a:spcPts val="0"/>
+                </a:spcAft>
+                <a:buClrTx/>
+                <a:buSzTx/>
+                <a:buFontTx/>
+                <a:buNone/>
+                <a:tabLst/>
+                <a:defRPr/>
+              </a:pPr>
+              <a:endParaRPr kumimoji="0" lang="ja-JP" altLang="en-US" sz="1800" b="0" i="0" u="none" strike="noStrike" kern="0" cap="none" spc="0" normalizeH="0" baseline="0" noProof="0">
+                <a:ln>
+                  <a:noFill/>
+                </a:ln>
+                <a:solidFill>
+                  <a:prstClr val="white"/>
+                </a:solidFill>
+                <a:effectLst/>
+                <a:uLnTx/>
+                <a:uFillTx/>
+                <a:latin typeface="Aptos" panose="020B0004020202020204"/>
+                <a:ea typeface="ＭＳ Ｐゴシック" panose="020B0600070205080204" pitchFamily="50" charset="-128"/>
+                <a:cs typeface="+mn-cs"/>
+              </a:endParaRPr>
+            </a:p>
+          </p:txBody>
+        </p:sp>
+      </p:grpSp>
+    </p:spTree>
+    <p:extLst>
+      <p:ext uri="{BB962C8B-B14F-4D97-AF65-F5344CB8AC3E}">
+        <p14:creationId xmlns:p14="http://schemas.microsoft.com/office/powerpoint/2010/main" val="1512352172"/>
+      </p:ext>
+    </p:extLst>
+  </p:cSld>
+  <p:clrMapOvr>
+    <a:masterClrMapping/>
+  </p:clrMapOvr>
+</p:sld>
+</file>
+
+<file path=ppt/slides/slide2.xml><?xml version="1.0" encoding="utf-8"?>
+<p:sld xmlns:a="http://schemas.openxmlformats.org/drawingml/2006/main" xmlns:r="http://schemas.openxmlformats.org/officeDocument/2006/relationships" xmlns:p="http://schemas.openxmlformats.org/presentationml/2006/main">
+  <p:cSld>
+    <p:spTree>
+      <p:nvGrpSpPr>
+        <p:cNvPr id="1" name=""/>
+        <p:cNvGrpSpPr/>
+        <p:nvPr/>
+      </p:nvGrpSpPr>
+      <p:grpSpPr>
+        <a:xfrm>
+          <a:off x="0" y="0"/>
+          <a:ext cx="0" cy="0"/>
+          <a:chOff x="0" y="0"/>
+          <a:chExt cx="0" cy="0"/>
+        </a:xfrm>
+      </p:grpSpPr>
+      <p:grpSp>
+        <p:nvGrpSpPr>
+          <p:cNvPr id="68" name="グループ化 67">
+            <a:extLst>
+              <a:ext uri="{FF2B5EF4-FFF2-40B4-BE49-F238E27FC236}">
+                <a16:creationId xmlns:a16="http://schemas.microsoft.com/office/drawing/2014/main" id="{37EBE8A5-AACB-F162-2E52-BF04AAE06647}"/>
+              </a:ext>
+            </a:extLst>
+          </p:cNvPr>
+          <p:cNvGrpSpPr/>
+          <p:nvPr/>
+        </p:nvGrpSpPr>
+        <p:grpSpPr>
+          <a:xfrm>
+            <a:off x="99589" y="63370"/>
+            <a:ext cx="11959627" cy="6586396"/>
+            <a:chOff x="99589" y="63370"/>
+            <a:chExt cx="11959627" cy="6586396"/>
+          </a:xfrm>
+        </p:grpSpPr>
+        <p:cxnSp>
+          <p:nvCxnSpPr>
+            <p:cNvPr id="61" name="直線コネクタ 60">
+              <a:extLst>
+                <a:ext uri="{FF2B5EF4-FFF2-40B4-BE49-F238E27FC236}">
+                  <a16:creationId xmlns:a16="http://schemas.microsoft.com/office/drawing/2014/main" id="{0D3746AB-9BB1-0B64-BC69-308E8B96EF44}"/>
+                </a:ext>
+              </a:extLst>
+            </p:cNvPr>
+            <p:cNvCxnSpPr>
+              <a:cxnSpLocks/>
+              <a:stCxn id="60" idx="6"/>
+              <a:endCxn id="45" idx="1"/>
+            </p:cNvCxnSpPr>
+            <p:nvPr/>
+          </p:nvCxnSpPr>
+          <p:spPr>
+            <a:xfrm flipV="1">
+              <a:off x="6475473" y="2225258"/>
+              <a:ext cx="890107" cy="6105"/>
+            </a:xfrm>
+            <a:prstGeom prst="straightConnector1">
+              <a:avLst/>
+            </a:prstGeom>
+            <a:ln w="50800">
+              <a:solidFill>
+                <a:schemeClr val="tx1"/>
+              </a:solidFill>
+            </a:ln>
+          </p:spPr>
+          <p:style>
+            <a:lnRef idx="1">
+              <a:schemeClr val="accent1"/>
+            </a:lnRef>
+            <a:fillRef idx="0">
+              <a:schemeClr val="accent1"/>
+            </a:fillRef>
+            <a:effectRef idx="0">
+              <a:schemeClr val="accent1"/>
+            </a:effectRef>
+            <a:fontRef idx="minor">
+              <a:schemeClr val="tx1"/>
+            </a:fontRef>
+          </p:style>
+        </p:cxnSp>
+        <p:sp>
+          <p:nvSpPr>
+            <p:cNvPr id="5" name="直方体 4">
+              <a:extLst>
+                <a:ext uri="{FF2B5EF4-FFF2-40B4-BE49-F238E27FC236}">
+                  <a16:creationId xmlns:a16="http://schemas.microsoft.com/office/drawing/2014/main" id="{8B8F45AD-B088-ED04-82B3-8E9EE0E74446}"/>
+                </a:ext>
+              </a:extLst>
+            </p:cNvPr>
+            <p:cNvSpPr/>
+            <p:nvPr/>
+          </p:nvSpPr>
+          <p:spPr>
+            <a:xfrm>
+              <a:off x="297053" y="144000"/>
+              <a:ext cx="4320000" cy="5334907"/>
+            </a:xfrm>
+            <a:prstGeom prst="cube">
+              <a:avLst>
+                <a:gd name="adj" fmla="val 13362"/>
+              </a:avLst>
+            </a:prstGeom>
           </p:spPr>
           <p:style>
             <a:lnRef idx="2">
@@ -3685,903 +6093,135 @@
             </a:fontRef>
           </p:style>
           <p:txBody>
-            <a:bodyPr rtlCol="0" anchor="t" anchorCtr="0"/>
+            <a:bodyPr lIns="91440" tIns="45720" rIns="91440" bIns="45720" rtlCol="0" anchor="t" anchorCtr="0"/>
             <a:lstStyle/>
             <a:p>
-              <a:pPr algn="ctr"/>
               <a:r>
-                <a:rPr lang="en-US" altLang="ja-JP" sz="1600" dirty="0">
-                  <a:solidFill>
-                    <a:schemeClr val="tx1"/>
-                  </a:solidFill>
+                <a:rPr lang="en-US" altLang="ja-JP" sz="1600">
+                  <a:ea typeface="游ゴシック"/>
                 </a:rPr>
-                <a:t>Cluster</a:t>
+                <a:t>Node</a:t>
               </a:r>
-              <a:endParaRPr kumimoji="1" lang="ja-JP" altLang="en-US" sz="1600" dirty="0">
-                <a:solidFill>
-                  <a:schemeClr val="tx1"/>
-                </a:solidFill>
+              <a:r>
+                <a:rPr kumimoji="1" lang="en-US" altLang="ja-JP" sz="1600">
+                  <a:ea typeface="游ゴシック"/>
+                </a:rPr>
+                <a:t> 1</a:t>
+              </a:r>
+              <a:endParaRPr kumimoji="1" lang="ja-JP" altLang="en-US" sz="1600">
+                <a:ea typeface="游ゴシック"/>
               </a:endParaRPr>
             </a:p>
           </p:txBody>
         </p:sp>
-        <p:grpSp>
-          <p:nvGrpSpPr>
-            <p:cNvPr id="38" name="グループ化 37">
+        <p:cxnSp>
+          <p:nvCxnSpPr>
+            <p:cNvPr id="15" name="直線コネクタ 14">
               <a:extLst>
                 <a:ext uri="{FF2B5EF4-FFF2-40B4-BE49-F238E27FC236}">
-                  <a16:creationId xmlns:a16="http://schemas.microsoft.com/office/drawing/2014/main" id="{A2991199-0438-D652-C91A-54A23921D960}"/>
+                  <a16:creationId xmlns:a16="http://schemas.microsoft.com/office/drawing/2014/main" id="{99088286-48E8-F52E-9C9B-FD913D56AD48}"/>
                 </a:ext>
               </a:extLst>
             </p:cNvPr>
-            <p:cNvGrpSpPr/>
+            <p:cNvCxnSpPr>
+              <a:cxnSpLocks/>
+              <a:stCxn id="83" idx="3"/>
+              <a:endCxn id="74" idx="2"/>
+            </p:cNvCxnSpPr>
             <p:nvPr/>
-          </p:nvGrpSpPr>
-          <p:grpSpPr>
+          </p:nvCxnSpPr>
+          <p:spPr>
             <a:xfrm>
-              <a:off x="1183088" y="163286"/>
-              <a:ext cx="9825823" cy="5033690"/>
-              <a:chOff x="1183088" y="1404258"/>
-              <a:chExt cx="9825823" cy="5033690"/>
+              <a:off x="4473439" y="3312237"/>
+              <a:ext cx="1486251" cy="694"/>
             </a:xfrm>
-          </p:grpSpPr>
-          <p:grpSp>
-            <p:nvGrpSpPr>
-              <p:cNvPr id="18" name="グループ化 17">
-                <a:extLst>
-                  <a:ext uri="{FF2B5EF4-FFF2-40B4-BE49-F238E27FC236}">
-                    <a16:creationId xmlns:a16="http://schemas.microsoft.com/office/drawing/2014/main" id="{299F2D40-DA03-A3A7-D574-D3889D07C663}"/>
-                  </a:ext>
-                </a:extLst>
-              </p:cNvPr>
-              <p:cNvGrpSpPr/>
-              <p:nvPr/>
-            </p:nvGrpSpPr>
-            <p:grpSpPr>
-              <a:xfrm>
-                <a:off x="1183088" y="1404259"/>
-                <a:ext cx="2876550" cy="4049484"/>
-                <a:chOff x="1183088" y="1404259"/>
-                <a:chExt cx="2876550" cy="4049484"/>
-              </a:xfrm>
-            </p:grpSpPr>
-            <p:sp>
-              <p:nvSpPr>
-                <p:cNvPr id="5" name="直方体 4">
-                  <a:extLst>
-                    <a:ext uri="{FF2B5EF4-FFF2-40B4-BE49-F238E27FC236}">
-                      <a16:creationId xmlns:a16="http://schemas.microsoft.com/office/drawing/2014/main" id="{8B8F45AD-B088-ED04-82B3-8E9EE0E74446}"/>
-                    </a:ext>
-                  </a:extLst>
-                </p:cNvPr>
-                <p:cNvSpPr/>
-                <p:nvPr/>
-              </p:nvSpPr>
-              <p:spPr>
-                <a:xfrm>
-                  <a:off x="1183088" y="1404259"/>
-                  <a:ext cx="2876550" cy="4049484"/>
-                </a:xfrm>
-                <a:prstGeom prst="cube">
-                  <a:avLst>
-                    <a:gd name="adj" fmla="val 13362"/>
-                  </a:avLst>
-                </a:prstGeom>
-              </p:spPr>
-              <p:style>
-                <a:lnRef idx="2">
-                  <a:schemeClr val="accent1">
-                    <a:shade val="15000"/>
-                  </a:schemeClr>
-                </a:lnRef>
-                <a:fillRef idx="1">
-                  <a:schemeClr val="accent1"/>
-                </a:fillRef>
-                <a:effectRef idx="0">
-                  <a:schemeClr val="accent1"/>
-                </a:effectRef>
-                <a:fontRef idx="minor">
-                  <a:schemeClr val="lt1"/>
-                </a:fontRef>
-              </p:style>
-              <p:txBody>
-                <a:bodyPr rtlCol="0" anchor="t" anchorCtr="0"/>
-                <a:lstStyle/>
-                <a:p>
-                  <a:r>
-                    <a:rPr kumimoji="1" lang="en-US" altLang="ja-JP" sz="1600" dirty="0"/>
-                    <a:t>Server 1</a:t>
-                  </a:r>
-                  <a:endParaRPr kumimoji="1" lang="ja-JP" altLang="en-US" sz="1600" dirty="0"/>
-                </a:p>
-              </p:txBody>
-            </p:sp>
-            <p:sp>
-              <p:nvSpPr>
-                <p:cNvPr id="4" name="円柱 3">
-                  <a:extLst>
-                    <a:ext uri="{FF2B5EF4-FFF2-40B4-BE49-F238E27FC236}">
-                      <a16:creationId xmlns:a16="http://schemas.microsoft.com/office/drawing/2014/main" id="{F1B1E509-4503-F711-7695-3511E90E33F2}"/>
-                    </a:ext>
-                  </a:extLst>
-                </p:cNvPr>
-                <p:cNvSpPr/>
-                <p:nvPr/>
-              </p:nvSpPr>
-              <p:spPr>
-                <a:xfrm>
-                  <a:off x="1774817" y="2078861"/>
-                  <a:ext cx="1444626" cy="2700278"/>
-                </a:xfrm>
-                <a:prstGeom prst="can">
-                  <a:avLst/>
-                </a:prstGeom>
-              </p:spPr>
-              <p:style>
-                <a:lnRef idx="2">
-                  <a:schemeClr val="accent1">
-                    <a:shade val="15000"/>
-                  </a:schemeClr>
-                </a:lnRef>
-                <a:fillRef idx="1">
-                  <a:schemeClr val="accent1"/>
-                </a:fillRef>
-                <a:effectRef idx="0">
-                  <a:schemeClr val="accent1"/>
-                </a:effectRef>
-                <a:fontRef idx="minor">
-                  <a:schemeClr val="lt1"/>
-                </a:fontRef>
-              </p:style>
-              <p:txBody>
-                <a:bodyPr wrap="none" rtlCol="0" anchor="t" anchorCtr="0">
-                  <a:spAutoFit/>
-                </a:bodyPr>
-                <a:lstStyle/>
-                <a:p>
-                  <a:r>
-                    <a:rPr kumimoji="1" lang="en-US" altLang="ja-JP" sz="1400" dirty="0"/>
-                    <a:t>Mirror disk</a:t>
-                  </a:r>
-                </a:p>
-                <a:p>
-                  <a:r>
-                    <a:rPr lang="en-US" altLang="ja-JP" sz="1400" dirty="0"/>
-                    <a:t>partitions</a:t>
-                  </a:r>
-                  <a:r>
-                    <a:rPr kumimoji="1" lang="en-US" altLang="ja-JP" sz="1400" dirty="0"/>
-                    <a:t>:</a:t>
-                  </a:r>
-                </a:p>
-                <a:p>
-                  <a:endParaRPr kumimoji="1" lang="en-US" altLang="ja-JP" sz="1000" dirty="0"/>
-                </a:p>
-                <a:p>
-                  <a:r>
-                    <a:rPr lang="en-US" altLang="ja-JP" sz="1000" dirty="0"/>
-                    <a:t>  M: Cluster partition </a:t>
-                  </a:r>
-                </a:p>
-                <a:p>
-                  <a:r>
-                    <a:rPr kumimoji="1" lang="en-US" altLang="ja-JP" sz="1000" dirty="0"/>
-                    <a:t>  File system: RAW</a:t>
-                  </a:r>
-                </a:p>
-                <a:p>
-                  <a:endParaRPr lang="en-US" altLang="ja-JP" sz="1000" dirty="0"/>
-                </a:p>
-                <a:p>
-                  <a:r>
-                    <a:rPr kumimoji="1" lang="en-US" altLang="ja-JP" sz="1000" dirty="0"/>
-                    <a:t>  N: Data partition</a:t>
-                  </a:r>
-                </a:p>
-                <a:p>
-                  <a:r>
-                    <a:rPr lang="en-US" altLang="ja-JP" sz="1000" dirty="0"/>
-                    <a:t>  File system: NTFS</a:t>
-                  </a:r>
-                </a:p>
-                <a:p>
-                  <a:endParaRPr kumimoji="1" lang="en-US" altLang="ja-JP" sz="1000" dirty="0"/>
-                </a:p>
-                <a:p>
-                  <a:r>
-                    <a:rPr lang="en-US" altLang="ja-JP" sz="1000" b="1" dirty="0"/>
-                    <a:t>Note</a:t>
-                  </a:r>
-                  <a:r>
-                    <a:rPr lang="en-US" altLang="ja-JP" sz="1000" dirty="0"/>
-                    <a:t>: The OS and</a:t>
-                  </a:r>
-                </a:p>
-                <a:p>
-                  <a:r>
-                    <a:rPr lang="en-US" altLang="ja-JP" sz="1000" dirty="0"/>
-                    <a:t>application partition</a:t>
-                  </a:r>
-                </a:p>
-                <a:p>
-                  <a:r>
-                    <a:rPr lang="en-US" altLang="ja-JP" sz="1000" dirty="0"/>
-                    <a:t>will not be mirrored</a:t>
-                  </a:r>
-                  <a:endParaRPr kumimoji="1" lang="ja-JP" altLang="en-US" sz="1000" dirty="0"/>
-                </a:p>
-              </p:txBody>
-            </p:sp>
-          </p:grpSp>
-          <p:sp>
-            <p:nvSpPr>
-              <p:cNvPr id="6" name="正方形/長方形 5">
-                <a:extLst>
-                  <a:ext uri="{FF2B5EF4-FFF2-40B4-BE49-F238E27FC236}">
-                    <a16:creationId xmlns:a16="http://schemas.microsoft.com/office/drawing/2014/main" id="{70C3AA43-E2CB-384A-F404-3FEEC60B6DC0}"/>
-                  </a:ext>
-                </a:extLst>
-              </p:cNvPr>
-              <p:cNvSpPr/>
-              <p:nvPr/>
-            </p:nvSpPr>
-            <p:spPr>
-              <a:xfrm>
-                <a:off x="3774481" y="4502257"/>
-                <a:ext cx="605469" cy="360850"/>
-              </a:xfrm>
-              <a:prstGeom prst="rect">
-                <a:avLst/>
-              </a:prstGeom>
-            </p:spPr>
-            <p:style>
-              <a:lnRef idx="2">
-                <a:schemeClr val="accent1">
-                  <a:shade val="15000"/>
-                </a:schemeClr>
-              </a:lnRef>
-              <a:fillRef idx="1">
-                <a:schemeClr val="accent1"/>
-              </a:fillRef>
-              <a:effectRef idx="0">
-                <a:schemeClr val="accent1"/>
-              </a:effectRef>
-              <a:fontRef idx="minor">
-                <a:schemeClr val="lt1"/>
-              </a:fontRef>
-            </p:style>
-            <p:txBody>
-              <a:bodyPr wrap="none" lIns="72000" tIns="72000" rIns="72000" bIns="72000" rtlCol="0" anchor="ctr">
-                <a:spAutoFit/>
-              </a:bodyPr>
-              <a:lstStyle/>
-              <a:p>
-                <a:pPr algn="ctr"/>
-                <a:r>
-                  <a:rPr kumimoji="1" lang="en-US" altLang="ja-JP" sz="1400" dirty="0"/>
-                  <a:t>NIC 1</a:t>
-                </a:r>
-                <a:endParaRPr kumimoji="1" lang="ja-JP" altLang="en-US" sz="1400" dirty="0"/>
-              </a:p>
-            </p:txBody>
-          </p:sp>
-          <p:sp>
-            <p:nvSpPr>
-              <p:cNvPr id="7" name="正方形/長方形 6">
-                <a:extLst>
-                  <a:ext uri="{FF2B5EF4-FFF2-40B4-BE49-F238E27FC236}">
-                    <a16:creationId xmlns:a16="http://schemas.microsoft.com/office/drawing/2014/main" id="{1DD4B299-E809-DE7D-2B97-BC24BB61A2E3}"/>
-                  </a:ext>
-                </a:extLst>
-              </p:cNvPr>
-              <p:cNvSpPr/>
-              <p:nvPr/>
-            </p:nvSpPr>
-            <p:spPr>
-              <a:xfrm>
-                <a:off x="3774481" y="2520620"/>
-                <a:ext cx="605469" cy="360850"/>
-              </a:xfrm>
-              <a:prstGeom prst="rect">
-                <a:avLst/>
-              </a:prstGeom>
-            </p:spPr>
-            <p:style>
-              <a:lnRef idx="2">
-                <a:schemeClr val="accent1">
-                  <a:shade val="15000"/>
-                </a:schemeClr>
-              </a:lnRef>
-              <a:fillRef idx="1">
-                <a:schemeClr val="accent1"/>
-              </a:fillRef>
-              <a:effectRef idx="0">
-                <a:schemeClr val="accent1"/>
-              </a:effectRef>
-              <a:fontRef idx="minor">
-                <a:schemeClr val="lt1"/>
-              </a:fontRef>
-            </p:style>
-            <p:txBody>
-              <a:bodyPr wrap="none" lIns="72000" tIns="72000" rIns="72000" bIns="72000" rtlCol="0" anchor="ctr">
-                <a:spAutoFit/>
-              </a:bodyPr>
-              <a:lstStyle/>
-              <a:p>
-                <a:pPr algn="ctr"/>
-                <a:r>
-                  <a:rPr kumimoji="1" lang="en-US" altLang="ja-JP" sz="1400" dirty="0"/>
-                  <a:t>NIC 2</a:t>
-                </a:r>
-                <a:endParaRPr kumimoji="1" lang="ja-JP" altLang="en-US" sz="1400" dirty="0"/>
-              </a:p>
-            </p:txBody>
-          </p:sp>
-          <p:cxnSp>
-            <p:nvCxnSpPr>
-              <p:cNvPr id="15" name="直線コネクタ 14">
-                <a:extLst>
-                  <a:ext uri="{FF2B5EF4-FFF2-40B4-BE49-F238E27FC236}">
-                    <a16:creationId xmlns:a16="http://schemas.microsoft.com/office/drawing/2014/main" id="{99088286-48E8-F52E-9C9B-FD913D56AD48}"/>
-                  </a:ext>
-                </a:extLst>
-              </p:cNvPr>
-              <p:cNvCxnSpPr>
-                <a:cxnSpLocks/>
-                <a:stCxn id="7" idx="3"/>
-                <a:endCxn id="23" idx="1"/>
-              </p:cNvCxnSpPr>
-              <p:nvPr/>
-            </p:nvCxnSpPr>
-            <p:spPr>
-              <a:xfrm>
-                <a:off x="4379950" y="2701045"/>
-                <a:ext cx="3415646" cy="0"/>
-              </a:xfrm>
-              <a:prstGeom prst="line">
-                <a:avLst/>
-              </a:prstGeom>
-              <a:ln w="50800"/>
-            </p:spPr>
-            <p:style>
-              <a:lnRef idx="1">
-                <a:schemeClr val="accent1"/>
-              </a:lnRef>
-              <a:fillRef idx="0">
-                <a:schemeClr val="accent1"/>
-              </a:fillRef>
-              <a:effectRef idx="0">
-                <a:schemeClr val="accent1"/>
-              </a:effectRef>
-              <a:fontRef idx="minor">
+            <a:prstGeom prst="bentConnector3">
+              <a:avLst>
+                <a:gd name="adj1" fmla="val 50000"/>
+              </a:avLst>
+            </a:prstGeom>
+            <a:ln w="50800">
+              <a:solidFill>
                 <a:schemeClr val="tx1"/>
-              </a:fontRef>
-            </p:style>
-          </p:cxnSp>
-          <p:sp>
-            <p:nvSpPr>
-              <p:cNvPr id="16" name="テキスト ボックス 15">
-                <a:extLst>
-                  <a:ext uri="{FF2B5EF4-FFF2-40B4-BE49-F238E27FC236}">
-                    <a16:creationId xmlns:a16="http://schemas.microsoft.com/office/drawing/2014/main" id="{E62BD396-325D-194A-B743-E44CF1DDB08D}"/>
-                  </a:ext>
-                </a:extLst>
-              </p:cNvPr>
-              <p:cNvSpPr txBox="1"/>
-              <p:nvPr/>
-            </p:nvSpPr>
-            <p:spPr>
-              <a:xfrm>
-                <a:off x="4602642" y="2344434"/>
-                <a:ext cx="2986715" cy="276999"/>
-              </a:xfrm>
-              <a:prstGeom prst="rect">
-                <a:avLst/>
-              </a:prstGeom>
-              <a:noFill/>
-            </p:spPr>
-            <p:txBody>
-              <a:bodyPr wrap="none" rtlCol="0">
-                <a:spAutoFit/>
-              </a:bodyPr>
-              <a:lstStyle/>
-              <a:p>
-                <a:r>
-                  <a:rPr kumimoji="1" lang="en-US" altLang="ja-JP" sz="1200" dirty="0"/>
-                  <a:t>Dedicated private interconnect – 1Gb/s</a:t>
-                </a:r>
-                <a:endParaRPr kumimoji="1" lang="ja-JP" altLang="en-US" sz="1200" dirty="0"/>
-              </a:p>
-            </p:txBody>
-          </p:sp>
-          <p:grpSp>
-            <p:nvGrpSpPr>
-              <p:cNvPr id="19" name="グループ化 18">
-                <a:extLst>
-                  <a:ext uri="{FF2B5EF4-FFF2-40B4-BE49-F238E27FC236}">
-                    <a16:creationId xmlns:a16="http://schemas.microsoft.com/office/drawing/2014/main" id="{001DB11D-FBC9-ECAA-BAF7-B12D236EB82D}"/>
-                  </a:ext>
-                </a:extLst>
-              </p:cNvPr>
-              <p:cNvGrpSpPr/>
-              <p:nvPr/>
-            </p:nvGrpSpPr>
-            <p:grpSpPr>
-              <a:xfrm>
-                <a:off x="8132361" y="1404258"/>
-                <a:ext cx="2876550" cy="4049484"/>
-                <a:chOff x="1183088" y="1404259"/>
-                <a:chExt cx="2876550" cy="4049484"/>
-              </a:xfrm>
-            </p:grpSpPr>
-            <p:sp>
-              <p:nvSpPr>
-                <p:cNvPr id="20" name="直方体 19">
-                  <a:extLst>
-                    <a:ext uri="{FF2B5EF4-FFF2-40B4-BE49-F238E27FC236}">
-                      <a16:creationId xmlns:a16="http://schemas.microsoft.com/office/drawing/2014/main" id="{8BA2CBAA-F605-54B0-2265-4EA0710A0AFB}"/>
-                    </a:ext>
-                  </a:extLst>
-                </p:cNvPr>
-                <p:cNvSpPr/>
-                <p:nvPr/>
-              </p:nvSpPr>
-              <p:spPr>
-                <a:xfrm>
-                  <a:off x="1183088" y="1404259"/>
-                  <a:ext cx="2876550" cy="4049484"/>
-                </a:xfrm>
-                <a:prstGeom prst="cube">
-                  <a:avLst>
-                    <a:gd name="adj" fmla="val 13362"/>
-                  </a:avLst>
-                </a:prstGeom>
-              </p:spPr>
-              <p:style>
-                <a:lnRef idx="2">
-                  <a:schemeClr val="accent1">
-                    <a:shade val="15000"/>
-                  </a:schemeClr>
-                </a:lnRef>
-                <a:fillRef idx="1">
-                  <a:schemeClr val="accent1"/>
-                </a:fillRef>
-                <a:effectRef idx="0">
-                  <a:schemeClr val="accent1"/>
-                </a:effectRef>
-                <a:fontRef idx="minor">
-                  <a:schemeClr val="lt1"/>
-                </a:fontRef>
-              </p:style>
-              <p:txBody>
-                <a:bodyPr rtlCol="0" anchor="t" anchorCtr="0"/>
-                <a:lstStyle/>
-                <a:p>
-                  <a:r>
-                    <a:rPr kumimoji="1" lang="en-US" altLang="ja-JP" sz="1600" dirty="0"/>
-                    <a:t>Server 2</a:t>
-                  </a:r>
-                  <a:endParaRPr kumimoji="1" lang="ja-JP" altLang="en-US" sz="1600" dirty="0"/>
-                </a:p>
-              </p:txBody>
-            </p:sp>
-            <p:sp>
-              <p:nvSpPr>
-                <p:cNvPr id="21" name="円柱 20">
-                  <a:extLst>
-                    <a:ext uri="{FF2B5EF4-FFF2-40B4-BE49-F238E27FC236}">
-                      <a16:creationId xmlns:a16="http://schemas.microsoft.com/office/drawing/2014/main" id="{B95EDB66-1233-5510-2C5C-7C3CFAEF794C}"/>
-                    </a:ext>
-                  </a:extLst>
-                </p:cNvPr>
-                <p:cNvSpPr/>
-                <p:nvPr/>
-              </p:nvSpPr>
-              <p:spPr>
-                <a:xfrm>
-                  <a:off x="1774817" y="2078861"/>
-                  <a:ext cx="1444626" cy="2700278"/>
-                </a:xfrm>
-                <a:prstGeom prst="can">
-                  <a:avLst/>
-                </a:prstGeom>
-              </p:spPr>
-              <p:style>
-                <a:lnRef idx="2">
-                  <a:schemeClr val="accent1">
-                    <a:shade val="15000"/>
-                  </a:schemeClr>
-                </a:lnRef>
-                <a:fillRef idx="1">
-                  <a:schemeClr val="accent1"/>
-                </a:fillRef>
-                <a:effectRef idx="0">
-                  <a:schemeClr val="accent1"/>
-                </a:effectRef>
-                <a:fontRef idx="minor">
-                  <a:schemeClr val="lt1"/>
-                </a:fontRef>
-              </p:style>
-              <p:txBody>
-                <a:bodyPr wrap="none" rtlCol="0" anchor="t" anchorCtr="0">
-                  <a:spAutoFit/>
-                </a:bodyPr>
-                <a:lstStyle/>
-                <a:p>
-                  <a:r>
-                    <a:rPr kumimoji="1" lang="en-US" altLang="ja-JP" sz="1400" dirty="0"/>
-                    <a:t>Mirror disk</a:t>
-                  </a:r>
-                </a:p>
-                <a:p>
-                  <a:r>
-                    <a:rPr lang="en-US" altLang="ja-JP" sz="1400" dirty="0"/>
-                    <a:t>partitions</a:t>
-                  </a:r>
-                  <a:r>
-                    <a:rPr kumimoji="1" lang="en-US" altLang="ja-JP" sz="1400" dirty="0"/>
-                    <a:t>:</a:t>
-                  </a:r>
-                </a:p>
-                <a:p>
-                  <a:endParaRPr kumimoji="1" lang="en-US" altLang="ja-JP" sz="1000" dirty="0"/>
-                </a:p>
-                <a:p>
-                  <a:r>
-                    <a:rPr lang="en-US" altLang="ja-JP" sz="1000" dirty="0"/>
-                    <a:t>  M: Cluster partition </a:t>
-                  </a:r>
-                </a:p>
-                <a:p>
-                  <a:r>
-                    <a:rPr kumimoji="1" lang="en-US" altLang="ja-JP" sz="1000" dirty="0"/>
-                    <a:t>  File system: RAW</a:t>
-                  </a:r>
-                </a:p>
-                <a:p>
-                  <a:endParaRPr lang="en-US" altLang="ja-JP" sz="1000" dirty="0"/>
-                </a:p>
-                <a:p>
-                  <a:r>
-                    <a:rPr kumimoji="1" lang="en-US" altLang="ja-JP" sz="1000" dirty="0"/>
-                    <a:t>  N: Data partition</a:t>
-                  </a:r>
-                </a:p>
-                <a:p>
-                  <a:r>
-                    <a:rPr lang="en-US" altLang="ja-JP" sz="1000" dirty="0"/>
-                    <a:t>  File system: NTFS</a:t>
-                  </a:r>
-                </a:p>
-                <a:p>
-                  <a:endParaRPr kumimoji="1" lang="en-US" altLang="ja-JP" sz="1000" dirty="0"/>
-                </a:p>
-                <a:p>
-                  <a:r>
-                    <a:rPr lang="en-US" altLang="ja-JP" sz="1000" b="1" dirty="0"/>
-                    <a:t>Note</a:t>
-                  </a:r>
-                  <a:r>
-                    <a:rPr lang="en-US" altLang="ja-JP" sz="1000" dirty="0"/>
-                    <a:t>: The OS and</a:t>
-                  </a:r>
-                </a:p>
-                <a:p>
-                  <a:r>
-                    <a:rPr lang="en-US" altLang="ja-JP" sz="1000" dirty="0"/>
-                    <a:t>application partition</a:t>
-                  </a:r>
-                </a:p>
-                <a:p>
-                  <a:r>
-                    <a:rPr lang="en-US" altLang="ja-JP" sz="1000" dirty="0"/>
-                    <a:t>will not be mirrored</a:t>
-                  </a:r>
-                  <a:endParaRPr kumimoji="1" lang="ja-JP" altLang="en-US" sz="1000" dirty="0"/>
-                </a:p>
-              </p:txBody>
-            </p:sp>
-          </p:grpSp>
-          <p:sp>
-            <p:nvSpPr>
-              <p:cNvPr id="22" name="正方形/長方形 21">
-                <a:extLst>
-                  <a:ext uri="{FF2B5EF4-FFF2-40B4-BE49-F238E27FC236}">
-                    <a16:creationId xmlns:a16="http://schemas.microsoft.com/office/drawing/2014/main" id="{09AF4FA1-AA2A-D2A3-FAC8-33AFC854E3AE}"/>
-                  </a:ext>
-                </a:extLst>
-              </p:cNvPr>
-              <p:cNvSpPr/>
-              <p:nvPr/>
-            </p:nvSpPr>
-            <p:spPr>
-              <a:xfrm>
-                <a:off x="7795596" y="4502257"/>
-                <a:ext cx="605469" cy="360850"/>
-              </a:xfrm>
-              <a:prstGeom prst="rect">
-                <a:avLst/>
-              </a:prstGeom>
-            </p:spPr>
-            <p:style>
-              <a:lnRef idx="2">
-                <a:schemeClr val="accent1">
-                  <a:shade val="15000"/>
-                </a:schemeClr>
-              </a:lnRef>
-              <a:fillRef idx="1">
-                <a:schemeClr val="accent1"/>
-              </a:fillRef>
-              <a:effectRef idx="0">
-                <a:schemeClr val="accent1"/>
-              </a:effectRef>
-              <a:fontRef idx="minor">
-                <a:schemeClr val="lt1"/>
-              </a:fontRef>
-            </p:style>
-            <p:txBody>
-              <a:bodyPr wrap="none" lIns="72000" tIns="72000" rIns="72000" bIns="72000" rtlCol="0" anchor="ctr">
-                <a:spAutoFit/>
-              </a:bodyPr>
-              <a:lstStyle/>
-              <a:p>
-                <a:pPr algn="ctr"/>
-                <a:r>
-                  <a:rPr kumimoji="1" lang="en-US" altLang="ja-JP" sz="1400" dirty="0"/>
-                  <a:t>NIC 1</a:t>
-                </a:r>
-                <a:endParaRPr kumimoji="1" lang="ja-JP" altLang="en-US" sz="1400" dirty="0"/>
-              </a:p>
-            </p:txBody>
-          </p:sp>
-          <p:sp>
-            <p:nvSpPr>
-              <p:cNvPr id="23" name="正方形/長方形 22">
-                <a:extLst>
-                  <a:ext uri="{FF2B5EF4-FFF2-40B4-BE49-F238E27FC236}">
-                    <a16:creationId xmlns:a16="http://schemas.microsoft.com/office/drawing/2014/main" id="{EDFF4D88-A9FC-65C0-BE79-AE59512B2CF4}"/>
-                  </a:ext>
-                </a:extLst>
-              </p:cNvPr>
-              <p:cNvSpPr/>
-              <p:nvPr/>
-            </p:nvSpPr>
-            <p:spPr>
-              <a:xfrm>
-                <a:off x="7795596" y="2520620"/>
-                <a:ext cx="605469" cy="360850"/>
-              </a:xfrm>
-              <a:prstGeom prst="rect">
-                <a:avLst/>
-              </a:prstGeom>
-            </p:spPr>
-            <p:style>
-              <a:lnRef idx="2">
-                <a:schemeClr val="accent1">
-                  <a:shade val="15000"/>
-                </a:schemeClr>
-              </a:lnRef>
-              <a:fillRef idx="1">
-                <a:schemeClr val="accent1"/>
-              </a:fillRef>
-              <a:effectRef idx="0">
-                <a:schemeClr val="accent1"/>
-              </a:effectRef>
-              <a:fontRef idx="minor">
-                <a:schemeClr val="lt1"/>
-              </a:fontRef>
-            </p:style>
-            <p:txBody>
-              <a:bodyPr wrap="none" lIns="72000" tIns="72000" rIns="72000" bIns="72000" rtlCol="0" anchor="ctr">
-                <a:spAutoFit/>
-              </a:bodyPr>
-              <a:lstStyle/>
-              <a:p>
-                <a:pPr algn="ctr"/>
-                <a:r>
-                  <a:rPr kumimoji="1" lang="en-US" altLang="ja-JP" sz="1400" dirty="0"/>
-                  <a:t>NIC 2</a:t>
-                </a:r>
-                <a:endParaRPr kumimoji="1" lang="ja-JP" altLang="en-US" sz="1400" dirty="0"/>
-              </a:p>
-            </p:txBody>
-          </p:sp>
-          <p:sp>
-            <p:nvSpPr>
-              <p:cNvPr id="29" name="直方体 28">
-                <a:extLst>
-                  <a:ext uri="{FF2B5EF4-FFF2-40B4-BE49-F238E27FC236}">
-                    <a16:creationId xmlns:a16="http://schemas.microsoft.com/office/drawing/2014/main" id="{C4698BBA-2591-A164-0857-6ABCC6838C00}"/>
-                  </a:ext>
-                </a:extLst>
-              </p:cNvPr>
-              <p:cNvSpPr/>
-              <p:nvPr/>
-            </p:nvSpPr>
-            <p:spPr>
-              <a:xfrm>
-                <a:off x="5201032" y="5486400"/>
-                <a:ext cx="1773481" cy="951548"/>
-              </a:xfrm>
-              <a:prstGeom prst="cube">
-                <a:avLst>
-                  <a:gd name="adj" fmla="val 13362"/>
-                </a:avLst>
-              </a:prstGeom>
-            </p:spPr>
-            <p:style>
-              <a:lnRef idx="2">
-                <a:schemeClr val="accent1">
-                  <a:shade val="15000"/>
-                </a:schemeClr>
-              </a:lnRef>
-              <a:fillRef idx="1">
-                <a:schemeClr val="accent1"/>
-              </a:fillRef>
-              <a:effectRef idx="0">
-                <a:schemeClr val="accent1"/>
-              </a:effectRef>
-              <a:fontRef idx="minor">
-                <a:schemeClr val="lt1"/>
-              </a:fontRef>
-            </p:style>
-            <p:txBody>
-              <a:bodyPr wrap="none" rtlCol="0" anchor="t" anchorCtr="0">
-                <a:spAutoFit/>
-              </a:bodyPr>
-              <a:lstStyle/>
-              <a:p>
-                <a:r>
-                  <a:rPr kumimoji="1" lang="en-US" altLang="ja-JP" sz="1600" dirty="0"/>
-                  <a:t>Virtual Server</a:t>
-                </a:r>
-              </a:p>
-              <a:p>
-                <a:r>
-                  <a:rPr lang="ja-JP" altLang="en-US" sz="1600" dirty="0"/>
-                  <a:t>  </a:t>
-                </a:r>
-                <a:r>
-                  <a:rPr lang="en-US" altLang="ja-JP" sz="1600" dirty="0"/>
-                  <a:t>visible</a:t>
-                </a:r>
-                <a:r>
-                  <a:rPr lang="ja-JP" altLang="en-US" sz="1600" dirty="0"/>
-                  <a:t> </a:t>
-                </a:r>
-                <a:r>
-                  <a:rPr lang="en-US" altLang="ja-JP" sz="1600" dirty="0"/>
-                  <a:t>outside</a:t>
-                </a:r>
-              </a:p>
-              <a:p>
-                <a:r>
-                  <a:rPr kumimoji="1" lang="en-US" altLang="ja-JP" sz="1600" dirty="0"/>
-                  <a:t>  the cluster</a:t>
-                </a:r>
-                <a:endParaRPr kumimoji="1" lang="ja-JP" altLang="en-US" sz="1600" dirty="0"/>
-              </a:p>
-            </p:txBody>
-          </p:sp>
-          <p:cxnSp>
-            <p:nvCxnSpPr>
-              <p:cNvPr id="31" name="直線コネクタ 30">
-                <a:extLst>
-                  <a:ext uri="{FF2B5EF4-FFF2-40B4-BE49-F238E27FC236}">
-                    <a16:creationId xmlns:a16="http://schemas.microsoft.com/office/drawing/2014/main" id="{DA831BA0-6543-FC3D-A54A-4C4604A10DDB}"/>
-                  </a:ext>
-                </a:extLst>
-              </p:cNvPr>
-              <p:cNvCxnSpPr>
-                <a:cxnSpLocks/>
-                <a:stCxn id="6" idx="3"/>
-                <a:endCxn id="29" idx="2"/>
-              </p:cNvCxnSpPr>
-              <p:nvPr/>
-            </p:nvCxnSpPr>
-            <p:spPr>
-              <a:xfrm>
-                <a:off x="4379950" y="4682682"/>
-                <a:ext cx="821082" cy="1343065"/>
-              </a:xfrm>
-              <a:prstGeom prst="line">
-                <a:avLst/>
-              </a:prstGeom>
-              <a:ln w="50800"/>
-            </p:spPr>
-            <p:style>
-              <a:lnRef idx="1">
-                <a:schemeClr val="accent1"/>
-              </a:lnRef>
-              <a:fillRef idx="0">
-                <a:schemeClr val="accent1"/>
-              </a:fillRef>
-              <a:effectRef idx="0">
-                <a:schemeClr val="accent1"/>
-              </a:effectRef>
-              <a:fontRef idx="minor">
-                <a:schemeClr val="tx1"/>
-              </a:fontRef>
-            </p:style>
-          </p:cxnSp>
-          <p:cxnSp>
-            <p:nvCxnSpPr>
-              <p:cNvPr id="34" name="直線コネクタ 33">
-                <a:extLst>
-                  <a:ext uri="{FF2B5EF4-FFF2-40B4-BE49-F238E27FC236}">
-                    <a16:creationId xmlns:a16="http://schemas.microsoft.com/office/drawing/2014/main" id="{D2D4C4E5-400D-5069-3925-60B4BAABE446}"/>
-                  </a:ext>
-                </a:extLst>
-              </p:cNvPr>
-              <p:cNvCxnSpPr>
-                <a:cxnSpLocks/>
-                <a:stCxn id="22" idx="1"/>
-                <a:endCxn id="29" idx="4"/>
-              </p:cNvCxnSpPr>
-              <p:nvPr/>
-            </p:nvCxnSpPr>
-            <p:spPr>
-              <a:xfrm flipH="1">
-                <a:off x="6847367" y="4682682"/>
-                <a:ext cx="948229" cy="1343065"/>
-              </a:xfrm>
-              <a:prstGeom prst="line">
-                <a:avLst/>
-              </a:prstGeom>
-              <a:ln w="50800"/>
-            </p:spPr>
-            <p:style>
-              <a:lnRef idx="1">
-                <a:schemeClr val="accent1"/>
-              </a:lnRef>
-              <a:fillRef idx="0">
-                <a:schemeClr val="accent1"/>
-              </a:fillRef>
-              <a:effectRef idx="0">
-                <a:schemeClr val="accent1"/>
-              </a:effectRef>
-              <a:fontRef idx="minor">
-                <a:schemeClr val="tx1"/>
-              </a:fontRef>
-            </p:style>
-          </p:cxnSp>
-          <p:sp>
-            <p:nvSpPr>
-              <p:cNvPr id="37" name="テキスト ボックス 36">
-                <a:extLst>
-                  <a:ext uri="{FF2B5EF4-FFF2-40B4-BE49-F238E27FC236}">
-                    <a16:creationId xmlns:a16="http://schemas.microsoft.com/office/drawing/2014/main" id="{A524338D-ADC3-39D5-22DD-B390A6FBD85C}"/>
-                  </a:ext>
-                </a:extLst>
-              </p:cNvPr>
-              <p:cNvSpPr txBox="1"/>
-              <p:nvPr/>
-            </p:nvSpPr>
-            <p:spPr>
-              <a:xfrm>
-                <a:off x="4724477" y="4907872"/>
-                <a:ext cx="2755883" cy="276999"/>
-              </a:xfrm>
-              <a:prstGeom prst="rect">
-                <a:avLst/>
-              </a:prstGeom>
-              <a:noFill/>
-            </p:spPr>
-            <p:txBody>
-              <a:bodyPr wrap="none" rtlCol="0">
-                <a:spAutoFit/>
-              </a:bodyPr>
-              <a:lstStyle/>
-              <a:p>
-                <a:r>
-                  <a:rPr kumimoji="1" lang="en-US" altLang="ja-JP" sz="1200" dirty="0"/>
-                  <a:t>Public network – 100 Mb/s or 1Gb/s</a:t>
-                </a:r>
-                <a:endParaRPr kumimoji="1" lang="ja-JP" altLang="en-US" sz="1200" dirty="0"/>
-              </a:p>
-            </p:txBody>
-          </p:sp>
-        </p:grpSp>
+              </a:solidFill>
+            </a:ln>
+          </p:spPr>
+          <p:style>
+            <a:lnRef idx="1">
+              <a:schemeClr val="accent1"/>
+            </a:lnRef>
+            <a:fillRef idx="0">
+              <a:schemeClr val="accent1"/>
+            </a:fillRef>
+            <a:effectRef idx="0">
+              <a:schemeClr val="accent1"/>
+            </a:effectRef>
+            <a:fontRef idx="minor">
+              <a:schemeClr val="tx1"/>
+            </a:fontRef>
+          </p:style>
+        </p:cxnSp>
+        <p:sp>
+          <p:nvSpPr>
+            <p:cNvPr id="20" name="直方体 19">
+              <a:extLst>
+                <a:ext uri="{FF2B5EF4-FFF2-40B4-BE49-F238E27FC236}">
+                  <a16:creationId xmlns:a16="http://schemas.microsoft.com/office/drawing/2014/main" id="{8BA2CBAA-F605-54B0-2265-4EA0710A0AFB}"/>
+                </a:ext>
+              </a:extLst>
+            </p:cNvPr>
+            <p:cNvSpPr/>
+            <p:nvPr/>
+          </p:nvSpPr>
+          <p:spPr>
+            <a:xfrm>
+              <a:off x="7580918" y="144000"/>
+              <a:ext cx="4320000" cy="5257022"/>
+            </a:xfrm>
+            <a:prstGeom prst="cube">
+              <a:avLst>
+                <a:gd name="adj" fmla="val 13362"/>
+              </a:avLst>
+            </a:prstGeom>
+          </p:spPr>
+          <p:style>
+            <a:lnRef idx="2">
+              <a:schemeClr val="accent1">
+                <a:shade val="15000"/>
+              </a:schemeClr>
+            </a:lnRef>
+            <a:fillRef idx="1">
+              <a:schemeClr val="accent1"/>
+            </a:fillRef>
+            <a:effectRef idx="0">
+              <a:schemeClr val="accent1"/>
+            </a:effectRef>
+            <a:fontRef idx="minor">
+              <a:schemeClr val="lt1"/>
+            </a:fontRef>
+          </p:style>
+          <p:txBody>
+            <a:bodyPr lIns="91440" tIns="45720" rIns="91440" bIns="45720" rtlCol="0" anchor="t" anchorCtr="0"/>
+            <a:lstStyle/>
+            <a:p>
+              <a:r>
+                <a:rPr lang="en-US" altLang="ja-JP" sz="1600" dirty="0">
+                  <a:ea typeface="游ゴシック"/>
+                </a:rPr>
+                <a:t>Node</a:t>
+              </a:r>
+              <a:r>
+                <a:rPr kumimoji="1" lang="en-US" altLang="ja-JP" sz="1600" dirty="0">
+                  <a:ea typeface="游ゴシック"/>
+                </a:rPr>
+                <a:t> 2</a:t>
+              </a:r>
+              <a:endParaRPr kumimoji="1" lang="ja-JP" altLang="en-US" sz="1600" dirty="0">
+                <a:ea typeface="游ゴシック"/>
+              </a:endParaRPr>
+            </a:p>
+          </p:txBody>
+        </p:sp>
         <p:sp>
           <p:nvSpPr>
             <p:cNvPr id="40" name="直方体 39">
@@ -4596,8 +6236,8 @@
           </p:nvSpPr>
           <p:spPr>
             <a:xfrm>
-              <a:off x="1183088" y="5425782"/>
-              <a:ext cx="2834188" cy="951548"/>
+              <a:off x="2743337" y="5980158"/>
+              <a:ext cx="1726228" cy="669608"/>
             </a:xfrm>
             <a:prstGeom prst="cube">
               <a:avLst>
@@ -4629,35 +6269,69 @@
             <a:p>
               <a:r>
                 <a:rPr kumimoji="1" lang="en-US" altLang="ja-JP" sz="1600" dirty="0"/>
-                <a:t>Security Center </a:t>
+                <a:t>Security Center</a:t>
               </a:r>
+            </a:p>
+            <a:p>
+              <a:pPr algn="ctr"/>
               <a:r>
                 <a:rPr lang="en-US" altLang="ja-JP" sz="1600" dirty="0"/>
                 <a:t>Client</a:t>
               </a:r>
             </a:p>
-            <a:p>
-              <a:endParaRPr lang="en-US" altLang="ja-JP" sz="1600" dirty="0"/>
-            </a:p>
-            <a:p>
-              <a:r>
-                <a:rPr kumimoji="1" lang="en-US" altLang="ja-JP" sz="1600" dirty="0"/>
-                <a:t>EXPRESSCLUSTER </a:t>
-              </a:r>
-              <a:r>
-                <a:rPr kumimoji="1" lang="en-US" altLang="ja-JP" sz="1600" dirty="0" err="1"/>
-                <a:t>WebUI</a:t>
-              </a:r>
-              <a:endParaRPr kumimoji="1" lang="ja-JP" altLang="en-US" sz="1600" dirty="0"/>
-            </a:p>
           </p:txBody>
         </p:sp>
+        <p:cxnSp>
+          <p:nvCxnSpPr>
+            <p:cNvPr id="48" name="直線コネクタ 47">
+              <a:extLst>
+                <a:ext uri="{FF2B5EF4-FFF2-40B4-BE49-F238E27FC236}">
+                  <a16:creationId xmlns:a16="http://schemas.microsoft.com/office/drawing/2014/main" id="{B5A6E89D-6760-023B-0603-8438C746FF2F}"/>
+                </a:ext>
+              </a:extLst>
+            </p:cNvPr>
+            <p:cNvCxnSpPr>
+              <a:cxnSpLocks/>
+              <a:stCxn id="60" idx="3"/>
+              <a:endCxn id="40" idx="5"/>
+            </p:cNvCxnSpPr>
+            <p:nvPr/>
+          </p:nvCxnSpPr>
+          <p:spPr>
+            <a:xfrm rot="5400000">
+              <a:off x="3224489" y="3799729"/>
+              <a:ext cx="3715573" cy="1225419"/>
+            </a:xfrm>
+            <a:prstGeom prst="bentConnector2">
+              <a:avLst/>
+            </a:prstGeom>
+            <a:ln w="50800">
+              <a:solidFill>
+                <a:schemeClr val="accent1"/>
+              </a:solidFill>
+            </a:ln>
+          </p:spPr>
+          <p:style>
+            <a:lnRef idx="1">
+              <a:schemeClr val="accent1"/>
+            </a:lnRef>
+            <a:fillRef idx="0">
+              <a:schemeClr val="accent1"/>
+            </a:fillRef>
+            <a:effectRef idx="0">
+              <a:schemeClr val="accent1"/>
+            </a:effectRef>
+            <a:fontRef idx="minor">
+              <a:schemeClr val="tx1"/>
+            </a:fontRef>
+          </p:style>
+        </p:cxnSp>
         <p:sp>
           <p:nvSpPr>
-            <p:cNvPr id="41" name="雲 40">
+            <p:cNvPr id="51" name="四角形: 角を丸くする 50">
               <a:extLst>
                 <a:ext uri="{FF2B5EF4-FFF2-40B4-BE49-F238E27FC236}">
-                  <a16:creationId xmlns:a16="http://schemas.microsoft.com/office/drawing/2014/main" id="{EE295B22-579B-5CFB-2B4C-96EAF07798EE}"/>
+                  <a16:creationId xmlns:a16="http://schemas.microsoft.com/office/drawing/2014/main" id="{ABEB3093-FA65-6508-2605-D0BC3C4DD80A}"/>
                 </a:ext>
               </a:extLst>
             </p:cNvPr>
@@ -4666,12 +6340,335 @@
           </p:nvSpPr>
           <p:spPr>
             <a:xfrm>
-              <a:off x="5037038" y="5487159"/>
-              <a:ext cx="2101467" cy="890171"/>
+              <a:off x="99589" y="63370"/>
+              <a:ext cx="11959627" cy="5605433"/>
             </a:xfrm>
-            <a:prstGeom prst="cloud">
+            <a:prstGeom prst="roundRect">
+              <a:avLst>
+                <a:gd name="adj" fmla="val 5150"/>
+              </a:avLst>
+            </a:prstGeom>
+            <a:noFill/>
+            <a:ln w="25400">
+              <a:prstDash val="dash"/>
+            </a:ln>
+          </p:spPr>
+          <p:style>
+            <a:lnRef idx="2">
+              <a:schemeClr val="accent1">
+                <a:shade val="15000"/>
+              </a:schemeClr>
+            </a:lnRef>
+            <a:fillRef idx="1">
+              <a:schemeClr val="accent1"/>
+            </a:fillRef>
+            <a:effectRef idx="0">
+              <a:schemeClr val="accent1"/>
+            </a:effectRef>
+            <a:fontRef idx="minor">
+              <a:schemeClr val="lt1"/>
+            </a:fontRef>
+          </p:style>
+          <p:txBody>
+            <a:bodyPr lIns="91440" tIns="45720" rIns="91440" bIns="45720" rtlCol="0" anchor="t" anchorCtr="0"/>
+            <a:lstStyle/>
+            <a:p>
+              <a:pPr algn="ctr"/>
+              <a:r>
+                <a:rPr lang="en-US" altLang="ja-JP" sz="1600" b="1" dirty="0">
+                  <a:ln>
+                    <a:solidFill>
+                      <a:schemeClr val="bg1"/>
+                    </a:solidFill>
+                  </a:ln>
+                  <a:solidFill>
+                    <a:schemeClr val="tx1"/>
+                  </a:solidFill>
+                  <a:ea typeface="游ゴシック"/>
+                </a:rPr>
+                <a:t> Cluster</a:t>
+              </a:r>
+              <a:endParaRPr kumimoji="1" lang="ja-JP" altLang="en-US" sz="1600" b="1" dirty="0">
+                <a:ln>
+                  <a:solidFill>
+                    <a:schemeClr val="bg1"/>
+                  </a:solidFill>
+                </a:ln>
+                <a:solidFill>
+                  <a:schemeClr val="tx1"/>
+                </a:solidFill>
+                <a:ea typeface="游ゴシック"/>
+              </a:endParaRPr>
+            </a:p>
+          </p:txBody>
+        </p:sp>
+        <p:sp>
+          <p:nvSpPr>
+            <p:cNvPr id="14" name="Rectangle: Rounded Corners 13">
+              <a:extLst>
+                <a:ext uri="{FF2B5EF4-FFF2-40B4-BE49-F238E27FC236}">
+                  <a16:creationId xmlns:a16="http://schemas.microsoft.com/office/drawing/2014/main" id="{FFFF3926-A104-57B3-B42A-D6B37F23E689}"/>
+                </a:ext>
+              </a:extLst>
+            </p:cNvPr>
+            <p:cNvSpPr/>
+            <p:nvPr/>
+          </p:nvSpPr>
+          <p:spPr>
+            <a:xfrm>
+              <a:off x="997675" y="1888055"/>
+              <a:ext cx="2475680" cy="504000"/>
+            </a:xfrm>
+            <a:prstGeom prst="roundRect">
               <a:avLst/>
             </a:prstGeom>
+            <a:ln w="25400"/>
+          </p:spPr>
+          <p:style>
+            <a:lnRef idx="2">
+              <a:schemeClr val="accent1">
+                <a:shade val="15000"/>
+              </a:schemeClr>
+            </a:lnRef>
+            <a:fillRef idx="1">
+              <a:schemeClr val="accent1"/>
+            </a:fillRef>
+            <a:effectRef idx="0">
+              <a:schemeClr val="accent1"/>
+            </a:effectRef>
+            <a:fontRef idx="minor">
+              <a:schemeClr val="lt1"/>
+            </a:fontRef>
+          </p:style>
+          <p:txBody>
+            <a:bodyPr lIns="91440" tIns="45720" rIns="91440" bIns="45720" rtlCol="0" anchor="ctr"/>
+            <a:lstStyle/>
+            <a:p>
+              <a:r>
+                <a:rPr lang="en-US" sz="1200" dirty="0">
+                  <a:ea typeface="游ゴシック"/>
+                </a:rPr>
+                <a:t>EXPRESSCLUSTER</a:t>
+              </a:r>
+              <a:endParaRPr lang="en-US" dirty="0"/>
+            </a:p>
+          </p:txBody>
+        </p:sp>
+        <p:sp>
+          <p:nvSpPr>
+            <p:cNvPr id="56" name="Rectangle: Rounded Corners 13">
+              <a:extLst>
+                <a:ext uri="{FF2B5EF4-FFF2-40B4-BE49-F238E27FC236}">
+                  <a16:creationId xmlns:a16="http://schemas.microsoft.com/office/drawing/2014/main" id="{D973475E-3C10-7CEA-5238-563325A22F46}"/>
+                </a:ext>
+              </a:extLst>
+            </p:cNvPr>
+            <p:cNvSpPr/>
+            <p:nvPr/>
+          </p:nvSpPr>
+          <p:spPr>
+            <a:xfrm>
+              <a:off x="8607583" y="1893380"/>
+              <a:ext cx="1673465" cy="504000"/>
+            </a:xfrm>
+            <a:prstGeom prst="roundRect">
+              <a:avLst/>
+            </a:prstGeom>
+            <a:ln w="25400"/>
+          </p:spPr>
+          <p:style>
+            <a:lnRef idx="2">
+              <a:schemeClr val="accent1">
+                <a:shade val="15000"/>
+              </a:schemeClr>
+            </a:lnRef>
+            <a:fillRef idx="1">
+              <a:schemeClr val="accent1"/>
+            </a:fillRef>
+            <a:effectRef idx="0">
+              <a:schemeClr val="accent1"/>
+            </a:effectRef>
+            <a:fontRef idx="minor">
+              <a:schemeClr val="lt1"/>
+            </a:fontRef>
+          </p:style>
+          <p:txBody>
+            <a:bodyPr lIns="91440" tIns="45720" rIns="91440" bIns="45720" rtlCol="0" anchor="ctr"/>
+            <a:lstStyle/>
+            <a:p>
+              <a:pPr algn="ctr"/>
+              <a:r>
+                <a:rPr lang="en-US" sz="1200" dirty="0">
+                  <a:ea typeface="游ゴシック"/>
+                </a:rPr>
+                <a:t>EXPRESSCLUSTER</a:t>
+              </a:r>
+              <a:endParaRPr lang="en-US" dirty="0"/>
+            </a:p>
+          </p:txBody>
+        </p:sp>
+        <p:cxnSp>
+          <p:nvCxnSpPr>
+            <p:cNvPr id="76" name="直線コネクタ 14">
+              <a:extLst>
+                <a:ext uri="{FF2B5EF4-FFF2-40B4-BE49-F238E27FC236}">
+                  <a16:creationId xmlns:a16="http://schemas.microsoft.com/office/drawing/2014/main" id="{C7AA8D35-5E30-44A8-4F9F-E05CD00E9B0C}"/>
+                </a:ext>
+              </a:extLst>
+            </p:cNvPr>
+            <p:cNvCxnSpPr>
+              <a:cxnSpLocks/>
+              <a:stCxn id="85" idx="1"/>
+              <a:endCxn id="74" idx="6"/>
+            </p:cNvCxnSpPr>
+            <p:nvPr/>
+          </p:nvCxnSpPr>
+          <p:spPr>
+            <a:xfrm rot="10800000" flipV="1">
+              <a:off x="6874091" y="3312235"/>
+              <a:ext cx="472131" cy="695"/>
+            </a:xfrm>
+            <a:prstGeom prst="bentConnector3">
+              <a:avLst>
+                <a:gd name="adj1" fmla="val 50000"/>
+              </a:avLst>
+            </a:prstGeom>
+            <a:ln w="50800" cap="rnd">
+              <a:solidFill>
+                <a:schemeClr val="tx1"/>
+              </a:solidFill>
+            </a:ln>
+          </p:spPr>
+          <p:style>
+            <a:lnRef idx="1">
+              <a:schemeClr val="accent1"/>
+            </a:lnRef>
+            <a:fillRef idx="0">
+              <a:schemeClr val="accent1"/>
+            </a:fillRef>
+            <a:effectRef idx="0">
+              <a:schemeClr val="accent1"/>
+            </a:effectRef>
+            <a:fontRef idx="minor">
+              <a:schemeClr val="tx1"/>
+            </a:fontRef>
+          </p:style>
+        </p:cxnSp>
+        <p:cxnSp>
+          <p:nvCxnSpPr>
+            <p:cNvPr id="107" name="直線コネクタ 30">
+              <a:extLst>
+                <a:ext uri="{FF2B5EF4-FFF2-40B4-BE49-F238E27FC236}">
+                  <a16:creationId xmlns:a16="http://schemas.microsoft.com/office/drawing/2014/main" id="{E61A5727-F486-5E72-EEA2-9B8118B46DE1}"/>
+                </a:ext>
+              </a:extLst>
+            </p:cNvPr>
+            <p:cNvCxnSpPr>
+              <a:cxnSpLocks/>
+              <a:stCxn id="11" idx="3"/>
+              <a:endCxn id="39" idx="0"/>
+            </p:cNvCxnSpPr>
+            <p:nvPr/>
+          </p:nvCxnSpPr>
+          <p:spPr>
+            <a:xfrm>
+              <a:off x="2679702" y="1189197"/>
+              <a:ext cx="350391" cy="1000861"/>
+            </a:xfrm>
+            <a:prstGeom prst="bentConnector2">
+              <a:avLst/>
+            </a:prstGeom>
+            <a:ln w="50800" cap="rnd">
+              <a:solidFill>
+                <a:schemeClr val="tx1"/>
+              </a:solidFill>
+              <a:miter lim="800000"/>
+            </a:ln>
+          </p:spPr>
+          <p:style>
+            <a:lnRef idx="1">
+              <a:schemeClr val="accent1"/>
+            </a:lnRef>
+            <a:fillRef idx="0">
+              <a:schemeClr val="accent1"/>
+            </a:fillRef>
+            <a:effectRef idx="0">
+              <a:schemeClr val="accent1"/>
+            </a:effectRef>
+            <a:fontRef idx="minor">
+              <a:schemeClr val="tx1"/>
+            </a:fontRef>
+          </p:style>
+        </p:cxnSp>
+        <p:cxnSp>
+          <p:nvCxnSpPr>
+            <p:cNvPr id="31" name="直線コネクタ 30">
+              <a:extLst>
+                <a:ext uri="{FF2B5EF4-FFF2-40B4-BE49-F238E27FC236}">
+                  <a16:creationId xmlns:a16="http://schemas.microsoft.com/office/drawing/2014/main" id="{DA831BA0-6543-FC3D-A54A-4C4604A10DDB}"/>
+                </a:ext>
+              </a:extLst>
+            </p:cNvPr>
+            <p:cNvCxnSpPr>
+              <a:cxnSpLocks/>
+              <a:stCxn id="13" idx="3"/>
+              <a:endCxn id="60" idx="2"/>
+            </p:cNvCxnSpPr>
+            <p:nvPr/>
+          </p:nvCxnSpPr>
+          <p:spPr>
+            <a:xfrm>
+              <a:off x="4491589" y="2230038"/>
+              <a:ext cx="1069484" cy="1325"/>
+            </a:xfrm>
+            <a:prstGeom prst="bentConnector3">
+              <a:avLst>
+                <a:gd name="adj1" fmla="val 50000"/>
+              </a:avLst>
+            </a:prstGeom>
+            <a:ln w="50800" cap="rnd">
+              <a:solidFill>
+                <a:schemeClr val="accent1"/>
+              </a:solidFill>
+              <a:miter lim="800000"/>
+            </a:ln>
+          </p:spPr>
+          <p:style>
+            <a:lnRef idx="1">
+              <a:schemeClr val="accent1"/>
+            </a:lnRef>
+            <a:fillRef idx="0">
+              <a:schemeClr val="accent1"/>
+            </a:fillRef>
+            <a:effectRef idx="0">
+              <a:schemeClr val="accent1"/>
+            </a:effectRef>
+            <a:fontRef idx="minor">
+              <a:schemeClr val="tx1"/>
+            </a:fontRef>
+          </p:style>
+        </p:cxnSp>
+        <p:sp>
+          <p:nvSpPr>
+            <p:cNvPr id="39" name="Rectangle: Rounded Corners 10">
+              <a:extLst>
+                <a:ext uri="{FF2B5EF4-FFF2-40B4-BE49-F238E27FC236}">
+                  <a16:creationId xmlns:a16="http://schemas.microsoft.com/office/drawing/2014/main" id="{BFA23318-9459-EFF0-13FA-5922B1F33698}"/>
+                </a:ext>
+              </a:extLst>
+            </p:cNvPr>
+            <p:cNvSpPr/>
+            <p:nvPr/>
+          </p:nvSpPr>
+          <p:spPr>
+            <a:xfrm>
+              <a:off x="2541672" y="2190058"/>
+              <a:ext cx="976841" cy="306467"/>
+            </a:xfrm>
+            <a:prstGeom prst="roundRect">
+              <a:avLst/>
+            </a:prstGeom>
+            <a:ln w="25400"/>
           </p:spPr>
           <p:style>
             <a:lnRef idx="2">
@@ -4697,45 +6694,391 @@
             <a:p>
               <a:pPr algn="ctr"/>
               <a:r>
-                <a:rPr lang="en-US" altLang="ja-JP" sz="1600" dirty="0"/>
-                <a:t>Corporate</a:t>
+                <a:rPr lang="en-US" sz="1200" dirty="0">
+                  <a:ea typeface="游ゴシック"/>
+                </a:rPr>
+                <a:t>Floating IP</a:t>
               </a:r>
             </a:p>
+          </p:txBody>
+        </p:sp>
+        <p:sp>
+          <p:nvSpPr>
+            <p:cNvPr id="55" name="Rectangle: Rounded Corners 10">
+              <a:extLst>
+                <a:ext uri="{FF2B5EF4-FFF2-40B4-BE49-F238E27FC236}">
+                  <a16:creationId xmlns:a16="http://schemas.microsoft.com/office/drawing/2014/main" id="{ECF9AD87-EF82-E3D7-1655-C7DAF7BAE448}"/>
+                </a:ext>
+              </a:extLst>
+            </p:cNvPr>
+            <p:cNvSpPr/>
+            <p:nvPr/>
+          </p:nvSpPr>
+          <p:spPr>
+            <a:xfrm>
+              <a:off x="8607584" y="1055928"/>
+              <a:ext cx="1682027" cy="277188"/>
+            </a:xfrm>
+            <a:prstGeom prst="roundRect">
+              <a:avLst/>
+            </a:prstGeom>
+            <a:solidFill>
+              <a:schemeClr val="bg1">
+                <a:lumMod val="50000"/>
+              </a:schemeClr>
+            </a:solidFill>
+            <a:ln w="25400">
+              <a:prstDash val="sysDash"/>
+            </a:ln>
+          </p:spPr>
+          <p:style>
+            <a:lnRef idx="2">
+              <a:schemeClr val="accent1">
+                <a:shade val="15000"/>
+              </a:schemeClr>
+            </a:lnRef>
+            <a:fillRef idx="1">
+              <a:schemeClr val="accent1"/>
+            </a:fillRef>
+            <a:effectRef idx="0">
+              <a:schemeClr val="accent1"/>
+            </a:effectRef>
+            <a:fontRef idx="minor">
+              <a:schemeClr val="lt1"/>
+            </a:fontRef>
+          </p:style>
+          <p:txBody>
+            <a:bodyPr rtlCol="0" anchor="ctr"/>
+            <a:lstStyle/>
             <a:p>
               <a:pPr algn="ctr"/>
               <a:r>
-                <a:rPr kumimoji="1" lang="en-US" altLang="ja-JP" sz="1600" dirty="0"/>
-                <a:t>LAN or WAN</a:t>
+                <a:rPr lang="en-US" sz="1200" b="1" dirty="0">
+                  <a:ea typeface="游ゴシック"/>
+                </a:rPr>
+                <a:t>Security Center</a:t>
               </a:r>
-              <a:endParaRPr kumimoji="1" lang="ja-JP" altLang="en-US" sz="1600" dirty="0"/>
+            </a:p>
+          </p:txBody>
+        </p:sp>
+        <p:sp>
+          <p:nvSpPr>
+            <p:cNvPr id="92" name="Rectangle: Rounded Corners 10">
+              <a:extLst>
+                <a:ext uri="{FF2B5EF4-FFF2-40B4-BE49-F238E27FC236}">
+                  <a16:creationId xmlns:a16="http://schemas.microsoft.com/office/drawing/2014/main" id="{915D1545-3B2E-0E0D-5192-32CB80B4575E}"/>
+                </a:ext>
+              </a:extLst>
+            </p:cNvPr>
+            <p:cNvSpPr/>
+            <p:nvPr/>
+          </p:nvSpPr>
+          <p:spPr>
+            <a:xfrm>
+              <a:off x="997675" y="1389441"/>
+              <a:ext cx="1682027" cy="277188"/>
+            </a:xfrm>
+            <a:prstGeom prst="roundRect">
+              <a:avLst/>
+            </a:prstGeom>
+            <a:solidFill>
+              <a:schemeClr val="accent1">
+                <a:lumMod val="60000"/>
+                <a:lumOff val="40000"/>
+              </a:schemeClr>
+            </a:solidFill>
+            <a:ln w="25400"/>
+          </p:spPr>
+          <p:style>
+            <a:lnRef idx="2">
+              <a:schemeClr val="accent1">
+                <a:shade val="15000"/>
+              </a:schemeClr>
+            </a:lnRef>
+            <a:fillRef idx="1">
+              <a:schemeClr val="accent1"/>
+            </a:fillRef>
+            <a:effectRef idx="0">
+              <a:schemeClr val="accent1"/>
+            </a:effectRef>
+            <a:fontRef idx="minor">
+              <a:schemeClr val="lt1"/>
+            </a:fontRef>
+          </p:style>
+          <p:txBody>
+            <a:bodyPr rtlCol="0" anchor="ctr"/>
+            <a:lstStyle/>
+            <a:p>
+              <a:pPr algn="ctr"/>
+              <a:r>
+                <a:rPr lang="en-US" sz="1200" b="1" dirty="0">
+                  <a:solidFill>
+                    <a:schemeClr val="tx1"/>
+                  </a:solidFill>
+                  <a:ea typeface="游ゴシック"/>
+                </a:rPr>
+                <a:t>SQL Server</a:t>
+              </a:r>
+            </a:p>
+          </p:txBody>
+        </p:sp>
+        <p:sp>
+          <p:nvSpPr>
+            <p:cNvPr id="93" name="Rectangle: Rounded Corners 10">
+              <a:extLst>
+                <a:ext uri="{FF2B5EF4-FFF2-40B4-BE49-F238E27FC236}">
+                  <a16:creationId xmlns:a16="http://schemas.microsoft.com/office/drawing/2014/main" id="{E7D8C22A-0E72-C383-6262-5CBE67A9E563}"/>
+                </a:ext>
+              </a:extLst>
+            </p:cNvPr>
+            <p:cNvSpPr/>
+            <p:nvPr/>
+          </p:nvSpPr>
+          <p:spPr>
+            <a:xfrm>
+              <a:off x="8609060" y="1394766"/>
+              <a:ext cx="1682027" cy="277188"/>
+            </a:xfrm>
+            <a:prstGeom prst="roundRect">
+              <a:avLst/>
+            </a:prstGeom>
+            <a:solidFill>
+              <a:schemeClr val="bg1">
+                <a:lumMod val="50000"/>
+              </a:schemeClr>
+            </a:solidFill>
+            <a:ln w="25400">
+              <a:prstDash val="sysDash"/>
+            </a:ln>
+          </p:spPr>
+          <p:style>
+            <a:lnRef idx="2">
+              <a:schemeClr val="accent1">
+                <a:shade val="15000"/>
+              </a:schemeClr>
+            </a:lnRef>
+            <a:fillRef idx="1">
+              <a:schemeClr val="accent1"/>
+            </a:fillRef>
+            <a:effectRef idx="0">
+              <a:schemeClr val="accent1"/>
+            </a:effectRef>
+            <a:fontRef idx="minor">
+              <a:schemeClr val="lt1"/>
+            </a:fontRef>
+          </p:style>
+          <p:txBody>
+            <a:bodyPr rtlCol="0" anchor="ctr"/>
+            <a:lstStyle/>
+            <a:p>
+              <a:pPr algn="ctr"/>
+              <a:r>
+                <a:rPr lang="en-US" sz="1200" b="1" dirty="0">
+                  <a:ea typeface="游ゴシック"/>
+                </a:rPr>
+                <a:t>SQL Server</a:t>
+              </a:r>
+            </a:p>
+          </p:txBody>
+        </p:sp>
+        <p:sp>
+          <p:nvSpPr>
+            <p:cNvPr id="11" name="Rectangle: Rounded Corners 10">
+              <a:extLst>
+                <a:ext uri="{FF2B5EF4-FFF2-40B4-BE49-F238E27FC236}">
+                  <a16:creationId xmlns:a16="http://schemas.microsoft.com/office/drawing/2014/main" id="{8C3EFAB1-27D9-96D4-F6E7-E1261ADB9876}"/>
+                </a:ext>
+              </a:extLst>
+            </p:cNvPr>
+            <p:cNvSpPr/>
+            <p:nvPr/>
+          </p:nvSpPr>
+          <p:spPr>
+            <a:xfrm>
+              <a:off x="997675" y="1050603"/>
+              <a:ext cx="1682027" cy="277188"/>
+            </a:xfrm>
+            <a:prstGeom prst="roundRect">
+              <a:avLst/>
+            </a:prstGeom>
+            <a:solidFill>
+              <a:schemeClr val="accent1">
+                <a:lumMod val="60000"/>
+                <a:lumOff val="40000"/>
+              </a:schemeClr>
+            </a:solidFill>
+            <a:ln w="25400"/>
+          </p:spPr>
+          <p:style>
+            <a:lnRef idx="2">
+              <a:schemeClr val="accent1">
+                <a:shade val="15000"/>
+              </a:schemeClr>
+            </a:lnRef>
+            <a:fillRef idx="1">
+              <a:schemeClr val="accent1"/>
+            </a:fillRef>
+            <a:effectRef idx="0">
+              <a:schemeClr val="accent1"/>
+            </a:effectRef>
+            <a:fontRef idx="minor">
+              <a:schemeClr val="lt1"/>
+            </a:fontRef>
+          </p:style>
+          <p:txBody>
+            <a:bodyPr rtlCol="0" anchor="ctr"/>
+            <a:lstStyle/>
+            <a:p>
+              <a:pPr algn="ctr"/>
+              <a:r>
+                <a:rPr lang="en-US" sz="1200" b="1" dirty="0">
+                  <a:solidFill>
+                    <a:schemeClr val="tx1"/>
+                  </a:solidFill>
+                  <a:ea typeface="游ゴシック"/>
+                </a:rPr>
+                <a:t>Security Center</a:t>
+              </a:r>
             </a:p>
           </p:txBody>
         </p:sp>
         <p:cxnSp>
           <p:nvCxnSpPr>
-            <p:cNvPr id="42" name="直線コネクタ 41">
+            <p:cNvPr id="26" name="直線矢印コネクタ 25">
               <a:extLst>
                 <a:ext uri="{FF2B5EF4-FFF2-40B4-BE49-F238E27FC236}">
-                  <a16:creationId xmlns:a16="http://schemas.microsoft.com/office/drawing/2014/main" id="{F7B50938-A38E-7490-E247-50D6FEB4BB24}"/>
+                  <a16:creationId xmlns:a16="http://schemas.microsoft.com/office/drawing/2014/main" id="{EE0E7C70-D31E-36FB-893C-1C49771F069E}"/>
                 </a:ext>
               </a:extLst>
             </p:cNvPr>
             <p:cNvCxnSpPr>
               <a:cxnSpLocks/>
-              <a:stCxn id="29" idx="3"/>
-              <a:endCxn id="41" idx="3"/>
             </p:cNvCxnSpPr>
             <p:nvPr/>
           </p:nvCxnSpPr>
           <p:spPr>
             <a:xfrm>
-              <a:off x="6024200" y="5196976"/>
-              <a:ext cx="63572" cy="341079"/>
+              <a:off x="3209299" y="1356868"/>
+              <a:ext cx="5134228" cy="5325"/>
             </a:xfrm>
-            <a:prstGeom prst="line">
+            <a:prstGeom prst="straightConnector1">
               <a:avLst/>
             </a:prstGeom>
-            <a:ln w="50800"/>
+            <a:ln w="76200">
+              <a:solidFill>
+                <a:schemeClr val="tx1"/>
+              </a:solidFill>
+              <a:prstDash val="sysDot"/>
+              <a:headEnd type="none"/>
+              <a:tailEnd type="triangle"/>
+            </a:ln>
+          </p:spPr>
+          <p:style>
+            <a:lnRef idx="1">
+              <a:schemeClr val="accent1"/>
+            </a:lnRef>
+            <a:fillRef idx="0">
+              <a:schemeClr val="accent1"/>
+            </a:fillRef>
+            <a:effectRef idx="0">
+              <a:schemeClr val="accent1"/>
+            </a:effectRef>
+            <a:fontRef idx="minor">
+              <a:schemeClr val="tx1"/>
+            </a:fontRef>
+          </p:style>
+        </p:cxnSp>
+        <p:sp>
+          <p:nvSpPr>
+            <p:cNvPr id="27" name="テキスト ボックス 26">
+              <a:extLst>
+                <a:ext uri="{FF2B5EF4-FFF2-40B4-BE49-F238E27FC236}">
+                  <a16:creationId xmlns:a16="http://schemas.microsoft.com/office/drawing/2014/main" id="{D0DB7E1C-D6CD-6301-762D-960430E84E9A}"/>
+                </a:ext>
+              </a:extLst>
+            </p:cNvPr>
+            <p:cNvSpPr txBox="1"/>
+            <p:nvPr/>
+          </p:nvSpPr>
+          <p:spPr>
+            <a:xfrm>
+              <a:off x="5421943" y="975210"/>
+              <a:ext cx="883575" cy="307777"/>
+            </a:xfrm>
+            <a:prstGeom prst="rect">
+              <a:avLst/>
+            </a:prstGeom>
+            <a:noFill/>
+          </p:spPr>
+          <p:txBody>
+            <a:bodyPr wrap="none">
+              <a:spAutoFit/>
+            </a:bodyPr>
+            <a:lstStyle/>
+            <a:p>
+              <a:pPr algn="ctr"/>
+              <a:r>
+                <a:rPr kumimoji="1" lang="en-US" altLang="ja-JP" sz="1400" b="1" dirty="0">
+                  <a:ln>
+                    <a:solidFill>
+                      <a:schemeClr val="bg1"/>
+                    </a:solidFill>
+                  </a:ln>
+                  <a:solidFill>
+                    <a:schemeClr val="tx1"/>
+                  </a:solidFill>
+                  <a:ea typeface="游ゴシック"/>
+                </a:rPr>
+                <a:t>Failover</a:t>
+              </a:r>
+              <a:endParaRPr kumimoji="1" lang="ja-JP" altLang="en-US" sz="1400" b="1" dirty="0">
+                <a:ln>
+                  <a:solidFill>
+                    <a:schemeClr val="bg1"/>
+                  </a:solidFill>
+                </a:ln>
+                <a:solidFill>
+                  <a:schemeClr val="tx1"/>
+                </a:solidFill>
+                <a:ea typeface="游ゴシック"/>
+              </a:endParaRPr>
+            </a:p>
+          </p:txBody>
+        </p:sp>
+        <p:cxnSp>
+          <p:nvCxnSpPr>
+            <p:cNvPr id="12" name="直線矢印コネクタ 11">
+              <a:extLst>
+                <a:ext uri="{FF2B5EF4-FFF2-40B4-BE49-F238E27FC236}">
+                  <a16:creationId xmlns:a16="http://schemas.microsoft.com/office/drawing/2014/main" id="{F45CA7B6-8126-B2F2-6BF2-DD9876C351A2}"/>
+                </a:ext>
+              </a:extLst>
+            </p:cNvPr>
+            <p:cNvCxnSpPr>
+              <a:cxnSpLocks/>
+              <a:stCxn id="14" idx="3"/>
+              <a:endCxn id="56" idx="1"/>
+            </p:cNvCxnSpPr>
+            <p:nvPr/>
+          </p:nvCxnSpPr>
+          <p:spPr>
+            <a:xfrm>
+              <a:off x="3473355" y="2140055"/>
+              <a:ext cx="5134228" cy="5325"/>
+            </a:xfrm>
+            <a:prstGeom prst="straightConnector1">
+              <a:avLst/>
+            </a:prstGeom>
+            <a:ln w="76200">
+              <a:solidFill>
+                <a:schemeClr val="tx1">
+                  <a:alpha val="50000"/>
+                </a:schemeClr>
+              </a:solidFill>
+              <a:prstDash val="sysDot"/>
+              <a:headEnd type="triangle"/>
+              <a:tailEnd type="triangle"/>
+            </a:ln>
           </p:spPr>
           <p:style>
             <a:lnRef idx="1">
@@ -4754,29 +7097,40 @@
         </p:cxnSp>
         <p:cxnSp>
           <p:nvCxnSpPr>
-            <p:cNvPr id="48" name="直線コネクタ 47">
+            <p:cNvPr id="19" name="直線矢印コネクタ 18">
               <a:extLst>
                 <a:ext uri="{FF2B5EF4-FFF2-40B4-BE49-F238E27FC236}">
-                  <a16:creationId xmlns:a16="http://schemas.microsoft.com/office/drawing/2014/main" id="{B5A6E89D-6760-023B-0603-8438C746FF2F}"/>
+                  <a16:creationId xmlns:a16="http://schemas.microsoft.com/office/drawing/2014/main" id="{CC3DA631-DAAF-1359-A8A2-FA3CBDDB1AD5}"/>
                 </a:ext>
               </a:extLst>
             </p:cNvPr>
             <p:cNvCxnSpPr>
               <a:cxnSpLocks/>
-              <a:stCxn id="41" idx="2"/>
-              <a:endCxn id="40" idx="5"/>
+              <a:stCxn id="14" idx="2"/>
+              <a:endCxn id="56" idx="2"/>
             </p:cNvCxnSpPr>
             <p:nvPr/>
           </p:nvCxnSpPr>
           <p:spPr>
-            <a:xfrm flipH="1" flipV="1">
-              <a:off x="4017276" y="5837983"/>
-              <a:ext cx="1026280" cy="94262"/>
+            <a:xfrm rot="16200000" flipH="1">
+              <a:off x="5837253" y="-1209684"/>
+              <a:ext cx="5325" cy="7208801"/>
             </a:xfrm>
-            <a:prstGeom prst="line">
-              <a:avLst/>
+            <a:prstGeom prst="bentConnector3">
+              <a:avLst>
+                <a:gd name="adj1" fmla="val 15627230"/>
+              </a:avLst>
             </a:prstGeom>
-            <a:ln w="50800"/>
+            <a:ln w="76200">
+              <a:solidFill>
+                <a:schemeClr val="tx1">
+                  <a:alpha val="50000"/>
+                </a:schemeClr>
+              </a:solidFill>
+              <a:prstDash val="sysDot"/>
+              <a:headEnd type="triangle"/>
+              <a:tailEnd type="triangle"/>
+            </a:ln>
           </p:spPr>
           <p:style>
             <a:lnRef idx="1">
@@ -4793,11 +7147,1506 @@
             </a:fontRef>
           </p:style>
         </p:cxnSp>
+        <p:sp>
+          <p:nvSpPr>
+            <p:cNvPr id="83" name="正方形/長方形 5">
+              <a:extLst>
+                <a:ext uri="{FF2B5EF4-FFF2-40B4-BE49-F238E27FC236}">
+                  <a16:creationId xmlns:a16="http://schemas.microsoft.com/office/drawing/2014/main" id="{C886B582-9B52-F141-20C0-2155083B9BF6}"/>
+                </a:ext>
+              </a:extLst>
+            </p:cNvPr>
+            <p:cNvSpPr/>
+            <p:nvPr/>
+          </p:nvSpPr>
+          <p:spPr>
+            <a:xfrm>
+              <a:off x="3935297" y="3147201"/>
+              <a:ext cx="538142" cy="330072"/>
+            </a:xfrm>
+            <a:prstGeom prst="rect">
+              <a:avLst/>
+            </a:prstGeom>
+            <a:ln w="25400"/>
+          </p:spPr>
+          <p:style>
+            <a:lnRef idx="2">
+              <a:schemeClr val="accent1">
+                <a:shade val="15000"/>
+              </a:schemeClr>
+            </a:lnRef>
+            <a:fillRef idx="1">
+              <a:schemeClr val="accent1"/>
+            </a:fillRef>
+            <a:effectRef idx="0">
+              <a:schemeClr val="accent1"/>
+            </a:effectRef>
+            <a:fontRef idx="minor">
+              <a:schemeClr val="lt1"/>
+            </a:fontRef>
+          </p:style>
+          <p:txBody>
+            <a:bodyPr wrap="none" lIns="72000" tIns="72000" rIns="72000" bIns="72000" rtlCol="0" anchor="ctr">
+              <a:spAutoFit/>
+            </a:bodyPr>
+            <a:lstStyle>
+              <a:defPPr>
+                <a:defRPr lang="ja-JP"/>
+              </a:defPPr>
+              <a:lvl1pPr marL="0" algn="l" defTabSz="914400" rtl="0" eaLnBrk="1" latinLnBrk="0" hangingPunct="1">
+                <a:defRPr kumimoji="1" sz="1800" kern="1200">
+                  <a:solidFill>
+                    <a:schemeClr val="lt1"/>
+                  </a:solidFill>
+                  <a:latin typeface="+mn-lt"/>
+                  <a:ea typeface="+mn-ea"/>
+                  <a:cs typeface="+mn-cs"/>
+                </a:defRPr>
+              </a:lvl1pPr>
+              <a:lvl2pPr marL="457200" algn="l" defTabSz="914400" rtl="0" eaLnBrk="1" latinLnBrk="0" hangingPunct="1">
+                <a:defRPr kumimoji="1" sz="1800" kern="1200">
+                  <a:solidFill>
+                    <a:schemeClr val="lt1"/>
+                  </a:solidFill>
+                  <a:latin typeface="+mn-lt"/>
+                  <a:ea typeface="+mn-ea"/>
+                  <a:cs typeface="+mn-cs"/>
+                </a:defRPr>
+              </a:lvl2pPr>
+              <a:lvl3pPr marL="914400" algn="l" defTabSz="914400" rtl="0" eaLnBrk="1" latinLnBrk="0" hangingPunct="1">
+                <a:defRPr kumimoji="1" sz="1800" kern="1200">
+                  <a:solidFill>
+                    <a:schemeClr val="lt1"/>
+                  </a:solidFill>
+                  <a:latin typeface="+mn-lt"/>
+                  <a:ea typeface="+mn-ea"/>
+                  <a:cs typeface="+mn-cs"/>
+                </a:defRPr>
+              </a:lvl3pPr>
+              <a:lvl4pPr marL="1371600" algn="l" defTabSz="914400" rtl="0" eaLnBrk="1" latinLnBrk="0" hangingPunct="1">
+                <a:defRPr kumimoji="1" sz="1800" kern="1200">
+                  <a:solidFill>
+                    <a:schemeClr val="lt1"/>
+                  </a:solidFill>
+                  <a:latin typeface="+mn-lt"/>
+                  <a:ea typeface="+mn-ea"/>
+                  <a:cs typeface="+mn-cs"/>
+                </a:defRPr>
+              </a:lvl4pPr>
+              <a:lvl5pPr marL="1828800" algn="l" defTabSz="914400" rtl="0" eaLnBrk="1" latinLnBrk="0" hangingPunct="1">
+                <a:defRPr kumimoji="1" sz="1800" kern="1200">
+                  <a:solidFill>
+                    <a:schemeClr val="lt1"/>
+                  </a:solidFill>
+                  <a:latin typeface="+mn-lt"/>
+                  <a:ea typeface="+mn-ea"/>
+                  <a:cs typeface="+mn-cs"/>
+                </a:defRPr>
+              </a:lvl5pPr>
+              <a:lvl6pPr marL="2286000" algn="l" defTabSz="914400" rtl="0" eaLnBrk="1" latinLnBrk="0" hangingPunct="1">
+                <a:defRPr kumimoji="1" sz="1800" kern="1200">
+                  <a:solidFill>
+                    <a:schemeClr val="lt1"/>
+                  </a:solidFill>
+                  <a:latin typeface="+mn-lt"/>
+                  <a:ea typeface="+mn-ea"/>
+                  <a:cs typeface="+mn-cs"/>
+                </a:defRPr>
+              </a:lvl6pPr>
+              <a:lvl7pPr marL="2743200" algn="l" defTabSz="914400" rtl="0" eaLnBrk="1" latinLnBrk="0" hangingPunct="1">
+                <a:defRPr kumimoji="1" sz="1800" kern="1200">
+                  <a:solidFill>
+                    <a:schemeClr val="lt1"/>
+                  </a:solidFill>
+                  <a:latin typeface="+mn-lt"/>
+                  <a:ea typeface="+mn-ea"/>
+                  <a:cs typeface="+mn-cs"/>
+                </a:defRPr>
+              </a:lvl7pPr>
+              <a:lvl8pPr marL="3200400" algn="l" defTabSz="914400" rtl="0" eaLnBrk="1" latinLnBrk="0" hangingPunct="1">
+                <a:defRPr kumimoji="1" sz="1800" kern="1200">
+                  <a:solidFill>
+                    <a:schemeClr val="lt1"/>
+                  </a:solidFill>
+                  <a:latin typeface="+mn-lt"/>
+                  <a:ea typeface="+mn-ea"/>
+                  <a:cs typeface="+mn-cs"/>
+                </a:defRPr>
+              </a:lvl8pPr>
+              <a:lvl9pPr marL="3657600" algn="l" defTabSz="914400" rtl="0" eaLnBrk="1" latinLnBrk="0" hangingPunct="1">
+                <a:defRPr kumimoji="1" sz="1800" kern="1200">
+                  <a:solidFill>
+                    <a:schemeClr val="lt1"/>
+                  </a:solidFill>
+                  <a:latin typeface="+mn-lt"/>
+                  <a:ea typeface="+mn-ea"/>
+                  <a:cs typeface="+mn-cs"/>
+                </a:defRPr>
+              </a:lvl9pPr>
+            </a:lstStyle>
+            <a:p>
+              <a:pPr algn="ctr"/>
+              <a:r>
+                <a:rPr kumimoji="1" lang="en-US" altLang="ja-JP" sz="1200" dirty="0"/>
+                <a:t>NIC 2</a:t>
+              </a:r>
+              <a:endParaRPr kumimoji="1" lang="ja-JP" altLang="en-US" sz="1200" dirty="0"/>
+            </a:p>
+          </p:txBody>
+        </p:sp>
+        <p:sp>
+          <p:nvSpPr>
+            <p:cNvPr id="85" name="正方形/長方形 5">
+              <a:extLst>
+                <a:ext uri="{FF2B5EF4-FFF2-40B4-BE49-F238E27FC236}">
+                  <a16:creationId xmlns:a16="http://schemas.microsoft.com/office/drawing/2014/main" id="{151025EB-2C51-F1A0-E6AE-74DA3252C188}"/>
+                </a:ext>
+              </a:extLst>
+            </p:cNvPr>
+            <p:cNvSpPr/>
+            <p:nvPr/>
+          </p:nvSpPr>
+          <p:spPr>
+            <a:xfrm>
+              <a:off x="7346221" y="3147200"/>
+              <a:ext cx="538142" cy="330072"/>
+            </a:xfrm>
+            <a:prstGeom prst="rect">
+              <a:avLst/>
+            </a:prstGeom>
+            <a:ln w="25400"/>
+          </p:spPr>
+          <p:style>
+            <a:lnRef idx="2">
+              <a:schemeClr val="accent1">
+                <a:shade val="15000"/>
+              </a:schemeClr>
+            </a:lnRef>
+            <a:fillRef idx="1">
+              <a:schemeClr val="accent1"/>
+            </a:fillRef>
+            <a:effectRef idx="0">
+              <a:schemeClr val="accent1"/>
+            </a:effectRef>
+            <a:fontRef idx="minor">
+              <a:schemeClr val="lt1"/>
+            </a:fontRef>
+          </p:style>
+          <p:txBody>
+            <a:bodyPr wrap="none" lIns="72000" tIns="72000" rIns="72000" bIns="72000" rtlCol="0" anchor="ctr">
+              <a:spAutoFit/>
+            </a:bodyPr>
+            <a:lstStyle>
+              <a:defPPr>
+                <a:defRPr lang="ja-JP"/>
+              </a:defPPr>
+              <a:lvl1pPr marL="0" algn="l" defTabSz="914400" rtl="0" eaLnBrk="1" latinLnBrk="0" hangingPunct="1">
+                <a:defRPr kumimoji="1" sz="1800" kern="1200">
+                  <a:solidFill>
+                    <a:schemeClr val="lt1"/>
+                  </a:solidFill>
+                  <a:latin typeface="+mn-lt"/>
+                  <a:ea typeface="+mn-ea"/>
+                  <a:cs typeface="+mn-cs"/>
+                </a:defRPr>
+              </a:lvl1pPr>
+              <a:lvl2pPr marL="457200" algn="l" defTabSz="914400" rtl="0" eaLnBrk="1" latinLnBrk="0" hangingPunct="1">
+                <a:defRPr kumimoji="1" sz="1800" kern="1200">
+                  <a:solidFill>
+                    <a:schemeClr val="lt1"/>
+                  </a:solidFill>
+                  <a:latin typeface="+mn-lt"/>
+                  <a:ea typeface="+mn-ea"/>
+                  <a:cs typeface="+mn-cs"/>
+                </a:defRPr>
+              </a:lvl2pPr>
+              <a:lvl3pPr marL="914400" algn="l" defTabSz="914400" rtl="0" eaLnBrk="1" latinLnBrk="0" hangingPunct="1">
+                <a:defRPr kumimoji="1" sz="1800" kern="1200">
+                  <a:solidFill>
+                    <a:schemeClr val="lt1"/>
+                  </a:solidFill>
+                  <a:latin typeface="+mn-lt"/>
+                  <a:ea typeface="+mn-ea"/>
+                  <a:cs typeface="+mn-cs"/>
+                </a:defRPr>
+              </a:lvl3pPr>
+              <a:lvl4pPr marL="1371600" algn="l" defTabSz="914400" rtl="0" eaLnBrk="1" latinLnBrk="0" hangingPunct="1">
+                <a:defRPr kumimoji="1" sz="1800" kern="1200">
+                  <a:solidFill>
+                    <a:schemeClr val="lt1"/>
+                  </a:solidFill>
+                  <a:latin typeface="+mn-lt"/>
+                  <a:ea typeface="+mn-ea"/>
+                  <a:cs typeface="+mn-cs"/>
+                </a:defRPr>
+              </a:lvl4pPr>
+              <a:lvl5pPr marL="1828800" algn="l" defTabSz="914400" rtl="0" eaLnBrk="1" latinLnBrk="0" hangingPunct="1">
+                <a:defRPr kumimoji="1" sz="1800" kern="1200">
+                  <a:solidFill>
+                    <a:schemeClr val="lt1"/>
+                  </a:solidFill>
+                  <a:latin typeface="+mn-lt"/>
+                  <a:ea typeface="+mn-ea"/>
+                  <a:cs typeface="+mn-cs"/>
+                </a:defRPr>
+              </a:lvl5pPr>
+              <a:lvl6pPr marL="2286000" algn="l" defTabSz="914400" rtl="0" eaLnBrk="1" latinLnBrk="0" hangingPunct="1">
+                <a:defRPr kumimoji="1" sz="1800" kern="1200">
+                  <a:solidFill>
+                    <a:schemeClr val="lt1"/>
+                  </a:solidFill>
+                  <a:latin typeface="+mn-lt"/>
+                  <a:ea typeface="+mn-ea"/>
+                  <a:cs typeface="+mn-cs"/>
+                </a:defRPr>
+              </a:lvl6pPr>
+              <a:lvl7pPr marL="2743200" algn="l" defTabSz="914400" rtl="0" eaLnBrk="1" latinLnBrk="0" hangingPunct="1">
+                <a:defRPr kumimoji="1" sz="1800" kern="1200">
+                  <a:solidFill>
+                    <a:schemeClr val="lt1"/>
+                  </a:solidFill>
+                  <a:latin typeface="+mn-lt"/>
+                  <a:ea typeface="+mn-ea"/>
+                  <a:cs typeface="+mn-cs"/>
+                </a:defRPr>
+              </a:lvl7pPr>
+              <a:lvl8pPr marL="3200400" algn="l" defTabSz="914400" rtl="0" eaLnBrk="1" latinLnBrk="0" hangingPunct="1">
+                <a:defRPr kumimoji="1" sz="1800" kern="1200">
+                  <a:solidFill>
+                    <a:schemeClr val="lt1"/>
+                  </a:solidFill>
+                  <a:latin typeface="+mn-lt"/>
+                  <a:ea typeface="+mn-ea"/>
+                  <a:cs typeface="+mn-cs"/>
+                </a:defRPr>
+              </a:lvl8pPr>
+              <a:lvl9pPr marL="3657600" algn="l" defTabSz="914400" rtl="0" eaLnBrk="1" latinLnBrk="0" hangingPunct="1">
+                <a:defRPr kumimoji="1" sz="1800" kern="1200">
+                  <a:solidFill>
+                    <a:schemeClr val="lt1"/>
+                  </a:solidFill>
+                  <a:latin typeface="+mn-lt"/>
+                  <a:ea typeface="+mn-ea"/>
+                  <a:cs typeface="+mn-cs"/>
+                </a:defRPr>
+              </a:lvl9pPr>
+            </a:lstStyle>
+            <a:p>
+              <a:pPr algn="ctr"/>
+              <a:r>
+                <a:rPr kumimoji="1" lang="en-US" altLang="ja-JP" sz="1200" dirty="0"/>
+                <a:t>NIC 2</a:t>
+              </a:r>
+              <a:endParaRPr kumimoji="1" lang="ja-JP" altLang="en-US" sz="1200" dirty="0"/>
+            </a:p>
+          </p:txBody>
+        </p:sp>
+        <p:sp>
+          <p:nvSpPr>
+            <p:cNvPr id="45" name="正方形/長方形 5">
+              <a:extLst>
+                <a:ext uri="{FF2B5EF4-FFF2-40B4-BE49-F238E27FC236}">
+                  <a16:creationId xmlns:a16="http://schemas.microsoft.com/office/drawing/2014/main" id="{5D3BD5FB-B52A-F0E3-A653-CB043110C6E8}"/>
+                </a:ext>
+              </a:extLst>
+            </p:cNvPr>
+            <p:cNvSpPr/>
+            <p:nvPr/>
+          </p:nvSpPr>
+          <p:spPr>
+            <a:xfrm>
+              <a:off x="7365580" y="2060222"/>
+              <a:ext cx="538142" cy="330072"/>
+            </a:xfrm>
+            <a:prstGeom prst="rect">
+              <a:avLst/>
+            </a:prstGeom>
+            <a:ln w="25400"/>
+          </p:spPr>
+          <p:style>
+            <a:lnRef idx="2">
+              <a:schemeClr val="accent1">
+                <a:shade val="15000"/>
+              </a:schemeClr>
+            </a:lnRef>
+            <a:fillRef idx="1">
+              <a:schemeClr val="accent1"/>
+            </a:fillRef>
+            <a:effectRef idx="0">
+              <a:schemeClr val="accent1"/>
+            </a:effectRef>
+            <a:fontRef idx="minor">
+              <a:schemeClr val="lt1"/>
+            </a:fontRef>
+          </p:style>
+          <p:txBody>
+            <a:bodyPr wrap="none" lIns="72000" tIns="72000" rIns="72000" bIns="72000" rtlCol="0" anchor="ctr">
+              <a:spAutoFit/>
+            </a:bodyPr>
+            <a:lstStyle>
+              <a:defPPr>
+                <a:defRPr lang="ja-JP"/>
+              </a:defPPr>
+              <a:lvl1pPr marL="0" algn="l" defTabSz="914400" rtl="0" eaLnBrk="1" latinLnBrk="0" hangingPunct="1">
+                <a:defRPr kumimoji="1" sz="1800" kern="1200">
+                  <a:solidFill>
+                    <a:schemeClr val="lt1"/>
+                  </a:solidFill>
+                  <a:latin typeface="+mn-lt"/>
+                  <a:ea typeface="+mn-ea"/>
+                  <a:cs typeface="+mn-cs"/>
+                </a:defRPr>
+              </a:lvl1pPr>
+              <a:lvl2pPr marL="457200" algn="l" defTabSz="914400" rtl="0" eaLnBrk="1" latinLnBrk="0" hangingPunct="1">
+                <a:defRPr kumimoji="1" sz="1800" kern="1200">
+                  <a:solidFill>
+                    <a:schemeClr val="lt1"/>
+                  </a:solidFill>
+                  <a:latin typeface="+mn-lt"/>
+                  <a:ea typeface="+mn-ea"/>
+                  <a:cs typeface="+mn-cs"/>
+                </a:defRPr>
+              </a:lvl2pPr>
+              <a:lvl3pPr marL="914400" algn="l" defTabSz="914400" rtl="0" eaLnBrk="1" latinLnBrk="0" hangingPunct="1">
+                <a:defRPr kumimoji="1" sz="1800" kern="1200">
+                  <a:solidFill>
+                    <a:schemeClr val="lt1"/>
+                  </a:solidFill>
+                  <a:latin typeface="+mn-lt"/>
+                  <a:ea typeface="+mn-ea"/>
+                  <a:cs typeface="+mn-cs"/>
+                </a:defRPr>
+              </a:lvl3pPr>
+              <a:lvl4pPr marL="1371600" algn="l" defTabSz="914400" rtl="0" eaLnBrk="1" latinLnBrk="0" hangingPunct="1">
+                <a:defRPr kumimoji="1" sz="1800" kern="1200">
+                  <a:solidFill>
+                    <a:schemeClr val="lt1"/>
+                  </a:solidFill>
+                  <a:latin typeface="+mn-lt"/>
+                  <a:ea typeface="+mn-ea"/>
+                  <a:cs typeface="+mn-cs"/>
+                </a:defRPr>
+              </a:lvl4pPr>
+              <a:lvl5pPr marL="1828800" algn="l" defTabSz="914400" rtl="0" eaLnBrk="1" latinLnBrk="0" hangingPunct="1">
+                <a:defRPr kumimoji="1" sz="1800" kern="1200">
+                  <a:solidFill>
+                    <a:schemeClr val="lt1"/>
+                  </a:solidFill>
+                  <a:latin typeface="+mn-lt"/>
+                  <a:ea typeface="+mn-ea"/>
+                  <a:cs typeface="+mn-cs"/>
+                </a:defRPr>
+              </a:lvl5pPr>
+              <a:lvl6pPr marL="2286000" algn="l" defTabSz="914400" rtl="0" eaLnBrk="1" latinLnBrk="0" hangingPunct="1">
+                <a:defRPr kumimoji="1" sz="1800" kern="1200">
+                  <a:solidFill>
+                    <a:schemeClr val="lt1"/>
+                  </a:solidFill>
+                  <a:latin typeface="+mn-lt"/>
+                  <a:ea typeface="+mn-ea"/>
+                  <a:cs typeface="+mn-cs"/>
+                </a:defRPr>
+              </a:lvl6pPr>
+              <a:lvl7pPr marL="2743200" algn="l" defTabSz="914400" rtl="0" eaLnBrk="1" latinLnBrk="0" hangingPunct="1">
+                <a:defRPr kumimoji="1" sz="1800" kern="1200">
+                  <a:solidFill>
+                    <a:schemeClr val="lt1"/>
+                  </a:solidFill>
+                  <a:latin typeface="+mn-lt"/>
+                  <a:ea typeface="+mn-ea"/>
+                  <a:cs typeface="+mn-cs"/>
+                </a:defRPr>
+              </a:lvl7pPr>
+              <a:lvl8pPr marL="3200400" algn="l" defTabSz="914400" rtl="0" eaLnBrk="1" latinLnBrk="0" hangingPunct="1">
+                <a:defRPr kumimoji="1" sz="1800" kern="1200">
+                  <a:solidFill>
+                    <a:schemeClr val="lt1"/>
+                  </a:solidFill>
+                  <a:latin typeface="+mn-lt"/>
+                  <a:ea typeface="+mn-ea"/>
+                  <a:cs typeface="+mn-cs"/>
+                </a:defRPr>
+              </a:lvl8pPr>
+              <a:lvl9pPr marL="3657600" algn="l" defTabSz="914400" rtl="0" eaLnBrk="1" latinLnBrk="0" hangingPunct="1">
+                <a:defRPr kumimoji="1" sz="1800" kern="1200">
+                  <a:solidFill>
+                    <a:schemeClr val="lt1"/>
+                  </a:solidFill>
+                  <a:latin typeface="+mn-lt"/>
+                  <a:ea typeface="+mn-ea"/>
+                  <a:cs typeface="+mn-cs"/>
+                </a:defRPr>
+              </a:lvl9pPr>
+            </a:lstStyle>
+            <a:p>
+              <a:pPr algn="ctr"/>
+              <a:r>
+                <a:rPr kumimoji="1" lang="en-US" altLang="ja-JP" sz="1200" dirty="0"/>
+                <a:t>NIC 1</a:t>
+              </a:r>
+              <a:endParaRPr kumimoji="1" lang="ja-JP" altLang="en-US" sz="1200" dirty="0"/>
+            </a:p>
+          </p:txBody>
+        </p:sp>
+        <p:sp>
+          <p:nvSpPr>
+            <p:cNvPr id="13" name="正方形/長方形 5">
+              <a:extLst>
+                <a:ext uri="{FF2B5EF4-FFF2-40B4-BE49-F238E27FC236}">
+                  <a16:creationId xmlns:a16="http://schemas.microsoft.com/office/drawing/2014/main" id="{DE6FF593-7D4A-6011-74D9-0881D9957E25}"/>
+                </a:ext>
+              </a:extLst>
+            </p:cNvPr>
+            <p:cNvSpPr/>
+            <p:nvPr/>
+          </p:nvSpPr>
+          <p:spPr>
+            <a:xfrm>
+              <a:off x="3953447" y="2065002"/>
+              <a:ext cx="538142" cy="330072"/>
+            </a:xfrm>
+            <a:prstGeom prst="rect">
+              <a:avLst/>
+            </a:prstGeom>
+            <a:ln w="25400"/>
+          </p:spPr>
+          <p:style>
+            <a:lnRef idx="2">
+              <a:schemeClr val="accent1">
+                <a:shade val="15000"/>
+              </a:schemeClr>
+            </a:lnRef>
+            <a:fillRef idx="1">
+              <a:schemeClr val="accent1"/>
+            </a:fillRef>
+            <a:effectRef idx="0">
+              <a:schemeClr val="accent1"/>
+            </a:effectRef>
+            <a:fontRef idx="minor">
+              <a:schemeClr val="lt1"/>
+            </a:fontRef>
+          </p:style>
+          <p:txBody>
+            <a:bodyPr wrap="none" lIns="72000" tIns="72000" rIns="72000" bIns="72000" rtlCol="0" anchor="ctr">
+              <a:spAutoFit/>
+            </a:bodyPr>
+            <a:lstStyle>
+              <a:defPPr>
+                <a:defRPr lang="ja-JP"/>
+              </a:defPPr>
+              <a:lvl1pPr marL="0" algn="l" defTabSz="914400" rtl="0" eaLnBrk="1" latinLnBrk="0" hangingPunct="1">
+                <a:defRPr kumimoji="1" sz="1800" kern="1200">
+                  <a:solidFill>
+                    <a:schemeClr val="lt1"/>
+                  </a:solidFill>
+                  <a:latin typeface="+mn-lt"/>
+                  <a:ea typeface="+mn-ea"/>
+                  <a:cs typeface="+mn-cs"/>
+                </a:defRPr>
+              </a:lvl1pPr>
+              <a:lvl2pPr marL="457200" algn="l" defTabSz="914400" rtl="0" eaLnBrk="1" latinLnBrk="0" hangingPunct="1">
+                <a:defRPr kumimoji="1" sz="1800" kern="1200">
+                  <a:solidFill>
+                    <a:schemeClr val="lt1"/>
+                  </a:solidFill>
+                  <a:latin typeface="+mn-lt"/>
+                  <a:ea typeface="+mn-ea"/>
+                  <a:cs typeface="+mn-cs"/>
+                </a:defRPr>
+              </a:lvl2pPr>
+              <a:lvl3pPr marL="914400" algn="l" defTabSz="914400" rtl="0" eaLnBrk="1" latinLnBrk="0" hangingPunct="1">
+                <a:defRPr kumimoji="1" sz="1800" kern="1200">
+                  <a:solidFill>
+                    <a:schemeClr val="lt1"/>
+                  </a:solidFill>
+                  <a:latin typeface="+mn-lt"/>
+                  <a:ea typeface="+mn-ea"/>
+                  <a:cs typeface="+mn-cs"/>
+                </a:defRPr>
+              </a:lvl3pPr>
+              <a:lvl4pPr marL="1371600" algn="l" defTabSz="914400" rtl="0" eaLnBrk="1" latinLnBrk="0" hangingPunct="1">
+                <a:defRPr kumimoji="1" sz="1800" kern="1200">
+                  <a:solidFill>
+                    <a:schemeClr val="lt1"/>
+                  </a:solidFill>
+                  <a:latin typeface="+mn-lt"/>
+                  <a:ea typeface="+mn-ea"/>
+                  <a:cs typeface="+mn-cs"/>
+                </a:defRPr>
+              </a:lvl4pPr>
+              <a:lvl5pPr marL="1828800" algn="l" defTabSz="914400" rtl="0" eaLnBrk="1" latinLnBrk="0" hangingPunct="1">
+                <a:defRPr kumimoji="1" sz="1800" kern="1200">
+                  <a:solidFill>
+                    <a:schemeClr val="lt1"/>
+                  </a:solidFill>
+                  <a:latin typeface="+mn-lt"/>
+                  <a:ea typeface="+mn-ea"/>
+                  <a:cs typeface="+mn-cs"/>
+                </a:defRPr>
+              </a:lvl5pPr>
+              <a:lvl6pPr marL="2286000" algn="l" defTabSz="914400" rtl="0" eaLnBrk="1" latinLnBrk="0" hangingPunct="1">
+                <a:defRPr kumimoji="1" sz="1800" kern="1200">
+                  <a:solidFill>
+                    <a:schemeClr val="lt1"/>
+                  </a:solidFill>
+                  <a:latin typeface="+mn-lt"/>
+                  <a:ea typeface="+mn-ea"/>
+                  <a:cs typeface="+mn-cs"/>
+                </a:defRPr>
+              </a:lvl6pPr>
+              <a:lvl7pPr marL="2743200" algn="l" defTabSz="914400" rtl="0" eaLnBrk="1" latinLnBrk="0" hangingPunct="1">
+                <a:defRPr kumimoji="1" sz="1800" kern="1200">
+                  <a:solidFill>
+                    <a:schemeClr val="lt1"/>
+                  </a:solidFill>
+                  <a:latin typeface="+mn-lt"/>
+                  <a:ea typeface="+mn-ea"/>
+                  <a:cs typeface="+mn-cs"/>
+                </a:defRPr>
+              </a:lvl7pPr>
+              <a:lvl8pPr marL="3200400" algn="l" defTabSz="914400" rtl="0" eaLnBrk="1" latinLnBrk="0" hangingPunct="1">
+                <a:defRPr kumimoji="1" sz="1800" kern="1200">
+                  <a:solidFill>
+                    <a:schemeClr val="lt1"/>
+                  </a:solidFill>
+                  <a:latin typeface="+mn-lt"/>
+                  <a:ea typeface="+mn-ea"/>
+                  <a:cs typeface="+mn-cs"/>
+                </a:defRPr>
+              </a:lvl8pPr>
+              <a:lvl9pPr marL="3657600" algn="l" defTabSz="914400" rtl="0" eaLnBrk="1" latinLnBrk="0" hangingPunct="1">
+                <a:defRPr kumimoji="1" sz="1800" kern="1200">
+                  <a:solidFill>
+                    <a:schemeClr val="lt1"/>
+                  </a:solidFill>
+                  <a:latin typeface="+mn-lt"/>
+                  <a:ea typeface="+mn-ea"/>
+                  <a:cs typeface="+mn-cs"/>
+                </a:defRPr>
+              </a:lvl9pPr>
+            </a:lstStyle>
+            <a:p>
+              <a:pPr algn="ctr"/>
+              <a:r>
+                <a:rPr kumimoji="1" lang="en-US" altLang="ja-JP" sz="1200" dirty="0"/>
+                <a:t>NIC 1</a:t>
+              </a:r>
+              <a:endParaRPr kumimoji="1" lang="ja-JP" altLang="en-US" sz="1200" dirty="0"/>
+            </a:p>
+          </p:txBody>
+        </p:sp>
+        <p:sp>
+          <p:nvSpPr>
+            <p:cNvPr id="74" name="楕円 73">
+              <a:extLst>
+                <a:ext uri="{FF2B5EF4-FFF2-40B4-BE49-F238E27FC236}">
+                  <a16:creationId xmlns:a16="http://schemas.microsoft.com/office/drawing/2014/main" id="{5C4A32EB-C5B8-1A4C-FD42-A47A75007A61}"/>
+                </a:ext>
+              </a:extLst>
+            </p:cNvPr>
+            <p:cNvSpPr/>
+            <p:nvPr/>
+          </p:nvSpPr>
+          <p:spPr>
+            <a:xfrm>
+              <a:off x="5959690" y="2855731"/>
+              <a:ext cx="914400" cy="914400"/>
+            </a:xfrm>
+            <a:prstGeom prst="ellipse">
+              <a:avLst/>
+            </a:prstGeom>
+          </p:spPr>
+          <p:style>
+            <a:lnRef idx="2">
+              <a:schemeClr val="accent1">
+                <a:shade val="15000"/>
+              </a:schemeClr>
+            </a:lnRef>
+            <a:fillRef idx="1">
+              <a:schemeClr val="accent1"/>
+            </a:fillRef>
+            <a:effectRef idx="0">
+              <a:schemeClr val="accent1"/>
+            </a:effectRef>
+            <a:fontRef idx="minor">
+              <a:schemeClr val="lt1"/>
+            </a:fontRef>
+          </p:style>
+          <p:txBody>
+            <a:bodyPr wrap="none" rtlCol="0" anchor="ctr"/>
+            <a:lstStyle/>
+            <a:p>
+              <a:pPr algn="ctr"/>
+              <a:r>
+                <a:rPr kumimoji="1" lang="en-US" altLang="ja-JP" sz="1200" dirty="0"/>
+                <a:t>Private</a:t>
+              </a:r>
+              <a:br>
+                <a:rPr kumimoji="1" lang="en-US" altLang="ja-JP" sz="1200" dirty="0"/>
+              </a:br>
+              <a:r>
+                <a:rPr kumimoji="1" lang="en-US" altLang="ja-JP" sz="1200" dirty="0"/>
+                <a:t>Network</a:t>
+              </a:r>
+              <a:br>
+                <a:rPr kumimoji="1" lang="en-US" altLang="ja-JP" sz="1200" dirty="0"/>
+              </a:br>
+              <a:r>
+                <a:rPr kumimoji="1" lang="en-US" altLang="ja-JP" sz="1200" dirty="0"/>
+                <a:t>Switch</a:t>
+              </a:r>
+              <a:endParaRPr kumimoji="1" lang="ja-JP" altLang="en-US" sz="1200" dirty="0"/>
+            </a:p>
+          </p:txBody>
+        </p:sp>
+        <p:sp>
+          <p:nvSpPr>
+            <p:cNvPr id="60" name="楕円 59">
+              <a:extLst>
+                <a:ext uri="{FF2B5EF4-FFF2-40B4-BE49-F238E27FC236}">
+                  <a16:creationId xmlns:a16="http://schemas.microsoft.com/office/drawing/2014/main" id="{8C1F55A0-081A-EA18-D5EA-FBD279EFF98A}"/>
+                </a:ext>
+              </a:extLst>
+            </p:cNvPr>
+            <p:cNvSpPr/>
+            <p:nvPr/>
+          </p:nvSpPr>
+          <p:spPr>
+            <a:xfrm>
+              <a:off x="5561073" y="1774163"/>
+              <a:ext cx="914400" cy="914400"/>
+            </a:xfrm>
+            <a:prstGeom prst="ellipse">
+              <a:avLst/>
+            </a:prstGeom>
+          </p:spPr>
+          <p:style>
+            <a:lnRef idx="2">
+              <a:schemeClr val="accent1">
+                <a:shade val="15000"/>
+              </a:schemeClr>
+            </a:lnRef>
+            <a:fillRef idx="1">
+              <a:schemeClr val="accent1"/>
+            </a:fillRef>
+            <a:effectRef idx="0">
+              <a:schemeClr val="accent1"/>
+            </a:effectRef>
+            <a:fontRef idx="minor">
+              <a:schemeClr val="lt1"/>
+            </a:fontRef>
+          </p:style>
+          <p:txBody>
+            <a:bodyPr wrap="none" rtlCol="0" anchor="ctr"/>
+            <a:lstStyle/>
+            <a:p>
+              <a:pPr algn="ctr"/>
+              <a:r>
+                <a:rPr kumimoji="1" lang="en-US" altLang="ja-JP" sz="1200" dirty="0"/>
+                <a:t>Public</a:t>
+              </a:r>
+              <a:br>
+                <a:rPr kumimoji="1" lang="en-US" altLang="ja-JP" sz="1200" dirty="0"/>
+              </a:br>
+              <a:r>
+                <a:rPr kumimoji="1" lang="en-US" altLang="ja-JP" sz="1200" dirty="0"/>
+                <a:t>Network</a:t>
+              </a:r>
+              <a:br>
+                <a:rPr kumimoji="1" lang="en-US" altLang="ja-JP" sz="1200" dirty="0"/>
+              </a:br>
+              <a:r>
+                <a:rPr kumimoji="1" lang="en-US" altLang="ja-JP" sz="1200" dirty="0"/>
+                <a:t>Switch</a:t>
+              </a:r>
+              <a:endParaRPr kumimoji="1" lang="ja-JP" altLang="en-US" sz="1200" dirty="0"/>
+            </a:p>
+          </p:txBody>
+        </p:sp>
+        <p:sp>
+          <p:nvSpPr>
+            <p:cNvPr id="33" name="テキスト ボックス 32">
+              <a:extLst>
+                <a:ext uri="{FF2B5EF4-FFF2-40B4-BE49-F238E27FC236}">
+                  <a16:creationId xmlns:a16="http://schemas.microsoft.com/office/drawing/2014/main" id="{AAB415E7-BA36-0013-D6E6-DD605F075875}"/>
+                </a:ext>
+              </a:extLst>
+            </p:cNvPr>
+            <p:cNvSpPr txBox="1"/>
+            <p:nvPr/>
+          </p:nvSpPr>
+          <p:spPr>
+            <a:xfrm>
+              <a:off x="4573699" y="1813931"/>
+              <a:ext cx="1063112" cy="307777"/>
+            </a:xfrm>
+            <a:prstGeom prst="rect">
+              <a:avLst/>
+            </a:prstGeom>
+            <a:noFill/>
+          </p:spPr>
+          <p:txBody>
+            <a:bodyPr wrap="none">
+              <a:spAutoFit/>
+            </a:bodyPr>
+            <a:lstStyle/>
+            <a:p>
+              <a:pPr algn="ctr"/>
+              <a:r>
+                <a:rPr kumimoji="1" lang="en-US" altLang="ja-JP" sz="1400" b="1" dirty="0">
+                  <a:ln>
+                    <a:solidFill>
+                      <a:schemeClr val="bg1"/>
+                    </a:solidFill>
+                  </a:ln>
+                  <a:solidFill>
+                    <a:schemeClr val="tx1"/>
+                  </a:solidFill>
+                  <a:ea typeface="游ゴシック"/>
+                </a:rPr>
+                <a:t>Heartbeat</a:t>
+              </a:r>
+              <a:endParaRPr kumimoji="1" lang="ja-JP" altLang="en-US" sz="1400" b="1" dirty="0">
+                <a:ln>
+                  <a:solidFill>
+                    <a:schemeClr val="bg1"/>
+                  </a:solidFill>
+                </a:ln>
+                <a:solidFill>
+                  <a:schemeClr val="tx1"/>
+                </a:solidFill>
+                <a:ea typeface="游ゴシック"/>
+              </a:endParaRPr>
+            </a:p>
+          </p:txBody>
+        </p:sp>
+        <p:grpSp>
+          <p:nvGrpSpPr>
+            <p:cNvPr id="35" name="グループ化 34">
+              <a:extLst>
+                <a:ext uri="{FF2B5EF4-FFF2-40B4-BE49-F238E27FC236}">
+                  <a16:creationId xmlns:a16="http://schemas.microsoft.com/office/drawing/2014/main" id="{958834F7-42FF-10D4-E900-A641A0CBD121}"/>
+                </a:ext>
+              </a:extLst>
+            </p:cNvPr>
+            <p:cNvGrpSpPr/>
+            <p:nvPr/>
+          </p:nvGrpSpPr>
+          <p:grpSpPr>
+            <a:xfrm>
+              <a:off x="2363466" y="3674584"/>
+              <a:ext cx="1872000" cy="1542874"/>
+              <a:chOff x="1224000" y="3650489"/>
+              <a:chExt cx="1872000" cy="1542874"/>
+            </a:xfrm>
+          </p:grpSpPr>
+          <p:sp>
+            <p:nvSpPr>
+              <p:cNvPr id="36" name="円柱 35">
+                <a:extLst>
+                  <a:ext uri="{FF2B5EF4-FFF2-40B4-BE49-F238E27FC236}">
+                    <a16:creationId xmlns:a16="http://schemas.microsoft.com/office/drawing/2014/main" id="{3B1B47D6-98EB-3896-7824-9E3EF72980DA}"/>
+                  </a:ext>
+                </a:extLst>
+              </p:cNvPr>
+              <p:cNvSpPr/>
+              <p:nvPr/>
+            </p:nvSpPr>
+            <p:spPr>
+              <a:xfrm>
+                <a:off x="1224000" y="4067865"/>
+                <a:ext cx="1872000" cy="1125498"/>
+              </a:xfrm>
+              <a:prstGeom prst="can">
+                <a:avLst/>
+              </a:prstGeom>
+              <a:ln w="25400"/>
+            </p:spPr>
+            <p:style>
+              <a:lnRef idx="2">
+                <a:schemeClr val="accent1">
+                  <a:shade val="15000"/>
+                </a:schemeClr>
+              </a:lnRef>
+              <a:fillRef idx="1">
+                <a:schemeClr val="accent1"/>
+              </a:fillRef>
+              <a:effectRef idx="0">
+                <a:schemeClr val="accent1"/>
+              </a:effectRef>
+              <a:fontRef idx="minor">
+                <a:schemeClr val="lt1"/>
+              </a:fontRef>
+            </p:style>
+            <p:txBody>
+              <a:bodyPr wrap="square" lIns="91440" tIns="45720" rIns="91440" bIns="45720" rtlCol="0" anchor="t" anchorCtr="0">
+                <a:spAutoFit/>
+              </a:bodyPr>
+              <a:lstStyle/>
+              <a:p>
+                <a:r>
+                  <a:rPr kumimoji="1" lang="en-US" altLang="ja-JP" sz="1000" dirty="0">
+                    <a:ea typeface="游ゴシック"/>
+                  </a:rPr>
+                  <a:t>N: Data partition</a:t>
+                </a:r>
+                <a:r>
+                  <a:rPr lang="en-US" altLang="ja-JP" sz="1000" dirty="0">
+                    <a:ea typeface="游ゴシック"/>
+                  </a:rPr>
+                  <a:t> (NTFS)</a:t>
+                </a:r>
+                <a:br>
+                  <a:rPr lang="en-US" altLang="ja-JP" sz="1000" dirty="0">
+                    <a:ea typeface="游ゴシック"/>
+                  </a:rPr>
+                </a:br>
+                <a:r>
+                  <a:rPr lang="en-US" altLang="ja-JP" sz="1000" dirty="0">
+                    <a:ea typeface="游ゴシック"/>
+                  </a:rPr>
+                  <a:t>Application Data:</a:t>
+                </a:r>
+              </a:p>
+              <a:p>
+                <a:pPr marL="171450" indent="-171450">
+                  <a:buFontTx/>
+                  <a:buChar char="-"/>
+                </a:pPr>
+                <a:r>
+                  <a:rPr lang="en-US" altLang="ja-JP" sz="1000" b="1" dirty="0">
+                    <a:ea typeface="游ゴシック"/>
+                  </a:rPr>
+                  <a:t>Security Center</a:t>
+                </a:r>
+              </a:p>
+              <a:p>
+                <a:pPr marL="171450" indent="-171450">
+                  <a:buFontTx/>
+                  <a:buChar char="-"/>
+                </a:pPr>
+                <a:r>
+                  <a:rPr lang="en-US" altLang="ja-JP" sz="1000" dirty="0">
+                    <a:ea typeface="游ゴシック"/>
+                  </a:rPr>
+                  <a:t>SQL Server</a:t>
+                </a:r>
+                <a:endParaRPr lang="ja-JP" altLang="en-US" sz="1000" dirty="0">
+                  <a:ea typeface="游ゴシック"/>
+                </a:endParaRPr>
+              </a:p>
+            </p:txBody>
+          </p:sp>
+          <p:sp>
+            <p:nvSpPr>
+              <p:cNvPr id="37" name="円柱 36">
+                <a:extLst>
+                  <a:ext uri="{FF2B5EF4-FFF2-40B4-BE49-F238E27FC236}">
+                    <a16:creationId xmlns:a16="http://schemas.microsoft.com/office/drawing/2014/main" id="{912D7802-DE5E-A589-7E53-DA486409CF89}"/>
+                  </a:ext>
+                </a:extLst>
+              </p:cNvPr>
+              <p:cNvSpPr/>
+              <p:nvPr/>
+            </p:nvSpPr>
+            <p:spPr>
+              <a:xfrm>
+                <a:off x="1224000" y="3650489"/>
+                <a:ext cx="1872000" cy="697217"/>
+              </a:xfrm>
+              <a:prstGeom prst="can">
+                <a:avLst>
+                  <a:gd name="adj" fmla="val 35777"/>
+                </a:avLst>
+              </a:prstGeom>
+              <a:ln w="25400"/>
+            </p:spPr>
+            <p:style>
+              <a:lnRef idx="2">
+                <a:schemeClr val="accent1">
+                  <a:shade val="15000"/>
+                </a:schemeClr>
+              </a:lnRef>
+              <a:fillRef idx="1">
+                <a:schemeClr val="accent1"/>
+              </a:fillRef>
+              <a:effectRef idx="0">
+                <a:schemeClr val="accent1"/>
+              </a:effectRef>
+              <a:fontRef idx="minor">
+                <a:schemeClr val="lt1"/>
+              </a:fontRef>
+            </p:style>
+            <p:txBody>
+              <a:bodyPr wrap="square" lIns="91440" tIns="45720" rIns="91440" bIns="45720" rtlCol="0" anchor="ctr" anchorCtr="0">
+                <a:noAutofit/>
+              </a:bodyPr>
+              <a:lstStyle/>
+              <a:p>
+                <a:r>
+                  <a:rPr lang="en-US" altLang="ja-JP" sz="1000" dirty="0">
+                    <a:ea typeface="游ゴシック"/>
+                  </a:rPr>
+                  <a:t>M: Cluster partition (RAW)</a:t>
+                </a:r>
+              </a:p>
+            </p:txBody>
+          </p:sp>
+        </p:grpSp>
+        <p:grpSp>
+          <p:nvGrpSpPr>
+            <p:cNvPr id="38" name="グループ化 37">
+              <a:extLst>
+                <a:ext uri="{FF2B5EF4-FFF2-40B4-BE49-F238E27FC236}">
+                  <a16:creationId xmlns:a16="http://schemas.microsoft.com/office/drawing/2014/main" id="{2A422C3A-9272-8D8B-97F6-74C014A0ECA0}"/>
+                </a:ext>
+              </a:extLst>
+            </p:cNvPr>
+            <p:cNvGrpSpPr/>
+            <p:nvPr/>
+          </p:nvGrpSpPr>
+          <p:grpSpPr>
+            <a:xfrm>
+              <a:off x="7992273" y="3674584"/>
+              <a:ext cx="1872000" cy="1542874"/>
+              <a:chOff x="1224000" y="3650489"/>
+              <a:chExt cx="1872000" cy="1542874"/>
+            </a:xfrm>
+          </p:grpSpPr>
+          <p:sp>
+            <p:nvSpPr>
+              <p:cNvPr id="41" name="円柱 40">
+                <a:extLst>
+                  <a:ext uri="{FF2B5EF4-FFF2-40B4-BE49-F238E27FC236}">
+                    <a16:creationId xmlns:a16="http://schemas.microsoft.com/office/drawing/2014/main" id="{11A59C0C-F6A6-2711-D7A4-1740256A2715}"/>
+                  </a:ext>
+                </a:extLst>
+              </p:cNvPr>
+              <p:cNvSpPr/>
+              <p:nvPr/>
+            </p:nvSpPr>
+            <p:spPr>
+              <a:xfrm>
+                <a:off x="1224000" y="4067865"/>
+                <a:ext cx="1872000" cy="1125498"/>
+              </a:xfrm>
+              <a:prstGeom prst="can">
+                <a:avLst/>
+              </a:prstGeom>
+              <a:ln w="25400"/>
+            </p:spPr>
+            <p:style>
+              <a:lnRef idx="2">
+                <a:schemeClr val="accent1">
+                  <a:shade val="15000"/>
+                </a:schemeClr>
+              </a:lnRef>
+              <a:fillRef idx="1">
+                <a:schemeClr val="accent1"/>
+              </a:fillRef>
+              <a:effectRef idx="0">
+                <a:schemeClr val="accent1"/>
+              </a:effectRef>
+              <a:fontRef idx="minor">
+                <a:schemeClr val="lt1"/>
+              </a:fontRef>
+            </p:style>
+            <p:txBody>
+              <a:bodyPr wrap="square" lIns="91440" tIns="45720" rIns="91440" bIns="45720" rtlCol="0" anchor="t" anchorCtr="0">
+                <a:spAutoFit/>
+              </a:bodyPr>
+              <a:lstStyle/>
+              <a:p>
+                <a:r>
+                  <a:rPr kumimoji="1" lang="en-US" altLang="ja-JP" sz="1000" dirty="0">
+                    <a:ea typeface="游ゴシック"/>
+                  </a:rPr>
+                  <a:t>N: Data partition</a:t>
+                </a:r>
+                <a:r>
+                  <a:rPr lang="en-US" altLang="ja-JP" sz="1000" dirty="0">
+                    <a:ea typeface="游ゴシック"/>
+                  </a:rPr>
+                  <a:t> (NTFS)</a:t>
+                </a:r>
+                <a:br>
+                  <a:rPr lang="en-US" altLang="ja-JP" sz="1000" dirty="0">
+                    <a:ea typeface="游ゴシック"/>
+                  </a:rPr>
+                </a:br>
+                <a:r>
+                  <a:rPr lang="en-US" altLang="ja-JP" sz="1000" dirty="0">
+                    <a:ea typeface="游ゴシック"/>
+                  </a:rPr>
+                  <a:t>Application Data:</a:t>
+                </a:r>
+              </a:p>
+              <a:p>
+                <a:pPr marL="171450" indent="-171450">
+                  <a:buFontTx/>
+                  <a:buChar char="-"/>
+                </a:pPr>
+                <a:r>
+                  <a:rPr lang="en-US" altLang="ja-JP" sz="1000" b="1" dirty="0">
+                    <a:ea typeface="游ゴシック"/>
+                  </a:rPr>
+                  <a:t>Security Center</a:t>
+                </a:r>
+              </a:p>
+              <a:p>
+                <a:pPr marL="171450" indent="-171450">
+                  <a:buFontTx/>
+                  <a:buChar char="-"/>
+                </a:pPr>
+                <a:r>
+                  <a:rPr lang="en-US" altLang="ja-JP" sz="1000" dirty="0">
+                    <a:ea typeface="游ゴシック"/>
+                  </a:rPr>
+                  <a:t>SQL Server</a:t>
+                </a:r>
+                <a:endParaRPr lang="ja-JP" altLang="en-US" sz="1000" dirty="0">
+                  <a:ea typeface="游ゴシック"/>
+                </a:endParaRPr>
+              </a:p>
+            </p:txBody>
+          </p:sp>
+          <p:sp>
+            <p:nvSpPr>
+              <p:cNvPr id="42" name="円柱 41">
+                <a:extLst>
+                  <a:ext uri="{FF2B5EF4-FFF2-40B4-BE49-F238E27FC236}">
+                    <a16:creationId xmlns:a16="http://schemas.microsoft.com/office/drawing/2014/main" id="{F9208916-3D8F-5F76-5EA7-4B0F884B95F8}"/>
+                  </a:ext>
+                </a:extLst>
+              </p:cNvPr>
+              <p:cNvSpPr/>
+              <p:nvPr/>
+            </p:nvSpPr>
+            <p:spPr>
+              <a:xfrm>
+                <a:off x="1224000" y="3650489"/>
+                <a:ext cx="1872000" cy="697217"/>
+              </a:xfrm>
+              <a:prstGeom prst="can">
+                <a:avLst>
+                  <a:gd name="adj" fmla="val 35777"/>
+                </a:avLst>
+              </a:prstGeom>
+              <a:ln w="25400"/>
+            </p:spPr>
+            <p:style>
+              <a:lnRef idx="2">
+                <a:schemeClr val="accent1">
+                  <a:shade val="15000"/>
+                </a:schemeClr>
+              </a:lnRef>
+              <a:fillRef idx="1">
+                <a:schemeClr val="accent1"/>
+              </a:fillRef>
+              <a:effectRef idx="0">
+                <a:schemeClr val="accent1"/>
+              </a:effectRef>
+              <a:fontRef idx="minor">
+                <a:schemeClr val="lt1"/>
+              </a:fontRef>
+            </p:style>
+            <p:txBody>
+              <a:bodyPr wrap="square" lIns="91440" tIns="45720" rIns="91440" bIns="45720" rtlCol="0" anchor="ctr" anchorCtr="0">
+                <a:noAutofit/>
+              </a:bodyPr>
+              <a:lstStyle/>
+              <a:p>
+                <a:r>
+                  <a:rPr lang="en-US" altLang="ja-JP" sz="1000" dirty="0">
+                    <a:ea typeface="游ゴシック"/>
+                  </a:rPr>
+                  <a:t>M: Cluster partition (RAW)</a:t>
+                </a:r>
+              </a:p>
+            </p:txBody>
+          </p:sp>
+        </p:grpSp>
+        <p:cxnSp>
+          <p:nvCxnSpPr>
+            <p:cNvPr id="43" name="直線矢印コネクタ 42">
+              <a:extLst>
+                <a:ext uri="{FF2B5EF4-FFF2-40B4-BE49-F238E27FC236}">
+                  <a16:creationId xmlns:a16="http://schemas.microsoft.com/office/drawing/2014/main" id="{99BB9230-A343-60B1-8F38-79FC81D2B1E7}"/>
+                </a:ext>
+              </a:extLst>
+            </p:cNvPr>
+            <p:cNvCxnSpPr>
+              <a:cxnSpLocks/>
+              <a:stCxn id="36" idx="4"/>
+              <a:endCxn id="41" idx="2"/>
+            </p:cNvCxnSpPr>
+            <p:nvPr/>
+          </p:nvCxnSpPr>
+          <p:spPr>
+            <a:xfrm>
+              <a:off x="4235466" y="4654709"/>
+              <a:ext cx="3756807" cy="0"/>
+            </a:xfrm>
+            <a:prstGeom prst="straightConnector1">
+              <a:avLst/>
+            </a:prstGeom>
+            <a:ln w="76200">
+              <a:solidFill>
+                <a:schemeClr val="tx1"/>
+              </a:solidFill>
+              <a:prstDash val="sysDot"/>
+              <a:headEnd type="none"/>
+              <a:tailEnd type="triangle"/>
+            </a:ln>
+          </p:spPr>
+          <p:style>
+            <a:lnRef idx="1">
+              <a:schemeClr val="accent1"/>
+            </a:lnRef>
+            <a:fillRef idx="0">
+              <a:schemeClr val="accent1"/>
+            </a:fillRef>
+            <a:effectRef idx="0">
+              <a:schemeClr val="accent1"/>
+            </a:effectRef>
+            <a:fontRef idx="minor">
+              <a:schemeClr val="tx1"/>
+            </a:fontRef>
+          </p:style>
+        </p:cxnSp>
+        <p:sp>
+          <p:nvSpPr>
+            <p:cNvPr id="47" name="テキスト ボックス 46">
+              <a:extLst>
+                <a:ext uri="{FF2B5EF4-FFF2-40B4-BE49-F238E27FC236}">
+                  <a16:creationId xmlns:a16="http://schemas.microsoft.com/office/drawing/2014/main" id="{9E1DDA7B-3CB1-B1B6-0EFB-777244B7A5B8}"/>
+                </a:ext>
+              </a:extLst>
+            </p:cNvPr>
+            <p:cNvSpPr txBox="1"/>
+            <p:nvPr/>
+          </p:nvSpPr>
+          <p:spPr>
+            <a:xfrm>
+              <a:off x="5631462" y="4336478"/>
+              <a:ext cx="1168911" cy="307777"/>
+            </a:xfrm>
+            <a:prstGeom prst="rect">
+              <a:avLst/>
+            </a:prstGeom>
+            <a:noFill/>
+          </p:spPr>
+          <p:txBody>
+            <a:bodyPr wrap="none">
+              <a:spAutoFit/>
+            </a:bodyPr>
+            <a:lstStyle/>
+            <a:p>
+              <a:pPr algn="ctr"/>
+              <a:r>
+                <a:rPr kumimoji="1" lang="en-US" altLang="ja-JP" sz="1400" b="1" dirty="0">
+                  <a:ln>
+                    <a:solidFill>
+                      <a:schemeClr val="bg1"/>
+                    </a:solidFill>
+                  </a:ln>
+                  <a:solidFill>
+                    <a:schemeClr val="tx1"/>
+                  </a:solidFill>
+                  <a:ea typeface="游ゴシック"/>
+                </a:rPr>
+                <a:t>Replication</a:t>
+              </a:r>
+              <a:endParaRPr kumimoji="1" lang="ja-JP" altLang="en-US" sz="1400" b="1" dirty="0">
+                <a:ln>
+                  <a:solidFill>
+                    <a:schemeClr val="bg1"/>
+                  </a:solidFill>
+                </a:ln>
+                <a:solidFill>
+                  <a:schemeClr val="tx1"/>
+                </a:solidFill>
+                <a:ea typeface="游ゴシック"/>
+              </a:endParaRPr>
+            </a:p>
+          </p:txBody>
+        </p:sp>
+        <p:sp>
+          <p:nvSpPr>
+            <p:cNvPr id="64" name="円柱 3">
+              <a:extLst>
+                <a:ext uri="{FF2B5EF4-FFF2-40B4-BE49-F238E27FC236}">
+                  <a16:creationId xmlns:a16="http://schemas.microsoft.com/office/drawing/2014/main" id="{AB9C5871-574F-80C7-EC65-91A546C7A49C}"/>
+                </a:ext>
+              </a:extLst>
+            </p:cNvPr>
+            <p:cNvSpPr/>
+            <p:nvPr/>
+          </p:nvSpPr>
+          <p:spPr>
+            <a:xfrm>
+              <a:off x="697185" y="3795074"/>
+              <a:ext cx="1519968" cy="1370171"/>
+            </a:xfrm>
+            <a:prstGeom prst="can">
+              <a:avLst/>
+            </a:prstGeom>
+            <a:ln w="25400"/>
+          </p:spPr>
+          <p:style>
+            <a:lnRef idx="2">
+              <a:schemeClr val="accent1">
+                <a:shade val="15000"/>
+              </a:schemeClr>
+            </a:lnRef>
+            <a:fillRef idx="1">
+              <a:schemeClr val="accent1"/>
+            </a:fillRef>
+            <a:effectRef idx="0">
+              <a:schemeClr val="accent1"/>
+            </a:effectRef>
+            <a:fontRef idx="minor">
+              <a:schemeClr val="lt1"/>
+            </a:fontRef>
+          </p:style>
+          <p:txBody>
+            <a:bodyPr wrap="none" lIns="91440" tIns="45720" rIns="91440" bIns="45720" rtlCol="0" anchor="t" anchorCtr="0">
+              <a:spAutoFit/>
+            </a:bodyPr>
+            <a:lstStyle/>
+            <a:p>
+              <a:r>
+                <a:rPr lang="en-US" altLang="ja-JP" sz="1000" dirty="0">
+                  <a:ea typeface="游ゴシック"/>
+                </a:rPr>
+                <a:t>C: System partition</a:t>
+              </a:r>
+              <a:endParaRPr lang="en-US" dirty="0"/>
+            </a:p>
+            <a:p>
+              <a:r>
+                <a:rPr lang="en-US" altLang="ja-JP" sz="1000" dirty="0">
+                  <a:ea typeface="游ゴシック"/>
+                </a:rPr>
+                <a:t>Application Programs;</a:t>
+              </a:r>
+            </a:p>
+            <a:p>
+              <a:pPr marL="171450" indent="-171450">
+                <a:buFont typeface="Calibri"/>
+                <a:buChar char="-"/>
+              </a:pPr>
+              <a:r>
+                <a:rPr lang="en-US" altLang="ja-JP" sz="1000" b="1" dirty="0">
+                  <a:ea typeface="游ゴシック"/>
+                </a:rPr>
+                <a:t>Security Center</a:t>
+              </a:r>
+              <a:endParaRPr lang="en-US" b="1" dirty="0">
+                <a:ea typeface="游ゴシック"/>
+              </a:endParaRPr>
+            </a:p>
+            <a:p>
+              <a:pPr marL="171450" indent="-171450">
+                <a:buFont typeface="Calibri"/>
+                <a:buChar char="-"/>
+              </a:pPr>
+              <a:r>
+                <a:rPr lang="en-US" altLang="ja-JP" sz="1000" dirty="0">
+                  <a:ea typeface="游ゴシック"/>
+                </a:rPr>
+                <a:t>SQL Server</a:t>
+              </a:r>
+              <a:endParaRPr lang="en-US" dirty="0">
+                <a:ea typeface="游ゴシック"/>
+              </a:endParaRPr>
+            </a:p>
+            <a:p>
+              <a:pPr marL="171450" indent="-171450">
+                <a:buFont typeface="Calibri"/>
+                <a:buChar char="-"/>
+              </a:pPr>
+              <a:r>
+                <a:rPr lang="en-US" altLang="ja-JP" sz="1000" dirty="0">
+                  <a:ea typeface="游ゴシック"/>
+                </a:rPr>
+                <a:t>EXPRESSCLUSTER</a:t>
+              </a:r>
+              <a:endParaRPr lang="en-US" dirty="0">
+                <a:ea typeface="游ゴシック" panose="020F0502020204030204"/>
+              </a:endParaRPr>
+            </a:p>
+          </p:txBody>
+        </p:sp>
+        <p:sp>
+          <p:nvSpPr>
+            <p:cNvPr id="65" name="円柱 3">
+              <a:extLst>
+                <a:ext uri="{FF2B5EF4-FFF2-40B4-BE49-F238E27FC236}">
+                  <a16:creationId xmlns:a16="http://schemas.microsoft.com/office/drawing/2014/main" id="{E04B2DCF-90F2-23A9-1E52-600600C2ADB5}"/>
+                </a:ext>
+              </a:extLst>
+            </p:cNvPr>
+            <p:cNvSpPr/>
+            <p:nvPr/>
+          </p:nvSpPr>
+          <p:spPr>
+            <a:xfrm>
+              <a:off x="9963124" y="3795074"/>
+              <a:ext cx="1519968" cy="1370171"/>
+            </a:xfrm>
+            <a:prstGeom prst="can">
+              <a:avLst/>
+            </a:prstGeom>
+            <a:ln w="25400"/>
+          </p:spPr>
+          <p:style>
+            <a:lnRef idx="2">
+              <a:schemeClr val="accent1">
+                <a:shade val="15000"/>
+              </a:schemeClr>
+            </a:lnRef>
+            <a:fillRef idx="1">
+              <a:schemeClr val="accent1"/>
+            </a:fillRef>
+            <a:effectRef idx="0">
+              <a:schemeClr val="accent1"/>
+            </a:effectRef>
+            <a:fontRef idx="minor">
+              <a:schemeClr val="lt1"/>
+            </a:fontRef>
+          </p:style>
+          <p:txBody>
+            <a:bodyPr wrap="none" lIns="91440" tIns="45720" rIns="91440" bIns="45720" rtlCol="0" anchor="t" anchorCtr="0">
+              <a:spAutoFit/>
+            </a:bodyPr>
+            <a:lstStyle/>
+            <a:p>
+              <a:r>
+                <a:rPr lang="en-US" altLang="ja-JP" sz="1000" dirty="0">
+                  <a:ea typeface="游ゴシック"/>
+                </a:rPr>
+                <a:t>C: System partition</a:t>
+              </a:r>
+              <a:endParaRPr lang="en-US" dirty="0"/>
+            </a:p>
+            <a:p>
+              <a:r>
+                <a:rPr lang="en-US" altLang="ja-JP" sz="1000" dirty="0">
+                  <a:ea typeface="游ゴシック"/>
+                </a:rPr>
+                <a:t>Application Programs;</a:t>
+              </a:r>
+            </a:p>
+            <a:p>
+              <a:pPr marL="171450" indent="-171450">
+                <a:buFont typeface="Calibri"/>
+                <a:buChar char="-"/>
+              </a:pPr>
+              <a:r>
+                <a:rPr lang="en-US" altLang="ja-JP" sz="1000" b="1" dirty="0">
+                  <a:ea typeface="游ゴシック"/>
+                </a:rPr>
+                <a:t>Security Center</a:t>
+              </a:r>
+              <a:endParaRPr lang="en-US" b="1" dirty="0">
+                <a:ea typeface="游ゴシック"/>
+              </a:endParaRPr>
+            </a:p>
+            <a:p>
+              <a:pPr marL="171450" indent="-171450">
+                <a:buFont typeface="Calibri"/>
+                <a:buChar char="-"/>
+              </a:pPr>
+              <a:r>
+                <a:rPr lang="en-US" altLang="ja-JP" sz="1000" dirty="0">
+                  <a:ea typeface="游ゴシック"/>
+                </a:rPr>
+                <a:t>SQL Server</a:t>
+              </a:r>
+              <a:endParaRPr lang="en-US" dirty="0">
+                <a:ea typeface="游ゴシック"/>
+              </a:endParaRPr>
+            </a:p>
+            <a:p>
+              <a:pPr marL="171450" indent="-171450">
+                <a:buFont typeface="Calibri"/>
+                <a:buChar char="-"/>
+              </a:pPr>
+              <a:r>
+                <a:rPr lang="en-US" altLang="ja-JP" sz="1000" dirty="0">
+                  <a:ea typeface="游ゴシック"/>
+                </a:rPr>
+                <a:t>EXPRESSCLUSTER</a:t>
+              </a:r>
+              <a:endParaRPr lang="en-US" dirty="0">
+                <a:ea typeface="游ゴシック" panose="020F0502020204030204"/>
+              </a:endParaRPr>
+            </a:p>
+          </p:txBody>
+        </p:sp>
+        <p:sp>
+          <p:nvSpPr>
+            <p:cNvPr id="67" name="テキスト ボックス 66">
+              <a:extLst>
+                <a:ext uri="{FF2B5EF4-FFF2-40B4-BE49-F238E27FC236}">
+                  <a16:creationId xmlns:a16="http://schemas.microsoft.com/office/drawing/2014/main" id="{E551D3CF-C68D-14A4-AEA8-A9770805D4F5}"/>
+                </a:ext>
+              </a:extLst>
+            </p:cNvPr>
+            <p:cNvSpPr txBox="1"/>
+            <p:nvPr/>
+          </p:nvSpPr>
+          <p:spPr>
+            <a:xfrm>
+              <a:off x="4581247" y="2898834"/>
+              <a:ext cx="1063112" cy="307777"/>
+            </a:xfrm>
+            <a:prstGeom prst="rect">
+              <a:avLst/>
+            </a:prstGeom>
+            <a:noFill/>
+          </p:spPr>
+          <p:txBody>
+            <a:bodyPr wrap="none">
+              <a:spAutoFit/>
+            </a:bodyPr>
+            <a:lstStyle/>
+            <a:p>
+              <a:pPr algn="ctr"/>
+              <a:r>
+                <a:rPr kumimoji="1" lang="en-US" altLang="ja-JP" sz="1400" b="1" dirty="0">
+                  <a:ln>
+                    <a:solidFill>
+                      <a:schemeClr val="bg1"/>
+                    </a:solidFill>
+                  </a:ln>
+                  <a:solidFill>
+                    <a:schemeClr val="tx1"/>
+                  </a:solidFill>
+                  <a:ea typeface="游ゴシック"/>
+                </a:rPr>
+                <a:t>Heartbeat</a:t>
+              </a:r>
+              <a:endParaRPr kumimoji="1" lang="ja-JP" altLang="en-US" sz="1400" b="1" dirty="0">
+                <a:ln>
+                  <a:solidFill>
+                    <a:schemeClr val="bg1"/>
+                  </a:solidFill>
+                </a:ln>
+                <a:solidFill>
+                  <a:schemeClr val="tx1"/>
+                </a:solidFill>
+                <a:ea typeface="游ゴシック"/>
+              </a:endParaRPr>
+            </a:p>
+          </p:txBody>
+        </p:sp>
       </p:grpSp>
     </p:spTree>
     <p:extLst>
       <p:ext uri="{BB962C8B-B14F-4D97-AF65-F5344CB8AC3E}">
-        <p14:creationId xmlns:p14="http://schemas.microsoft.com/office/powerpoint/2010/main" val="230536960"/>
+        <p14:creationId xmlns:p14="http://schemas.microsoft.com/office/powerpoint/2010/main" val="2526236271"/>
       </p:ext>
     </p:extLst>
   </p:cSld>
